--- a/PLPTH813Bioinformatis/2023/labs/lab04_NGS.pptx
+++ b/PLPTH813Bioinformatis/2023/labs/lab04_NGS.pptx
@@ -5,30 +5,31 @@
     <p:sldMasterId id="2147483648" r:id="rId1"/>
   </p:sldMasterIdLst>
   <p:notesMasterIdLst>
-    <p:notesMasterId r:id="rId23"/>
+    <p:notesMasterId r:id="rId24"/>
   </p:notesMasterIdLst>
   <p:sldIdLst>
     <p:sldId id="256" r:id="rId2"/>
     <p:sldId id="269" r:id="rId3"/>
     <p:sldId id="273" r:id="rId4"/>
-    <p:sldId id="271" r:id="rId5"/>
-    <p:sldId id="275" r:id="rId6"/>
-    <p:sldId id="297" r:id="rId7"/>
-    <p:sldId id="299" r:id="rId8"/>
-    <p:sldId id="296" r:id="rId9"/>
-    <p:sldId id="289" r:id="rId10"/>
+    <p:sldId id="300" r:id="rId5"/>
+    <p:sldId id="271" r:id="rId6"/>
+    <p:sldId id="301" r:id="rId7"/>
+    <p:sldId id="275" r:id="rId8"/>
+    <p:sldId id="299" r:id="rId9"/>
+    <p:sldId id="296" r:id="rId10"/>
     <p:sldId id="280" r:id="rId11"/>
     <p:sldId id="276" r:id="rId12"/>
     <p:sldId id="277" r:id="rId13"/>
     <p:sldId id="278" r:id="rId14"/>
     <p:sldId id="279" r:id="rId15"/>
-    <p:sldId id="281" r:id="rId16"/>
-    <p:sldId id="282" r:id="rId17"/>
-    <p:sldId id="298" r:id="rId18"/>
-    <p:sldId id="283" r:id="rId19"/>
-    <p:sldId id="285" r:id="rId20"/>
-    <p:sldId id="287" r:id="rId21"/>
-    <p:sldId id="286" r:id="rId22"/>
+    <p:sldId id="302" r:id="rId16"/>
+    <p:sldId id="281" r:id="rId17"/>
+    <p:sldId id="282" r:id="rId18"/>
+    <p:sldId id="298" r:id="rId19"/>
+    <p:sldId id="283" r:id="rId20"/>
+    <p:sldId id="285" r:id="rId21"/>
+    <p:sldId id="287" r:id="rId22"/>
+    <p:sldId id="286" r:id="rId23"/>
   </p:sldIdLst>
   <p:sldSz cx="9144000" cy="6858000" type="screen4x3"/>
   <p:notesSz cx="6858000" cy="9144000"/>
@@ -228,7 +229,7 @@
           <a:p>
             <a:fld id="{08E6E0A8-E17C-C949-B17E-7A1A6494483A}" type="datetimeFigureOut">
               <a:rPr lang="en-US" smtClean="0"/>
-              <a:t>2/5/23</a:t>
+              <a:t>2/8/23</a:t>
             </a:fld>
             <a:endParaRPr lang="en-US"/>
           </a:p>
@@ -495,6 +496,90 @@
 </p:notesMaster>
 </file>
 
+<file path=ppt/notesSlides/notesSlide1.xml><?xml version="1.0" encoding="utf-8"?>
+<p:notes xmlns:a="http://schemas.openxmlformats.org/drawingml/2006/main" xmlns:r="http://schemas.openxmlformats.org/officeDocument/2006/relationships" xmlns:p="http://schemas.openxmlformats.org/presentationml/2006/main">
+  <p:cSld>
+    <p:spTree>
+      <p:nvGrpSpPr>
+        <p:cNvPr id="1" name=""/>
+        <p:cNvGrpSpPr/>
+        <p:nvPr/>
+      </p:nvGrpSpPr>
+      <p:grpSpPr>
+        <a:xfrm>
+          <a:off x="0" y="0"/>
+          <a:ext cx="0" cy="0"/>
+          <a:chOff x="0" y="0"/>
+          <a:chExt cx="0" cy="0"/>
+        </a:xfrm>
+      </p:grpSpPr>
+      <p:sp>
+        <p:nvSpPr>
+          <p:cNvPr id="2" name="Slide Image Placeholder 1"/>
+          <p:cNvSpPr>
+            <a:spLocks noGrp="1" noRot="1" noChangeAspect="1"/>
+          </p:cNvSpPr>
+          <p:nvPr>
+            <p:ph type="sldImg"/>
+          </p:nvPr>
+        </p:nvSpPr>
+        <p:spPr/>
+      </p:sp>
+      <p:sp>
+        <p:nvSpPr>
+          <p:cNvPr id="3" name="Notes Placeholder 2"/>
+          <p:cNvSpPr>
+            <a:spLocks noGrp="1"/>
+          </p:cNvSpPr>
+          <p:nvPr>
+            <p:ph type="body" idx="1"/>
+          </p:nvPr>
+        </p:nvSpPr>
+        <p:spPr/>
+        <p:txBody>
+          <a:bodyPr/>
+          <a:lstStyle/>
+          <a:p>
+            <a:endParaRPr lang="en-US" dirty="0"/>
+          </a:p>
+        </p:txBody>
+      </p:sp>
+      <p:sp>
+        <p:nvSpPr>
+          <p:cNvPr id="4" name="Slide Number Placeholder 3"/>
+          <p:cNvSpPr>
+            <a:spLocks noGrp="1"/>
+          </p:cNvSpPr>
+          <p:nvPr>
+            <p:ph type="sldNum" sz="quarter" idx="5"/>
+          </p:nvPr>
+        </p:nvSpPr>
+        <p:spPr/>
+        <p:txBody>
+          <a:bodyPr/>
+          <a:lstStyle/>
+          <a:p>
+            <a:fld id="{DC2B8C24-ACAE-AE41-B565-178ED93271F0}" type="slidenum">
+              <a:rPr lang="en-US" smtClean="0"/>
+              <a:t>4</a:t>
+            </a:fld>
+            <a:endParaRPr lang="en-US"/>
+          </a:p>
+        </p:txBody>
+      </p:sp>
+    </p:spTree>
+    <p:extLst>
+      <p:ext uri="{BB962C8B-B14F-4D97-AF65-F5344CB8AC3E}">
+        <p14:creationId xmlns:p14="http://schemas.microsoft.com/office/powerpoint/2010/main" val="3190766210"/>
+      </p:ext>
+    </p:extLst>
+  </p:cSld>
+  <p:clrMapOvr>
+    <a:masterClrMapping/>
+  </p:clrMapOvr>
+</p:notes>
+</file>
+
 <file path=ppt/slideLayouts/slideLayout1.xml><?xml version="1.0" encoding="utf-8"?>
 <p:sldLayout xmlns:a="http://schemas.openxmlformats.org/drawingml/2006/main" xmlns:r="http://schemas.openxmlformats.org/officeDocument/2006/relationships" xmlns:p="http://schemas.openxmlformats.org/presentationml/2006/main" type="title" preserve="1">
   <p:cSld name="Title Slide">
@@ -674,7 +759,7 @@
           <a:p>
             <a:fld id="{42B8B0BE-C8D7-EB48-AD68-71DB5002F24B}" type="datetimeFigureOut">
               <a:rPr lang="en-US" smtClean="0"/>
-              <a:t>2/5/23</a:t>
+              <a:t>2/8/23</a:t>
             </a:fld>
             <a:endParaRPr lang="en-US"/>
           </a:p>
@@ -842,7 +927,7 @@
           <a:p>
             <a:fld id="{42B8B0BE-C8D7-EB48-AD68-71DB5002F24B}" type="datetimeFigureOut">
               <a:rPr lang="en-US" smtClean="0"/>
-              <a:t>2/5/23</a:t>
+              <a:t>2/8/23</a:t>
             </a:fld>
             <a:endParaRPr lang="en-US"/>
           </a:p>
@@ -1020,7 +1105,7 @@
           <a:p>
             <a:fld id="{42B8B0BE-C8D7-EB48-AD68-71DB5002F24B}" type="datetimeFigureOut">
               <a:rPr lang="en-US" smtClean="0"/>
-              <a:t>2/5/23</a:t>
+              <a:t>2/8/23</a:t>
             </a:fld>
             <a:endParaRPr lang="en-US"/>
           </a:p>
@@ -1188,7 +1273,7 @@
           <a:p>
             <a:fld id="{42B8B0BE-C8D7-EB48-AD68-71DB5002F24B}" type="datetimeFigureOut">
               <a:rPr lang="en-US" smtClean="0"/>
-              <a:t>2/5/23</a:t>
+              <a:t>2/8/23</a:t>
             </a:fld>
             <a:endParaRPr lang="en-US"/>
           </a:p>
@@ -1433,7 +1518,7 @@
           <a:p>
             <a:fld id="{42B8B0BE-C8D7-EB48-AD68-71DB5002F24B}" type="datetimeFigureOut">
               <a:rPr lang="en-US" smtClean="0"/>
-              <a:t>2/5/23</a:t>
+              <a:t>2/8/23</a:t>
             </a:fld>
             <a:endParaRPr lang="en-US"/>
           </a:p>
@@ -1718,7 +1803,7 @@
           <a:p>
             <a:fld id="{42B8B0BE-C8D7-EB48-AD68-71DB5002F24B}" type="datetimeFigureOut">
               <a:rPr lang="en-US" smtClean="0"/>
-              <a:t>2/5/23</a:t>
+              <a:t>2/8/23</a:t>
             </a:fld>
             <a:endParaRPr lang="en-US"/>
           </a:p>
@@ -2137,7 +2222,7 @@
           <a:p>
             <a:fld id="{42B8B0BE-C8D7-EB48-AD68-71DB5002F24B}" type="datetimeFigureOut">
               <a:rPr lang="en-US" smtClean="0"/>
-              <a:t>2/5/23</a:t>
+              <a:t>2/8/23</a:t>
             </a:fld>
             <a:endParaRPr lang="en-US"/>
           </a:p>
@@ -2254,7 +2339,7 @@
           <a:p>
             <a:fld id="{42B8B0BE-C8D7-EB48-AD68-71DB5002F24B}" type="datetimeFigureOut">
               <a:rPr lang="en-US" smtClean="0"/>
-              <a:t>2/5/23</a:t>
+              <a:t>2/8/23</a:t>
             </a:fld>
             <a:endParaRPr lang="en-US"/>
           </a:p>
@@ -2349,7 +2434,7 @@
           <a:p>
             <a:fld id="{42B8B0BE-C8D7-EB48-AD68-71DB5002F24B}" type="datetimeFigureOut">
               <a:rPr lang="en-US" smtClean="0"/>
-              <a:t>2/5/23</a:t>
+              <a:t>2/8/23</a:t>
             </a:fld>
             <a:endParaRPr lang="en-US"/>
           </a:p>
@@ -2624,7 +2709,7 @@
           <a:p>
             <a:fld id="{42B8B0BE-C8D7-EB48-AD68-71DB5002F24B}" type="datetimeFigureOut">
               <a:rPr lang="en-US" smtClean="0"/>
-              <a:t>2/5/23</a:t>
+              <a:t>2/8/23</a:t>
             </a:fld>
             <a:endParaRPr lang="en-US"/>
           </a:p>
@@ -2876,7 +2961,7 @@
           <a:p>
             <a:fld id="{42B8B0BE-C8D7-EB48-AD68-71DB5002F24B}" type="datetimeFigureOut">
               <a:rPr lang="en-US" smtClean="0"/>
-              <a:t>2/5/23</a:t>
+              <a:t>2/8/23</a:t>
             </a:fld>
             <a:endParaRPr lang="en-US"/>
           </a:p>
@@ -3087,7 +3172,7 @@
           <a:p>
             <a:fld id="{42B8B0BE-C8D7-EB48-AD68-71DB5002F24B}" type="datetimeFigureOut">
               <a:rPr lang="en-US" smtClean="0"/>
-              <a:t>2/5/23</a:t>
+              <a:t>2/8/23</a:t>
             </a:fld>
             <a:endParaRPr lang="en-US"/>
           </a:p>
@@ -3480,13 +3565,13 @@
         </p:spPr>
         <p:txBody>
           <a:bodyPr>
-            <a:normAutofit/>
+            <a:normAutofit fontScale="90000"/>
           </a:bodyPr>
           <a:lstStyle/>
           <a:p>
             <a:r>
-              <a:rPr lang="en-US" sz="3200" dirty="0"/>
-              <a:t>NGS Tools</a:t>
+              <a:rPr lang="en-US" sz="3600" dirty="0"/>
+              <a:t>Lab - NGS Tools</a:t>
             </a:r>
             <a:br>
               <a:rPr lang="en-US" sz="3200" dirty="0"/>
@@ -3495,7 +3580,7 @@
               <a:rPr lang="en-US" sz="3200" dirty="0"/>
             </a:br>
             <a:r>
-              <a:rPr lang="en-US" sz="2000" dirty="0"/>
+              <a:rPr lang="en-US" sz="2400" dirty="0"/>
               <a:t>Bioinformatics Applications (PLPTH813)</a:t>
             </a:r>
           </a:p>
@@ -3598,39 +3683,41 @@
         </p:nvSpPr>
         <p:spPr/>
         <p:txBody>
-          <a:bodyPr/>
-          <a:lstStyle/>
-          <a:p>
-            <a:r>
-              <a:rPr lang="en-US" dirty="0" err="1"/>
-              <a:t>seqtk</a:t>
-            </a:r>
-            <a:endParaRPr lang="en-US" dirty="0"/>
-          </a:p>
-        </p:txBody>
-      </p:sp>
-      <p:sp>
-        <p:nvSpPr>
-          <p:cNvPr id="3" name="Content Placeholder 2"/>
-          <p:cNvSpPr>
-            <a:spLocks noGrp="1"/>
-          </p:cNvSpPr>
-          <p:nvPr>
-            <p:ph idx="1"/>
-          </p:nvPr>
-        </p:nvSpPr>
-        <p:spPr>
-          <a:xfrm>
-            <a:off x="457200" y="2615076"/>
-            <a:ext cx="8229600" cy="3257113"/>
-          </a:xfrm>
-        </p:spPr>
-        <p:txBody>
           <a:bodyPr>
             <a:normAutofit/>
           </a:bodyPr>
           <a:lstStyle/>
           <a:p>
+            <a:r>
+              <a:rPr lang="en-US" sz="3600" dirty="0" err="1"/>
+              <a:t>seqtk</a:t>
+            </a:r>
+            <a:endParaRPr lang="en-US" sz="3600" dirty="0"/>
+          </a:p>
+        </p:txBody>
+      </p:sp>
+      <p:sp>
+        <p:nvSpPr>
+          <p:cNvPr id="3" name="Content Placeholder 2"/>
+          <p:cNvSpPr>
+            <a:spLocks noGrp="1"/>
+          </p:cNvSpPr>
+          <p:nvPr>
+            <p:ph idx="1"/>
+          </p:nvPr>
+        </p:nvSpPr>
+        <p:spPr>
+          <a:xfrm>
+            <a:off x="370113" y="3810998"/>
+            <a:ext cx="8316686" cy="2930760"/>
+          </a:xfrm>
+        </p:spPr>
+        <p:txBody>
+          <a:bodyPr>
+            <a:noAutofit/>
+          </a:bodyPr>
+          <a:lstStyle/>
+          <a:p>
             <a:pPr marL="0" indent="0">
               <a:buNone/>
             </a:pPr>
@@ -3645,15 +3732,10 @@
             </a:pPr>
             <a:r>
               <a:rPr lang="en-US" dirty="0">
-                <a:solidFill>
-                  <a:schemeClr val="bg1">
-                    <a:lumMod val="75000"/>
-                  </a:schemeClr>
-                </a:solidFill>
-                <a:latin typeface="Courier"/>
-                <a:cs typeface="Courier"/>
-              </a:rPr>
-              <a:t>/homes/liu3zhen/local/bin/</a:t>
+                <a:latin typeface="Courier"/>
+                <a:cs typeface="Courier"/>
+              </a:rPr>
+              <a:t>./</a:t>
             </a:r>
             <a:r>
               <a:rPr lang="en-US" dirty="0" err="1">
@@ -3662,15 +3744,6 @@
               </a:rPr>
               <a:t>seqtk</a:t>
             </a:r>
-            <a:endParaRPr lang="en-US" dirty="0">
-              <a:latin typeface="Courier"/>
-              <a:cs typeface="Courier"/>
-            </a:endParaRPr>
-          </a:p>
-          <a:p>
-            <a:pPr marL="0" indent="0">
-              <a:buNone/>
-            </a:pPr>
             <a:endParaRPr lang="en-US" dirty="0"/>
           </a:p>
           <a:p>
@@ -3688,13 +3761,10 @@
             </a:pPr>
             <a:r>
               <a:rPr lang="en-US" dirty="0">
-                <a:solidFill>
-                  <a:srgbClr val="BFBFBF"/>
-                </a:solidFill>
-                <a:latin typeface="Courier"/>
-                <a:cs typeface="Courier"/>
-              </a:rPr>
-              <a:t>/homes/liu3zhen/local/bin/</a:t>
+                <a:latin typeface="Courier"/>
+                <a:cs typeface="Courier"/>
+              </a:rPr>
+              <a:t>./</a:t>
             </a:r>
             <a:r>
               <a:rPr lang="en-US" dirty="0" err="1">
@@ -3708,19 +3778,31 @@
                 <a:latin typeface="Courier"/>
                 <a:cs typeface="Courier"/>
               </a:rPr>
-              <a:t> </a:t>
-            </a:r>
-            <a:r>
-              <a:rPr lang="en-US" dirty="0" err="1">
-                <a:latin typeface="Courier"/>
-                <a:cs typeface="Courier"/>
-              </a:rPr>
-              <a:t>seq</a:t>
-            </a:r>
-            <a:endParaRPr lang="en-US" dirty="0">
-              <a:latin typeface="Courier"/>
-              <a:cs typeface="Courier"/>
-            </a:endParaRPr>
+              <a:t> seq</a:t>
+            </a:r>
+          </a:p>
+          <a:p>
+            <a:pPr marL="0" indent="0">
+              <a:buNone/>
+            </a:pPr>
+            <a:r>
+              <a:rPr lang="en-US" dirty="0">
+                <a:cs typeface="Courier"/>
+              </a:rPr>
+              <a:t># set path</a:t>
+            </a:r>
+          </a:p>
+          <a:p>
+            <a:pPr marL="0" indent="0">
+              <a:buNone/>
+            </a:pPr>
+            <a:r>
+              <a:rPr lang="en-US" dirty="0">
+                <a:latin typeface="Courier"/>
+                <a:cs typeface="Courier"/>
+              </a:rPr>
+              <a:t>export PATH=$PATH:$PWD</a:t>
+            </a:r>
           </a:p>
         </p:txBody>
       </p:sp>
@@ -3734,7 +3816,7 @@
         </p:nvSpPr>
         <p:spPr>
           <a:xfrm>
-            <a:off x="277805" y="1337468"/>
+            <a:off x="370113" y="1047625"/>
             <a:ext cx="8641719" cy="533997"/>
           </a:xfrm>
           <a:prstGeom prst="rect">
@@ -3902,6 +3984,132 @@
           </a:p>
         </p:txBody>
       </p:sp>
+      <p:sp>
+        <p:nvSpPr>
+          <p:cNvPr id="4" name="TextBox 3">
+            <a:extLst>
+              <a:ext uri="{FF2B5EF4-FFF2-40B4-BE49-F238E27FC236}">
+                <a16:creationId xmlns:a16="http://schemas.microsoft.com/office/drawing/2014/main" id="{2D697EE7-7C74-FFF6-B7C7-94BAD9CB9C71}"/>
+              </a:ext>
+            </a:extLst>
+          </p:cNvPr>
+          <p:cNvSpPr txBox="1"/>
+          <p:nvPr/>
+        </p:nvSpPr>
+        <p:spPr>
+          <a:xfrm>
+            <a:off x="370114" y="1581622"/>
+            <a:ext cx="8641718" cy="1938992"/>
+          </a:xfrm>
+          <a:prstGeom prst="rect">
+            <a:avLst/>
+          </a:prstGeom>
+          <a:noFill/>
+        </p:spPr>
+        <p:txBody>
+          <a:bodyPr wrap="square" rtlCol="0">
+            <a:spAutoFit/>
+          </a:bodyPr>
+          <a:lstStyle/>
+          <a:p>
+            <a:r>
+              <a:rPr lang="en-US" sz="2400" dirty="0"/>
+              <a:t># Installation of </a:t>
+            </a:r>
+            <a:r>
+              <a:rPr lang="en-US" sz="2400" dirty="0" err="1"/>
+              <a:t>seqtk</a:t>
+            </a:r>
+            <a:endParaRPr lang="en-US" sz="2400" dirty="0"/>
+          </a:p>
+          <a:p>
+            <a:r>
+              <a:rPr lang="en-US" sz="2400" dirty="0">
+                <a:latin typeface="Courier New" panose="02070309020205020404" pitchFamily="49" charset="0"/>
+                <a:cs typeface="Courier New" panose="02070309020205020404" pitchFamily="49" charset="0"/>
+              </a:rPr>
+              <a:t>git clone https://</a:t>
+            </a:r>
+            <a:r>
+              <a:rPr lang="en-US" sz="2400" dirty="0" err="1">
+                <a:latin typeface="Courier New" panose="02070309020205020404" pitchFamily="49" charset="0"/>
+                <a:cs typeface="Courier New" panose="02070309020205020404" pitchFamily="49" charset="0"/>
+              </a:rPr>
+              <a:t>github.com</a:t>
+            </a:r>
+            <a:r>
+              <a:rPr lang="en-US" sz="2400" dirty="0">
+                <a:latin typeface="Courier New" panose="02070309020205020404" pitchFamily="49" charset="0"/>
+                <a:cs typeface="Courier New" panose="02070309020205020404" pitchFamily="49" charset="0"/>
+              </a:rPr>
+              <a:t>/lh3/</a:t>
+            </a:r>
+            <a:r>
+              <a:rPr lang="en-US" sz="2400" dirty="0" err="1">
+                <a:latin typeface="Courier New" panose="02070309020205020404" pitchFamily="49" charset="0"/>
+                <a:cs typeface="Courier New" panose="02070309020205020404" pitchFamily="49" charset="0"/>
+              </a:rPr>
+              <a:t>seqtk.git</a:t>
+            </a:r>
+            <a:endParaRPr lang="en-US" sz="2400" dirty="0">
+              <a:latin typeface="Courier New" panose="02070309020205020404" pitchFamily="49" charset="0"/>
+              <a:cs typeface="Courier New" panose="02070309020205020404" pitchFamily="49" charset="0"/>
+            </a:endParaRPr>
+          </a:p>
+          <a:p>
+            <a:r>
+              <a:rPr lang="en-US" sz="2400" dirty="0">
+                <a:latin typeface="Courier New" panose="02070309020205020404" pitchFamily="49" charset="0"/>
+                <a:cs typeface="Courier New" panose="02070309020205020404" pitchFamily="49" charset="0"/>
+              </a:rPr>
+              <a:t>cd </a:t>
+            </a:r>
+            <a:r>
+              <a:rPr lang="en-US" sz="2400" dirty="0" err="1">
+                <a:latin typeface="Courier New" panose="02070309020205020404" pitchFamily="49" charset="0"/>
+                <a:cs typeface="Courier New" panose="02070309020205020404" pitchFamily="49" charset="0"/>
+              </a:rPr>
+              <a:t>seqtk</a:t>
+            </a:r>
+            <a:r>
+              <a:rPr lang="en-US" sz="2400" dirty="0">
+                <a:latin typeface="Courier New" panose="02070309020205020404" pitchFamily="49" charset="0"/>
+                <a:cs typeface="Courier New" panose="02070309020205020404" pitchFamily="49" charset="0"/>
+              </a:rPr>
+              <a:t>/</a:t>
+            </a:r>
+          </a:p>
+          <a:p>
+            <a:r>
+              <a:rPr lang="en-US" sz="2400" dirty="0">
+                <a:latin typeface="Courier New" panose="02070309020205020404" pitchFamily="49" charset="0"/>
+                <a:cs typeface="Courier New" panose="02070309020205020404" pitchFamily="49" charset="0"/>
+              </a:rPr>
+              <a:t>make </a:t>
+            </a:r>
+          </a:p>
+          <a:p>
+            <a:r>
+              <a:rPr lang="en-US" sz="2400" dirty="0">
+                <a:latin typeface="Courier New" panose="02070309020205020404" pitchFamily="49" charset="0"/>
+                <a:cs typeface="Courier New" panose="02070309020205020404" pitchFamily="49" charset="0"/>
+              </a:rPr>
+              <a:t>./</a:t>
+            </a:r>
+            <a:r>
+              <a:rPr lang="en-US" sz="2400" dirty="0" err="1">
+                <a:latin typeface="Courier New" panose="02070309020205020404" pitchFamily="49" charset="0"/>
+                <a:cs typeface="Courier New" panose="02070309020205020404" pitchFamily="49" charset="0"/>
+              </a:rPr>
+              <a:t>seqtk</a:t>
+            </a:r>
+            <a:endParaRPr lang="en-US" sz="2400" dirty="0">
+              <a:latin typeface="Courier New" panose="02070309020205020404" pitchFamily="49" charset="0"/>
+              <a:cs typeface="Courier New" panose="02070309020205020404" pitchFamily="49" charset="0"/>
+            </a:endParaRPr>
+          </a:p>
+        </p:txBody>
+      </p:sp>
     </p:spTree>
     <p:extLst>
       <p:ext uri="{BB962C8B-B14F-4D97-AF65-F5344CB8AC3E}">
@@ -3912,6 +4120,333 @@
   <p:clrMapOvr>
     <a:masterClrMapping/>
   </p:clrMapOvr>
+  <p:timing>
+    <p:tnLst>
+      <p:par>
+        <p:cTn id="1" dur="indefinite" restart="never" nodeType="tmRoot">
+          <p:childTnLst>
+            <p:seq concurrent="1" nextAc="seek">
+              <p:cTn id="2" dur="indefinite" nodeType="mainSeq">
+                <p:childTnLst>
+                  <p:par>
+                    <p:cTn id="3" fill="hold">
+                      <p:stCondLst>
+                        <p:cond delay="indefinite"/>
+                      </p:stCondLst>
+                      <p:childTnLst>
+                        <p:par>
+                          <p:cTn id="4" fill="hold">
+                            <p:stCondLst>
+                              <p:cond delay="0"/>
+                            </p:stCondLst>
+                            <p:childTnLst>
+                              <p:par>
+                                <p:cTn id="5" presetID="1" presetClass="entr" presetSubtype="0" fill="hold" grpId="0" nodeType="clickEffect">
+                                  <p:stCondLst>
+                                    <p:cond delay="0"/>
+                                  </p:stCondLst>
+                                  <p:childTnLst>
+                                    <p:set>
+                                      <p:cBhvr>
+                                        <p:cTn id="6" dur="1" fill="hold">
+                                          <p:stCondLst>
+                                            <p:cond delay="0"/>
+                                          </p:stCondLst>
+                                        </p:cTn>
+                                        <p:tgtEl>
+                                          <p:spTgt spid="3">
+                                            <p:txEl>
+                                              <p:pRg st="0" end="0"/>
+                                            </p:txEl>
+                                          </p:spTgt>
+                                        </p:tgtEl>
+                                        <p:attrNameLst>
+                                          <p:attrName>style.visibility</p:attrName>
+                                        </p:attrNameLst>
+                                      </p:cBhvr>
+                                      <p:to>
+                                        <p:strVal val="visible"/>
+                                      </p:to>
+                                    </p:set>
+                                  </p:childTnLst>
+                                </p:cTn>
+                              </p:par>
+                            </p:childTnLst>
+                          </p:cTn>
+                        </p:par>
+                      </p:childTnLst>
+                    </p:cTn>
+                  </p:par>
+                  <p:par>
+                    <p:cTn id="7" fill="hold">
+                      <p:stCondLst>
+                        <p:cond delay="indefinite"/>
+                      </p:stCondLst>
+                      <p:childTnLst>
+                        <p:par>
+                          <p:cTn id="8" fill="hold">
+                            <p:stCondLst>
+                              <p:cond delay="0"/>
+                            </p:stCondLst>
+                            <p:childTnLst>
+                              <p:par>
+                                <p:cTn id="9" presetID="1" presetClass="entr" presetSubtype="0" fill="hold" grpId="0" nodeType="clickEffect">
+                                  <p:stCondLst>
+                                    <p:cond delay="0"/>
+                                  </p:stCondLst>
+                                  <p:childTnLst>
+                                    <p:set>
+                                      <p:cBhvr>
+                                        <p:cTn id="10" dur="1" fill="hold">
+                                          <p:stCondLst>
+                                            <p:cond delay="0"/>
+                                          </p:stCondLst>
+                                        </p:cTn>
+                                        <p:tgtEl>
+                                          <p:spTgt spid="3">
+                                            <p:txEl>
+                                              <p:pRg st="1" end="1"/>
+                                            </p:txEl>
+                                          </p:spTgt>
+                                        </p:tgtEl>
+                                        <p:attrNameLst>
+                                          <p:attrName>style.visibility</p:attrName>
+                                        </p:attrNameLst>
+                                      </p:cBhvr>
+                                      <p:to>
+                                        <p:strVal val="visible"/>
+                                      </p:to>
+                                    </p:set>
+                                  </p:childTnLst>
+                                </p:cTn>
+                              </p:par>
+                            </p:childTnLst>
+                          </p:cTn>
+                        </p:par>
+                      </p:childTnLst>
+                    </p:cTn>
+                  </p:par>
+                  <p:par>
+                    <p:cTn id="11" fill="hold">
+                      <p:stCondLst>
+                        <p:cond delay="indefinite"/>
+                      </p:stCondLst>
+                      <p:childTnLst>
+                        <p:par>
+                          <p:cTn id="12" fill="hold">
+                            <p:stCondLst>
+                              <p:cond delay="0"/>
+                            </p:stCondLst>
+                            <p:childTnLst>
+                              <p:par>
+                                <p:cTn id="13" presetID="1" presetClass="entr" presetSubtype="0" fill="hold" grpId="0" nodeType="clickEffect">
+                                  <p:stCondLst>
+                                    <p:cond delay="0"/>
+                                  </p:stCondLst>
+                                  <p:childTnLst>
+                                    <p:set>
+                                      <p:cBhvr>
+                                        <p:cTn id="14" dur="1" fill="hold">
+                                          <p:stCondLst>
+                                            <p:cond delay="0"/>
+                                          </p:stCondLst>
+                                        </p:cTn>
+                                        <p:tgtEl>
+                                          <p:spTgt spid="3">
+                                            <p:txEl>
+                                              <p:pRg st="2" end="2"/>
+                                            </p:txEl>
+                                          </p:spTgt>
+                                        </p:tgtEl>
+                                        <p:attrNameLst>
+                                          <p:attrName>style.visibility</p:attrName>
+                                        </p:attrNameLst>
+                                      </p:cBhvr>
+                                      <p:to>
+                                        <p:strVal val="visible"/>
+                                      </p:to>
+                                    </p:set>
+                                  </p:childTnLst>
+                                </p:cTn>
+                              </p:par>
+                            </p:childTnLst>
+                          </p:cTn>
+                        </p:par>
+                      </p:childTnLst>
+                    </p:cTn>
+                  </p:par>
+                  <p:par>
+                    <p:cTn id="15" fill="hold">
+                      <p:stCondLst>
+                        <p:cond delay="indefinite"/>
+                      </p:stCondLst>
+                      <p:childTnLst>
+                        <p:par>
+                          <p:cTn id="16" fill="hold">
+                            <p:stCondLst>
+                              <p:cond delay="0"/>
+                            </p:stCondLst>
+                            <p:childTnLst>
+                              <p:par>
+                                <p:cTn id="17" presetID="1" presetClass="entr" presetSubtype="0" fill="hold" grpId="0" nodeType="clickEffect">
+                                  <p:stCondLst>
+                                    <p:cond delay="0"/>
+                                  </p:stCondLst>
+                                  <p:childTnLst>
+                                    <p:set>
+                                      <p:cBhvr>
+                                        <p:cTn id="18" dur="1" fill="hold">
+                                          <p:stCondLst>
+                                            <p:cond delay="0"/>
+                                          </p:stCondLst>
+                                        </p:cTn>
+                                        <p:tgtEl>
+                                          <p:spTgt spid="3">
+                                            <p:txEl>
+                                              <p:pRg st="3" end="3"/>
+                                            </p:txEl>
+                                          </p:spTgt>
+                                        </p:tgtEl>
+                                        <p:attrNameLst>
+                                          <p:attrName>style.visibility</p:attrName>
+                                        </p:attrNameLst>
+                                      </p:cBhvr>
+                                      <p:to>
+                                        <p:strVal val="visible"/>
+                                      </p:to>
+                                    </p:set>
+                                  </p:childTnLst>
+                                </p:cTn>
+                              </p:par>
+                            </p:childTnLst>
+                          </p:cTn>
+                        </p:par>
+                      </p:childTnLst>
+                    </p:cTn>
+                  </p:par>
+                  <p:par>
+                    <p:cTn id="19" fill="hold">
+                      <p:stCondLst>
+                        <p:cond delay="indefinite"/>
+                      </p:stCondLst>
+                      <p:childTnLst>
+                        <p:par>
+                          <p:cTn id="20" fill="hold">
+                            <p:stCondLst>
+                              <p:cond delay="0"/>
+                            </p:stCondLst>
+                            <p:childTnLst>
+                              <p:par>
+                                <p:cTn id="21" presetID="1" presetClass="entr" presetSubtype="0" fill="hold" grpId="0" nodeType="clickEffect">
+                                  <p:stCondLst>
+                                    <p:cond delay="0"/>
+                                  </p:stCondLst>
+                                  <p:childTnLst>
+                                    <p:set>
+                                      <p:cBhvr>
+                                        <p:cTn id="22" dur="1" fill="hold">
+                                          <p:stCondLst>
+                                            <p:cond delay="0"/>
+                                          </p:stCondLst>
+                                        </p:cTn>
+                                        <p:tgtEl>
+                                          <p:spTgt spid="3">
+                                            <p:txEl>
+                                              <p:pRg st="4" end="4"/>
+                                            </p:txEl>
+                                          </p:spTgt>
+                                        </p:tgtEl>
+                                        <p:attrNameLst>
+                                          <p:attrName>style.visibility</p:attrName>
+                                        </p:attrNameLst>
+                                      </p:cBhvr>
+                                      <p:to>
+                                        <p:strVal val="visible"/>
+                                      </p:to>
+                                    </p:set>
+                                  </p:childTnLst>
+                                </p:cTn>
+                              </p:par>
+                            </p:childTnLst>
+                          </p:cTn>
+                        </p:par>
+                      </p:childTnLst>
+                    </p:cTn>
+                  </p:par>
+                  <p:par>
+                    <p:cTn id="23" fill="hold">
+                      <p:stCondLst>
+                        <p:cond delay="indefinite"/>
+                      </p:stCondLst>
+                      <p:childTnLst>
+                        <p:par>
+                          <p:cTn id="24" fill="hold">
+                            <p:stCondLst>
+                              <p:cond delay="0"/>
+                            </p:stCondLst>
+                            <p:childTnLst>
+                              <p:par>
+                                <p:cTn id="25" presetID="1" presetClass="entr" presetSubtype="0" fill="hold" grpId="0" nodeType="clickEffect">
+                                  <p:stCondLst>
+                                    <p:cond delay="0"/>
+                                  </p:stCondLst>
+                                  <p:childTnLst>
+                                    <p:set>
+                                      <p:cBhvr>
+                                        <p:cTn id="26" dur="1" fill="hold">
+                                          <p:stCondLst>
+                                            <p:cond delay="0"/>
+                                          </p:stCondLst>
+                                        </p:cTn>
+                                        <p:tgtEl>
+                                          <p:spTgt spid="3">
+                                            <p:txEl>
+                                              <p:pRg st="5" end="5"/>
+                                            </p:txEl>
+                                          </p:spTgt>
+                                        </p:tgtEl>
+                                        <p:attrNameLst>
+                                          <p:attrName>style.visibility</p:attrName>
+                                        </p:attrNameLst>
+                                      </p:cBhvr>
+                                      <p:to>
+                                        <p:strVal val="visible"/>
+                                      </p:to>
+                                    </p:set>
+                                  </p:childTnLst>
+                                </p:cTn>
+                              </p:par>
+                            </p:childTnLst>
+                          </p:cTn>
+                        </p:par>
+                      </p:childTnLst>
+                    </p:cTn>
+                  </p:par>
+                </p:childTnLst>
+              </p:cTn>
+              <p:prevCondLst>
+                <p:cond evt="onPrev" delay="0">
+                  <p:tgtEl>
+                    <p:sldTgt/>
+                  </p:tgtEl>
+                </p:cond>
+              </p:prevCondLst>
+              <p:nextCondLst>
+                <p:cond evt="onNext" delay="0">
+                  <p:tgtEl>
+                    <p:sldTgt/>
+                  </p:tgtEl>
+                </p:cond>
+              </p:nextCondLst>
+            </p:seq>
+          </p:childTnLst>
+        </p:cTn>
+      </p:par>
+    </p:tnLst>
+    <p:bldLst>
+      <p:bldP spid="3" grpId="0" build="p"/>
+    </p:bldLst>
+  </p:timing>
 </p:sld>
 </file>
 
@@ -3944,47 +4479,49 @@
         </p:nvSpPr>
         <p:spPr/>
         <p:txBody>
-          <a:bodyPr/>
-          <a:lstStyle/>
-          <a:p>
-            <a:r>
-              <a:rPr lang="en-US" dirty="0" err="1"/>
-              <a:t>seqtk</a:t>
-            </a:r>
-            <a:r>
-              <a:rPr lang="en-US" dirty="0"/>
-              <a:t> - I</a:t>
-            </a:r>
-          </a:p>
-        </p:txBody>
-      </p:sp>
-      <p:sp>
-        <p:nvSpPr>
-          <p:cNvPr id="3" name="Content Placeholder 2"/>
-          <p:cNvSpPr>
-            <a:spLocks noGrp="1"/>
-          </p:cNvSpPr>
-          <p:nvPr>
-            <p:ph idx="1"/>
-          </p:nvPr>
-        </p:nvSpPr>
-        <p:spPr>
-          <a:xfrm>
-            <a:off x="457199" y="1229809"/>
-            <a:ext cx="8447747" cy="4227055"/>
-          </a:xfrm>
-        </p:spPr>
-        <p:txBody>
           <a:bodyPr>
             <a:normAutofit/>
           </a:bodyPr>
           <a:lstStyle/>
           <a:p>
-            <a:pPr marL="0" indent="0">
-              <a:buNone/>
-            </a:pPr>
-            <a:r>
-              <a:rPr lang="en-US" sz="2000" dirty="0"/>
+            <a:r>
+              <a:rPr lang="en-US" sz="3600" dirty="0" err="1"/>
+              <a:t>seqtk</a:t>
+            </a:r>
+            <a:r>
+              <a:rPr lang="en-US" sz="3600" dirty="0"/>
+              <a:t> - I</a:t>
+            </a:r>
+          </a:p>
+        </p:txBody>
+      </p:sp>
+      <p:sp>
+        <p:nvSpPr>
+          <p:cNvPr id="3" name="Content Placeholder 2"/>
+          <p:cNvSpPr>
+            <a:spLocks noGrp="1"/>
+          </p:cNvSpPr>
+          <p:nvPr>
+            <p:ph idx="1"/>
+          </p:nvPr>
+        </p:nvSpPr>
+        <p:spPr>
+          <a:xfrm>
+            <a:off x="370114" y="1315472"/>
+            <a:ext cx="8632372" cy="5183299"/>
+          </a:xfrm>
+        </p:spPr>
+        <p:txBody>
+          <a:bodyPr>
+            <a:noAutofit/>
+          </a:bodyPr>
+          <a:lstStyle/>
+          <a:p>
+            <a:pPr marL="0" indent="0">
+              <a:buNone/>
+            </a:pPr>
+            <a:r>
+              <a:rPr lang="en-US" dirty="0"/>
               <a:t># randomly sample 10 reads:</a:t>
             </a:r>
           </a:p>
@@ -3993,40 +4530,40 @@
               <a:buNone/>
             </a:pPr>
             <a:r>
-              <a:rPr lang="en-US" sz="2000" dirty="0" err="1">
+              <a:rPr lang="en-US" dirty="0" err="1">
                 <a:latin typeface="Courier"/>
                 <a:cs typeface="Courier"/>
               </a:rPr>
               <a:t>seqtk</a:t>
             </a:r>
             <a:r>
-              <a:rPr lang="en-US" sz="2000" dirty="0">
+              <a:rPr lang="en-US" dirty="0">
                 <a:latin typeface="Courier"/>
                 <a:cs typeface="Courier"/>
               </a:rPr>
               <a:t> sample DH10B.pair1.fq 3 &gt; </a:t>
             </a:r>
             <a:r>
-              <a:rPr lang="en-US" sz="2000" dirty="0" err="1">
+              <a:rPr lang="en-US" dirty="0" err="1">
                 <a:latin typeface="Courier"/>
                 <a:cs typeface="Courier"/>
               </a:rPr>
               <a:t>example.fq</a:t>
             </a:r>
-            <a:endParaRPr lang="en-US" sz="2000" dirty="0">
+            <a:endParaRPr lang="en-US" dirty="0">
               <a:latin typeface="Courier"/>
               <a:cs typeface="Courier"/>
             </a:endParaRPr>
           </a:p>
           <a:p>
-            <a:endParaRPr lang="en-US" sz="2000" dirty="0"/>
-          </a:p>
-          <a:p>
-            <a:pPr marL="0" indent="0">
-              <a:buNone/>
-            </a:pPr>
-            <a:r>
-              <a:rPr lang="en-US" sz="2000" dirty="0"/>
+            <a:endParaRPr lang="en-US" dirty="0"/>
+          </a:p>
+          <a:p>
+            <a:pPr marL="0" indent="0">
+              <a:buNone/>
+            </a:pPr>
+            <a:r>
+              <a:rPr lang="en-US" dirty="0"/>
               <a:t># convert FASTQ to FASTA</a:t>
             </a:r>
           </a:p>
@@ -4035,68 +4572,54 @@
               <a:buNone/>
             </a:pPr>
             <a:r>
-              <a:rPr lang="en-US" sz="2000" dirty="0" err="1">
+              <a:rPr lang="en-US" dirty="0" err="1">
                 <a:latin typeface="Courier"/>
                 <a:cs typeface="Courier"/>
               </a:rPr>
               <a:t>seqtk</a:t>
             </a:r>
             <a:r>
-              <a:rPr lang="en-US" sz="2000" dirty="0">
-                <a:latin typeface="Courier"/>
-                <a:cs typeface="Courier"/>
-              </a:rPr>
-              <a:t> </a:t>
-            </a:r>
-            <a:r>
-              <a:rPr lang="en-US" sz="2000" dirty="0" err="1">
-                <a:latin typeface="Courier"/>
-                <a:cs typeface="Courier"/>
-              </a:rPr>
-              <a:t>seq</a:t>
-            </a:r>
-            <a:r>
-              <a:rPr lang="en-US" sz="2000" dirty="0">
-                <a:latin typeface="Courier"/>
-                <a:cs typeface="Courier"/>
-              </a:rPr>
-              <a:t> </a:t>
-            </a:r>
-            <a:r>
-              <a:rPr lang="en-US" sz="2000" dirty="0" err="1">
+              <a:rPr lang="en-US" dirty="0">
+                <a:latin typeface="Courier"/>
+                <a:cs typeface="Courier"/>
+              </a:rPr>
+              <a:t> seq </a:t>
+            </a:r>
+            <a:r>
+              <a:rPr lang="en-US" dirty="0" err="1">
                 <a:latin typeface="Courier"/>
                 <a:cs typeface="Courier"/>
               </a:rPr>
               <a:t>example.fq</a:t>
             </a:r>
             <a:r>
-              <a:rPr lang="en-US" sz="2000" dirty="0">
+              <a:rPr lang="en-US" dirty="0">
                 <a:latin typeface="Courier"/>
                 <a:cs typeface="Courier"/>
               </a:rPr>
               <a:t> -A &gt; </a:t>
             </a:r>
             <a:r>
-              <a:rPr lang="en-US" sz="2000" dirty="0" err="1">
+              <a:rPr lang="en-US" dirty="0" err="1">
                 <a:latin typeface="Courier"/>
                 <a:cs typeface="Courier"/>
               </a:rPr>
               <a:t>example.fa</a:t>
             </a:r>
-            <a:endParaRPr lang="en-US" sz="2000" dirty="0">
+            <a:endParaRPr lang="en-US" dirty="0">
               <a:latin typeface="Courier"/>
               <a:cs typeface="Courier"/>
             </a:endParaRPr>
           </a:p>
           <a:p>
-            <a:endParaRPr lang="en-US" sz="2000" dirty="0"/>
-          </a:p>
-          <a:p>
-            <a:pPr marL="0" indent="0">
-              <a:buNone/>
-            </a:pPr>
-            <a:r>
-              <a:rPr lang="en-US" sz="2000" dirty="0"/>
+            <a:endParaRPr lang="en-US" dirty="0"/>
+          </a:p>
+          <a:p>
+            <a:pPr marL="0" indent="0">
+              <a:buNone/>
+            </a:pPr>
+            <a:r>
+              <a:rPr lang="en-US" dirty="0"/>
               <a:t># format FASTA file</a:t>
             </a:r>
           </a:p>
@@ -4105,60 +4628,46 @@
               <a:buNone/>
             </a:pPr>
             <a:r>
-              <a:rPr lang="en-US" sz="2000" dirty="0" err="1">
+              <a:rPr lang="en-US" dirty="0" err="1">
                 <a:latin typeface="Courier"/>
                 <a:cs typeface="Courier"/>
               </a:rPr>
               <a:t>seqtk</a:t>
             </a:r>
             <a:r>
-              <a:rPr lang="en-US" sz="2000" dirty="0">
-                <a:latin typeface="Courier"/>
-                <a:cs typeface="Courier"/>
-              </a:rPr>
-              <a:t> </a:t>
-            </a:r>
-            <a:r>
-              <a:rPr lang="en-US" sz="2000" dirty="0" err="1">
-                <a:latin typeface="Courier"/>
-                <a:cs typeface="Courier"/>
-              </a:rPr>
-              <a:t>seq</a:t>
-            </a:r>
-            <a:r>
-              <a:rPr lang="en-US" sz="2000" dirty="0">
-                <a:latin typeface="Courier"/>
-                <a:cs typeface="Courier"/>
-              </a:rPr>
-              <a:t> </a:t>
-            </a:r>
-            <a:r>
-              <a:rPr lang="en-US" sz="2000" dirty="0" err="1">
+              <a:rPr lang="en-US" dirty="0">
+                <a:latin typeface="Courier"/>
+                <a:cs typeface="Courier"/>
+              </a:rPr>
+              <a:t> seq </a:t>
+            </a:r>
+            <a:r>
+              <a:rPr lang="en-US" dirty="0" err="1">
                 <a:latin typeface="Courier"/>
                 <a:cs typeface="Courier"/>
               </a:rPr>
               <a:t>example.fa</a:t>
             </a:r>
             <a:r>
-              <a:rPr lang="en-US" sz="2000" dirty="0">
-                <a:latin typeface="Courier"/>
-                <a:cs typeface="Courier"/>
-              </a:rPr>
-              <a:t> -l 60 &gt; example.60perline.fa</a:t>
-            </a:r>
-          </a:p>
-          <a:p>
-            <a:pPr marL="0" indent="0">
-              <a:buNone/>
-            </a:pPr>
-            <a:endParaRPr lang="en-US" sz="2000" dirty="0"/>
-          </a:p>
-          <a:p>
-            <a:pPr marL="0" indent="0">
-              <a:buNone/>
-            </a:pPr>
-            <a:r>
-              <a:rPr lang="en-US" sz="2000" dirty="0"/>
+              <a:rPr lang="en-US" dirty="0">
+                <a:latin typeface="Courier"/>
+                <a:cs typeface="Courier"/>
+              </a:rPr>
+              <a:t> -l 60 &gt; example.60.fa</a:t>
+            </a:r>
+          </a:p>
+          <a:p>
+            <a:pPr marL="0" indent="0">
+              <a:buNone/>
+            </a:pPr>
+            <a:endParaRPr lang="en-US" dirty="0"/>
+          </a:p>
+          <a:p>
+            <a:pPr marL="0" indent="0">
+              <a:buNone/>
+            </a:pPr>
+            <a:r>
+              <a:rPr lang="en-US" dirty="0"/>
               <a:t># reverse complement each sequence</a:t>
             </a:r>
           </a:p>
@@ -4167,70 +4676,56 @@
               <a:buNone/>
             </a:pPr>
             <a:r>
-              <a:rPr lang="en-US" sz="2000" dirty="0" err="1">
+              <a:rPr lang="en-US" dirty="0" err="1">
                 <a:latin typeface="Courier"/>
                 <a:cs typeface="Courier"/>
               </a:rPr>
               <a:t>seqtk</a:t>
             </a:r>
             <a:r>
-              <a:rPr lang="en-US" sz="2000" dirty="0">
-                <a:latin typeface="Courier"/>
-                <a:cs typeface="Courier"/>
-              </a:rPr>
-              <a:t> </a:t>
-            </a:r>
-            <a:r>
-              <a:rPr lang="en-US" sz="2000" dirty="0" err="1">
-                <a:latin typeface="Courier"/>
-                <a:cs typeface="Courier"/>
-              </a:rPr>
-              <a:t>seq</a:t>
-            </a:r>
-            <a:r>
-              <a:rPr lang="en-US" sz="2000" dirty="0">
-                <a:latin typeface="Courier"/>
-                <a:cs typeface="Courier"/>
-              </a:rPr>
-              <a:t> -r </a:t>
-            </a:r>
-            <a:r>
-              <a:rPr lang="en-US" sz="2000" dirty="0" err="1">
+              <a:rPr lang="en-US" dirty="0">
+                <a:latin typeface="Courier"/>
+                <a:cs typeface="Courier"/>
+              </a:rPr>
+              <a:t> seq -r </a:t>
+            </a:r>
+            <a:r>
+              <a:rPr lang="en-US" dirty="0" err="1">
                 <a:latin typeface="Courier"/>
                 <a:cs typeface="Courier"/>
               </a:rPr>
               <a:t>example.fq</a:t>
             </a:r>
             <a:r>
-              <a:rPr lang="en-US" sz="2000" dirty="0">
+              <a:rPr lang="en-US" dirty="0">
                 <a:latin typeface="Courier"/>
                 <a:cs typeface="Courier"/>
               </a:rPr>
               <a:t> &gt; </a:t>
             </a:r>
             <a:r>
-              <a:rPr lang="en-US" sz="2000" dirty="0" err="1">
+              <a:rPr lang="en-US" dirty="0" err="1">
                 <a:latin typeface="Courier"/>
                 <a:cs typeface="Courier"/>
               </a:rPr>
               <a:t>example.revcom.fq</a:t>
             </a:r>
-            <a:endParaRPr lang="en-US" sz="2000" dirty="0">
+            <a:endParaRPr lang="en-US" dirty="0">
               <a:latin typeface="Courier"/>
               <a:cs typeface="Courier"/>
             </a:endParaRPr>
           </a:p>
           <a:p>
-            <a:endParaRPr lang="en-US" sz="2000" dirty="0"/>
-          </a:p>
-          <a:p>
-            <a:endParaRPr lang="en-US" sz="2000" dirty="0"/>
-          </a:p>
-          <a:p>
-            <a:pPr marL="0" indent="0">
-              <a:buNone/>
-            </a:pPr>
-            <a:endParaRPr lang="en-US" sz="2000" dirty="0"/>
+            <a:endParaRPr lang="en-US" dirty="0"/>
+          </a:p>
+          <a:p>
+            <a:endParaRPr lang="en-US" dirty="0"/>
+          </a:p>
+          <a:p>
+            <a:pPr marL="0" indent="0">
+              <a:buNone/>
+            </a:pPr>
+            <a:endParaRPr lang="en-US" dirty="0"/>
           </a:p>
         </p:txBody>
       </p:sp>
@@ -4276,42 +4771,44 @@
         </p:nvSpPr>
         <p:spPr/>
         <p:txBody>
-          <a:bodyPr/>
-          <a:lstStyle/>
-          <a:p>
-            <a:r>
-              <a:rPr lang="en-US" dirty="0" err="1"/>
-              <a:t>seqtk</a:t>
-            </a:r>
-            <a:r>
-              <a:rPr lang="en-US" dirty="0"/>
-              <a:t> - II</a:t>
-            </a:r>
-          </a:p>
-        </p:txBody>
-      </p:sp>
-      <p:sp>
-        <p:nvSpPr>
-          <p:cNvPr id="3" name="Content Placeholder 2"/>
-          <p:cNvSpPr>
-            <a:spLocks noGrp="1"/>
-          </p:cNvSpPr>
-          <p:nvPr>
-            <p:ph idx="1"/>
-          </p:nvPr>
-        </p:nvSpPr>
-        <p:spPr>
-          <a:xfrm>
-            <a:off x="180418" y="1381538"/>
-            <a:ext cx="8686800" cy="3270457"/>
-          </a:xfrm>
-        </p:spPr>
-        <p:txBody>
           <a:bodyPr>
             <a:normAutofit/>
           </a:bodyPr>
           <a:lstStyle/>
           <a:p>
+            <a:r>
+              <a:rPr lang="en-US" sz="3600" dirty="0" err="1"/>
+              <a:t>seqtk</a:t>
+            </a:r>
+            <a:r>
+              <a:rPr lang="en-US" sz="3600" dirty="0"/>
+              <a:t> - II</a:t>
+            </a:r>
+          </a:p>
+        </p:txBody>
+      </p:sp>
+      <p:sp>
+        <p:nvSpPr>
+          <p:cNvPr id="3" name="Content Placeholder 2"/>
+          <p:cNvSpPr>
+            <a:spLocks noGrp="1"/>
+          </p:cNvSpPr>
+          <p:nvPr>
+            <p:ph idx="1"/>
+          </p:nvPr>
+        </p:nvSpPr>
+        <p:spPr>
+          <a:xfrm>
+            <a:off x="191304" y="1621023"/>
+            <a:ext cx="8952696" cy="3270457"/>
+          </a:xfrm>
+        </p:spPr>
+        <p:txBody>
+          <a:bodyPr>
+            <a:normAutofit/>
+          </a:bodyPr>
+          <a:lstStyle/>
+          <a:p>
             <a:pPr marL="0" indent="0">
               <a:buNone/>
             </a:pPr>
@@ -4360,7 +4857,7 @@
                 <a:latin typeface="Courier"/>
                 <a:cs typeface="Courier"/>
               </a:rPr>
-              <a:t>namelist.txt</a:t>
+              <a:t>names.txt</a:t>
             </a:r>
             <a:r>
               <a:rPr lang="en-US" sz="2000" dirty="0">
@@ -4422,7 +4919,7 @@
                 <a:latin typeface="Courier"/>
                 <a:cs typeface="Courier"/>
               </a:rPr>
-              <a:t>namelist.txt</a:t>
+              <a:t>names.txt</a:t>
             </a:r>
             <a:r>
               <a:rPr lang="en-US" sz="2000" dirty="0">
@@ -4436,7 +4933,7 @@
                 <a:latin typeface="Courier"/>
                 <a:cs typeface="Courier"/>
               </a:rPr>
-              <a:t>extracted.fq</a:t>
+              <a:t>extract.fq</a:t>
             </a:r>
             <a:endParaRPr lang="en-US" sz="2000" dirty="0">
               <a:latin typeface="Courier"/>
@@ -4493,15 +4990,17 @@
         </p:nvSpPr>
         <p:spPr/>
         <p:txBody>
-          <a:bodyPr/>
+          <a:bodyPr>
+            <a:normAutofit/>
+          </a:bodyPr>
           <a:lstStyle/>
           <a:p>
             <a:r>
-              <a:rPr lang="en-US" dirty="0" err="1"/>
+              <a:rPr lang="en-US" sz="3600" dirty="0" err="1"/>
               <a:t>seqtk</a:t>
             </a:r>
             <a:r>
-              <a:rPr lang="en-US" dirty="0"/>
+              <a:rPr lang="en-US" sz="3600" dirty="0"/>
               <a:t> - III</a:t>
             </a:r>
           </a:p>
@@ -4519,12 +5018,14 @@
         </p:nvSpPr>
         <p:spPr>
           <a:xfrm>
-            <a:off x="382048" y="1298704"/>
-            <a:ext cx="8575953" cy="4885801"/>
+            <a:off x="272142" y="1342247"/>
+            <a:ext cx="8599715" cy="4885801"/>
           </a:xfrm>
         </p:spPr>
         <p:txBody>
-          <a:bodyPr/>
+          <a:bodyPr>
+            <a:normAutofit/>
+          </a:bodyPr>
           <a:lstStyle/>
           <a:p>
             <a:pPr marL="0" indent="0">
@@ -4532,47 +5033,14 @@
             </a:pPr>
             <a:r>
               <a:rPr lang="en-US" dirty="0"/>
-              <a:t># merge paired-end reads in a file:</a:t>
-            </a:r>
-          </a:p>
-          <a:p>
-            <a:pPr marL="0" indent="0">
-              <a:buNone/>
-            </a:pPr>
-            <a:r>
-              <a:rPr lang="en-US" sz="2000" strike="sngStrike" dirty="0" err="1">
-                <a:latin typeface="Courier"/>
-                <a:cs typeface="Courier"/>
-              </a:rPr>
-              <a:t>seqtk</a:t>
-            </a:r>
-            <a:r>
-              <a:rPr lang="en-US" sz="2000" strike="sngStrike" dirty="0">
-                <a:latin typeface="Courier"/>
-                <a:cs typeface="Courier"/>
-              </a:rPr>
-              <a:t> </a:t>
-            </a:r>
-            <a:r>
-              <a:rPr lang="en-US" sz="2000" strike="sngStrike" dirty="0" err="1">
-                <a:latin typeface="Courier"/>
-                <a:cs typeface="Courier"/>
-              </a:rPr>
-              <a:t>mergepe</a:t>
-            </a:r>
-            <a:r>
-              <a:rPr lang="en-US" sz="2000" strike="sngStrike" dirty="0">
-                <a:latin typeface="Courier"/>
-                <a:cs typeface="Courier"/>
-              </a:rPr>
-              <a:t> DH10B.pair1.fq DH10B.pair2.fq &gt; DH10B.interleaved.fq</a:t>
-            </a:r>
-          </a:p>
-          <a:p>
-            <a:pPr marL="0" indent="0">
-              <a:buNone/>
-            </a:pPr>
-            <a:endParaRPr lang="en-US" sz="2000" dirty="0">
+              <a:t># sample paired sequences:</a:t>
+            </a:r>
+          </a:p>
+          <a:p>
+            <a:pPr marL="0" indent="0">
+              <a:buNone/>
+            </a:pPr>
+            <a:endParaRPr lang="en-US" dirty="0">
               <a:latin typeface="Courier"/>
               <a:cs typeface="Courier"/>
             </a:endParaRPr>
@@ -4582,34 +5050,25 @@
               <a:buNone/>
             </a:pPr>
             <a:r>
-              <a:rPr lang="en-US" dirty="0"/>
-              <a:t># sample paired sequences:</a:t>
-            </a:r>
-          </a:p>
-          <a:p>
-            <a:pPr marL="0" indent="0">
-              <a:buNone/>
-            </a:pPr>
-            <a:r>
-              <a:rPr lang="en-US" sz="2000" dirty="0" err="1">
+              <a:rPr lang="en-US" dirty="0" err="1">
                 <a:latin typeface="Courier"/>
                 <a:cs typeface="Courier"/>
               </a:rPr>
               <a:t>seqtk</a:t>
             </a:r>
             <a:r>
-              <a:rPr lang="en-US" sz="2000" dirty="0">
-                <a:latin typeface="Courier"/>
-                <a:cs typeface="Courier"/>
-              </a:rPr>
-              <a:t> sample -s100 DH10B.pair1.fq 2 &gt; example.pair1.fq</a:t>
-            </a:r>
-          </a:p>
-          <a:p>
-            <a:pPr marL="0" indent="0">
-              <a:buNone/>
-            </a:pPr>
-            <a:endParaRPr lang="en-US" sz="2000" dirty="0">
+              <a:rPr lang="en-US" dirty="0">
+                <a:latin typeface="Courier"/>
+                <a:cs typeface="Courier"/>
+              </a:rPr>
+              <a:t> sample -s100 DH10B.pair1.fq 2 &gt; sub1.fq</a:t>
+            </a:r>
+          </a:p>
+          <a:p>
+            <a:pPr marL="0" indent="0">
+              <a:buNone/>
+            </a:pPr>
+            <a:endParaRPr lang="en-US" dirty="0">
               <a:latin typeface="Courier"/>
               <a:cs typeface="Courier"/>
             </a:endParaRPr>
@@ -4619,25 +5078,25 @@
               <a:buNone/>
             </a:pPr>
             <a:r>
-              <a:rPr lang="en-US" sz="2000" dirty="0" err="1">
+              <a:rPr lang="en-US" dirty="0" err="1">
                 <a:latin typeface="Courier"/>
                 <a:cs typeface="Courier"/>
               </a:rPr>
               <a:t>seqtk</a:t>
             </a:r>
             <a:r>
-              <a:rPr lang="en-US" sz="2000" dirty="0">
-                <a:latin typeface="Courier"/>
-                <a:cs typeface="Courier"/>
-              </a:rPr>
-              <a:t> sample -s100 DH10B.pair2.fq 2 &gt; example.pair2.fq</a:t>
-            </a:r>
-          </a:p>
-          <a:p>
-            <a:pPr marL="0" indent="0">
-              <a:buNone/>
-            </a:pPr>
-            <a:endParaRPr lang="en-US" sz="2000" dirty="0">
+              <a:rPr lang="en-US" dirty="0">
+                <a:latin typeface="Courier"/>
+                <a:cs typeface="Courier"/>
+              </a:rPr>
+              <a:t> sample -s100 DH10B.pair2.fq 2 &gt; sub2.fq</a:t>
+            </a:r>
+          </a:p>
+          <a:p>
+            <a:pPr marL="0" indent="0">
+              <a:buNone/>
+            </a:pPr>
+            <a:endParaRPr lang="en-US" dirty="0">
               <a:latin typeface="Courier"/>
               <a:cs typeface="Courier"/>
             </a:endParaRPr>
@@ -4647,30 +5106,19 @@
               <a:buNone/>
             </a:pPr>
             <a:r>
-              <a:rPr lang="en-US" sz="2000" dirty="0" err="1">
+              <a:rPr lang="en-US" dirty="0" err="1">
                 <a:latin typeface="Courier"/>
                 <a:cs typeface="Courier"/>
               </a:rPr>
               <a:t>seqtk</a:t>
             </a:r>
             <a:r>
-              <a:rPr lang="en-US" sz="2000" dirty="0">
-                <a:latin typeface="Courier"/>
-                <a:cs typeface="Courier"/>
-              </a:rPr>
-              <a:t> sample -s200 DH10B.pair2.fq 2 &gt; </a:t>
-            </a:r>
-            <a:r>
-              <a:rPr lang="en-US" sz="2000" dirty="0" err="1">
-                <a:latin typeface="Courier"/>
-                <a:cs typeface="Courier"/>
-              </a:rPr>
-              <a:t>example.pair_test.fq</a:t>
-            </a:r>
-            <a:endParaRPr lang="en-US" sz="2000" dirty="0">
-              <a:latin typeface="Courier"/>
-              <a:cs typeface="Courier"/>
-            </a:endParaRPr>
+              <a:rPr lang="en-US" dirty="0">
+                <a:latin typeface="Courier"/>
+                <a:cs typeface="Courier"/>
+              </a:rPr>
+              <a:t> sample -s200 DH10B.pair2.fq 2 &gt; sub2b.fq</a:t>
+            </a:r>
           </a:p>
         </p:txBody>
       </p:sp>
@@ -4716,15 +5164,17 @@
         </p:nvSpPr>
         <p:spPr/>
         <p:txBody>
-          <a:bodyPr/>
+          <a:bodyPr>
+            <a:normAutofit/>
+          </a:bodyPr>
           <a:lstStyle/>
           <a:p>
             <a:r>
-              <a:rPr lang="en-US" dirty="0" err="1"/>
+              <a:rPr lang="en-US" sz="3600" dirty="0" err="1"/>
               <a:t>seqtk</a:t>
             </a:r>
             <a:r>
-              <a:rPr lang="en-US" dirty="0"/>
+              <a:rPr lang="en-US" sz="3600" dirty="0"/>
               <a:t> IV</a:t>
             </a:r>
           </a:p>
@@ -4742,8 +5192,8 @@
         </p:nvSpPr>
         <p:spPr>
           <a:xfrm>
-            <a:off x="210423" y="1384876"/>
-            <a:ext cx="8860305" cy="4741288"/>
+            <a:off x="457200" y="1471962"/>
+            <a:ext cx="8476377" cy="4741288"/>
           </a:xfrm>
         </p:spPr>
         <p:txBody>
@@ -5045,7 +5495,13 @@
       </p:grpSpPr>
       <p:sp>
         <p:nvSpPr>
-          <p:cNvPr id="2" name="Title 1"/>
+          <p:cNvPr id="2" name="Title 1">
+            <a:extLst>
+              <a:ext uri="{FF2B5EF4-FFF2-40B4-BE49-F238E27FC236}">
+                <a16:creationId xmlns:a16="http://schemas.microsoft.com/office/drawing/2014/main" id="{890D2584-F726-8F69-7D35-4C783649985D}"/>
+              </a:ext>
+            </a:extLst>
+          </p:cNvPr>
           <p:cNvSpPr>
             <a:spLocks noGrp="1"/>
           </p:cNvSpPr>
@@ -5060,18 +5516,21 @@
           <a:p>
             <a:r>
               <a:rPr lang="en-US" dirty="0" err="1"/>
-              <a:t>Trimmomatic</a:t>
-            </a:r>
-            <a:r>
-              <a:rPr lang="en-US" dirty="0"/>
-              <a:t> case I</a:t>
-            </a:r>
-          </a:p>
-        </p:txBody>
-      </p:sp>
-      <p:sp>
-        <p:nvSpPr>
-          <p:cNvPr id="3" name="Content Placeholder 2"/>
+              <a:t>trimmomatic</a:t>
+            </a:r>
+            <a:endParaRPr lang="en-US" dirty="0"/>
+          </a:p>
+        </p:txBody>
+      </p:sp>
+      <p:sp>
+        <p:nvSpPr>
+          <p:cNvPr id="3" name="Content Placeholder 2">
+            <a:extLst>
+              <a:ext uri="{FF2B5EF4-FFF2-40B4-BE49-F238E27FC236}">
+                <a16:creationId xmlns:a16="http://schemas.microsoft.com/office/drawing/2014/main" id="{E9FD100F-CB76-B050-629E-AC86A36CAF28}"/>
+              </a:ext>
+            </a:extLst>
+          </p:cNvPr>
           <p:cNvSpPr>
             <a:spLocks noGrp="1"/>
           </p:cNvSpPr>
@@ -5081,280 +5540,212 @@
         </p:nvSpPr>
         <p:spPr>
           <a:xfrm>
-            <a:off x="402578" y="1444562"/>
-            <a:ext cx="8229600" cy="964000"/>
+            <a:off x="457200" y="1265133"/>
+            <a:ext cx="8229600" cy="4896181"/>
           </a:xfrm>
         </p:spPr>
         <p:txBody>
           <a:bodyPr>
-            <a:noAutofit/>
+            <a:normAutofit/>
           </a:bodyPr>
           <a:lstStyle/>
           <a:p>
-            <a:pPr marL="0" indent="0">
-              <a:buNone/>
-            </a:pPr>
-            <a:r>
-              <a:rPr lang="en-US" sz="1600" dirty="0" err="1">
-                <a:latin typeface="Courier"/>
-                <a:cs typeface="Courier"/>
-              </a:rPr>
-              <a:t>cp</a:t>
-            </a:r>
-            <a:r>
-              <a:rPr lang="en-US" sz="1600" dirty="0">
-                <a:latin typeface="Courier"/>
-                <a:cs typeface="Courier"/>
+            <a:r>
+              <a:rPr lang="en-US" dirty="0"/>
+              <a:t>Installation</a:t>
+            </a:r>
+          </a:p>
+          <a:p>
+            <a:pPr marL="0" indent="0">
+              <a:lnSpc>
+                <a:spcPct val="150000"/>
+              </a:lnSpc>
+              <a:buNone/>
+            </a:pPr>
+            <a:r>
+              <a:rPr lang="en-US" dirty="0" err="1">
+                <a:latin typeface="Courier New" panose="02070309020205020404" pitchFamily="49" charset="0"/>
+                <a:cs typeface="Courier New" panose="02070309020205020404" pitchFamily="49" charset="0"/>
+              </a:rPr>
+              <a:t>wget</a:t>
+            </a:r>
+            <a:r>
+              <a:rPr lang="en-US" dirty="0">
+                <a:latin typeface="Courier New" panose="02070309020205020404" pitchFamily="49" charset="0"/>
+                <a:cs typeface="Courier New" panose="02070309020205020404" pitchFamily="49" charset="0"/>
               </a:rPr>
               <a:t> </a:t>
             </a:r>
             <a:r>
-              <a:rPr lang="en-US" sz="1600" dirty="0"/>
-              <a:t>/homes/liu3zhen/teaching/datasets/</a:t>
-            </a:r>
-            <a:r>
-              <a:rPr lang="en-US" sz="1600" dirty="0" err="1"/>
-              <a:t>trimmomatic</a:t>
-            </a:r>
-            <a:r>
-              <a:rPr lang="en-US" sz="1600" dirty="0">
-                <a:latin typeface="Courier"/>
-                <a:cs typeface="Courier"/>
-              </a:rPr>
-              <a:t>/p*</a:t>
-            </a:r>
-            <a:r>
-              <a:rPr lang="en-US" sz="1600" dirty="0" err="1">
-                <a:latin typeface="Courier"/>
-                <a:cs typeface="Courier"/>
-              </a:rPr>
-              <a:t>fq</a:t>
-            </a:r>
-            <a:r>
-              <a:rPr lang="en-US" sz="1600" dirty="0">
-                <a:latin typeface="Courier"/>
-                <a:cs typeface="Courier"/>
-              </a:rPr>
-              <a:t> .</a:t>
-            </a:r>
-          </a:p>
-          <a:p>
-            <a:pPr marL="0" indent="0">
-              <a:buNone/>
-            </a:pPr>
-            <a:endParaRPr lang="en-US" sz="1600" dirty="0">
-              <a:latin typeface="Courier"/>
-              <a:cs typeface="Courier"/>
+              <a:rPr lang="en-US" sz="1000" dirty="0">
+                <a:latin typeface="Courier New" panose="02070309020205020404" pitchFamily="49" charset="0"/>
+                <a:cs typeface="Courier New" panose="02070309020205020404" pitchFamily="49" charset="0"/>
+              </a:rPr>
+              <a:t>http://</a:t>
+            </a:r>
+            <a:r>
+              <a:rPr lang="en-US" sz="1000" dirty="0" err="1">
+                <a:latin typeface="Courier New" panose="02070309020205020404" pitchFamily="49" charset="0"/>
+                <a:cs typeface="Courier New" panose="02070309020205020404" pitchFamily="49" charset="0"/>
+              </a:rPr>
+              <a:t>www.usadellab.org</a:t>
+            </a:r>
+            <a:r>
+              <a:rPr lang="en-US" sz="1000" dirty="0">
+                <a:latin typeface="Courier New" panose="02070309020205020404" pitchFamily="49" charset="0"/>
+                <a:cs typeface="Courier New" panose="02070309020205020404" pitchFamily="49" charset="0"/>
+              </a:rPr>
+              <a:t>/</a:t>
+            </a:r>
+            <a:r>
+              <a:rPr lang="en-US" sz="1000" dirty="0" err="1">
+                <a:latin typeface="Courier New" panose="02070309020205020404" pitchFamily="49" charset="0"/>
+                <a:cs typeface="Courier New" panose="02070309020205020404" pitchFamily="49" charset="0"/>
+              </a:rPr>
+              <a:t>cms</a:t>
+            </a:r>
+            <a:r>
+              <a:rPr lang="en-US" sz="1000" dirty="0">
+                <a:latin typeface="Courier New" panose="02070309020205020404" pitchFamily="49" charset="0"/>
+                <a:cs typeface="Courier New" panose="02070309020205020404" pitchFamily="49" charset="0"/>
+              </a:rPr>
+              <a:t>/uploads/supplementary/</a:t>
+            </a:r>
+            <a:r>
+              <a:rPr lang="en-US" sz="1000" dirty="0" err="1">
+                <a:latin typeface="Courier New" panose="02070309020205020404" pitchFamily="49" charset="0"/>
+                <a:cs typeface="Courier New" panose="02070309020205020404" pitchFamily="49" charset="0"/>
+              </a:rPr>
+              <a:t>Trimmomatic</a:t>
+            </a:r>
+            <a:r>
+              <a:rPr lang="en-US" sz="1000" dirty="0">
+                <a:latin typeface="Courier New" panose="02070309020205020404" pitchFamily="49" charset="0"/>
+                <a:cs typeface="Courier New" panose="02070309020205020404" pitchFamily="49" charset="0"/>
+              </a:rPr>
+              <a:t>/Trimmomatic-0.39.zip</a:t>
+            </a:r>
+          </a:p>
+          <a:p>
+            <a:pPr marL="0" indent="0">
+              <a:lnSpc>
+                <a:spcPct val="150000"/>
+              </a:lnSpc>
+              <a:buNone/>
+            </a:pPr>
+            <a:r>
+              <a:rPr lang="en-US" dirty="0">
+                <a:latin typeface="Courier New" panose="02070309020205020404" pitchFamily="49" charset="0"/>
+                <a:cs typeface="Courier New" panose="02070309020205020404" pitchFamily="49" charset="0"/>
+              </a:rPr>
+              <a:t>unzip Trimmomatic-0.39.zip </a:t>
+            </a:r>
+          </a:p>
+          <a:p>
+            <a:pPr marL="0" indent="0">
+              <a:lnSpc>
+                <a:spcPct val="150000"/>
+              </a:lnSpc>
+              <a:buNone/>
+            </a:pPr>
+            <a:r>
+              <a:rPr lang="en-US" dirty="0">
+                <a:latin typeface="Courier New" panose="02070309020205020404" pitchFamily="49" charset="0"/>
+                <a:cs typeface="Courier New" panose="02070309020205020404" pitchFamily="49" charset="0"/>
+              </a:rPr>
+              <a:t>cd Trimmomatic-0.39</a:t>
+            </a:r>
+          </a:p>
+          <a:p>
+            <a:pPr marL="0" indent="0">
+              <a:lnSpc>
+                <a:spcPct val="150000"/>
+              </a:lnSpc>
+              <a:buNone/>
+            </a:pPr>
+            <a:r>
+              <a:rPr lang="en-US" dirty="0" err="1">
+                <a:latin typeface="Courier New" panose="02070309020205020404" pitchFamily="49" charset="0"/>
+                <a:cs typeface="Courier New" panose="02070309020205020404" pitchFamily="49" charset="0"/>
+              </a:rPr>
+              <a:t>trimJar</a:t>
+            </a:r>
+            <a:r>
+              <a:rPr lang="en-US" dirty="0">
+                <a:latin typeface="Courier New" panose="02070309020205020404" pitchFamily="49" charset="0"/>
+                <a:cs typeface="Courier New" panose="02070309020205020404" pitchFamily="49" charset="0"/>
+              </a:rPr>
+              <a:t>=`</a:t>
+            </a:r>
+            <a:r>
+              <a:rPr lang="en-US" dirty="0" err="1">
+                <a:latin typeface="Courier New" panose="02070309020205020404" pitchFamily="49" charset="0"/>
+                <a:cs typeface="Courier New" panose="02070309020205020404" pitchFamily="49" charset="0"/>
+              </a:rPr>
+              <a:t>realpath</a:t>
+            </a:r>
+            <a:r>
+              <a:rPr lang="en-US" dirty="0">
+                <a:latin typeface="Courier New" panose="02070309020205020404" pitchFamily="49" charset="0"/>
+                <a:cs typeface="Courier New" panose="02070309020205020404" pitchFamily="49" charset="0"/>
+              </a:rPr>
+              <a:t> trimmomatic-0.39.jar`</a:t>
+            </a:r>
+          </a:p>
+          <a:p>
+            <a:pPr marL="0" indent="0">
+              <a:lnSpc>
+                <a:spcPct val="150000"/>
+              </a:lnSpc>
+              <a:buNone/>
+            </a:pPr>
+            <a:endParaRPr lang="en-US" dirty="0">
+              <a:latin typeface="Courier New" panose="02070309020205020404" pitchFamily="49" charset="0"/>
+              <a:cs typeface="Courier New" panose="02070309020205020404" pitchFamily="49" charset="0"/>
             </a:endParaRPr>
           </a:p>
           <a:p>
             <a:pPr marL="0" indent="0">
-              <a:buNone/>
-            </a:pPr>
-            <a:r>
-              <a:rPr lang="en-US" sz="1600" dirty="0" err="1">
-                <a:latin typeface="Courier"/>
-                <a:cs typeface="Courier"/>
-              </a:rPr>
-              <a:t>cp</a:t>
-            </a:r>
-            <a:r>
-              <a:rPr lang="en-US" sz="1600" dirty="0">
-                <a:latin typeface="Courier"/>
-                <a:cs typeface="Courier"/>
+              <a:lnSpc>
+                <a:spcPct val="150000"/>
+              </a:lnSpc>
+              <a:buNone/>
+            </a:pPr>
+            <a:r>
+              <a:rPr lang="en-US" sz="2400" dirty="0">
+                <a:latin typeface="Courier"/>
+                <a:cs typeface="Courier"/>
+              </a:rPr>
+              <a:t>module load Java</a:t>
+            </a:r>
+          </a:p>
+          <a:p>
+            <a:pPr marL="0" indent="0">
+              <a:lnSpc>
+                <a:spcPct val="150000"/>
+              </a:lnSpc>
+              <a:buNone/>
+            </a:pPr>
+            <a:r>
+              <a:rPr lang="en-US" dirty="0">
+                <a:latin typeface="Courier New" panose="02070309020205020404" pitchFamily="49" charset="0"/>
+                <a:cs typeface="Courier New" panose="02070309020205020404" pitchFamily="49" charset="0"/>
+              </a:rPr>
+              <a:t>java -jar $</a:t>
+            </a:r>
+            <a:r>
+              <a:rPr lang="en-US" dirty="0" err="1">
+                <a:latin typeface="Courier New" panose="02070309020205020404" pitchFamily="49" charset="0"/>
+                <a:cs typeface="Courier New" panose="02070309020205020404" pitchFamily="49" charset="0"/>
+              </a:rPr>
+              <a:t>trimJar</a:t>
+            </a:r>
+            <a:r>
+              <a:rPr lang="en-US" dirty="0">
+                <a:latin typeface="Courier New" panose="02070309020205020404" pitchFamily="49" charset="0"/>
+                <a:cs typeface="Courier New" panose="02070309020205020404" pitchFamily="49" charset="0"/>
               </a:rPr>
               <a:t> </a:t>
-            </a:r>
-            <a:r>
-              <a:rPr lang="en-US" sz="1600" dirty="0"/>
-              <a:t>/homes/liu3zhen/teaching/datasets/</a:t>
-            </a:r>
-            <a:r>
-              <a:rPr lang="en-US" sz="1600" dirty="0" err="1"/>
-              <a:t>trimmomatic</a:t>
-            </a:r>
-            <a:r>
-              <a:rPr lang="en-US" sz="1600" dirty="0">
-                <a:latin typeface="Courier"/>
-                <a:cs typeface="Courier"/>
-              </a:rPr>
-              <a:t>/TruSeq3-PE.fa .</a:t>
-            </a:r>
-          </a:p>
-          <a:p>
-            <a:pPr marL="0" indent="0">
-              <a:buNone/>
-            </a:pPr>
-            <a:endParaRPr lang="en-US" sz="1600" dirty="0">
-              <a:latin typeface="Courier"/>
-              <a:cs typeface="Courier"/>
-            </a:endParaRPr>
-          </a:p>
-        </p:txBody>
-      </p:sp>
-      <p:sp>
-        <p:nvSpPr>
-          <p:cNvPr id="4" name="Rectangle 3"/>
-          <p:cNvSpPr/>
-          <p:nvPr/>
-        </p:nvSpPr>
-        <p:spPr>
-          <a:xfrm>
-            <a:off x="730939" y="2777577"/>
-            <a:ext cx="5056253" cy="2123658"/>
-          </a:xfrm>
-          <a:prstGeom prst="rect">
-            <a:avLst/>
-          </a:prstGeom>
-        </p:spPr>
-        <p:txBody>
-          <a:bodyPr wrap="square">
-            <a:spAutoFit/>
-          </a:bodyPr>
-          <a:lstStyle/>
-          <a:p>
-            <a:r>
-              <a:rPr lang="en-US" sz="1200" b="1" dirty="0">
-                <a:latin typeface="Courier"/>
-                <a:cs typeface="Courier"/>
-              </a:rPr>
-              <a:t>p1.fq </a:t>
-            </a:r>
-          </a:p>
-          <a:p>
-            <a:r>
-              <a:rPr lang="en-US" sz="1200" dirty="0">
-                <a:latin typeface="Courier"/>
-                <a:cs typeface="Courier"/>
-              </a:rPr>
-              <a:t>@read1</a:t>
-            </a:r>
-          </a:p>
-          <a:p>
-            <a:r>
-              <a:rPr lang="en-US" sz="1200" dirty="0">
-                <a:latin typeface="Courier"/>
-                <a:cs typeface="Courier"/>
-              </a:rPr>
-              <a:t>ACTAGATGTAGAGATATTAATGTTGATGTTATTCATGATCACCTTGCCTTAG</a:t>
-            </a:r>
-          </a:p>
-          <a:p>
-            <a:r>
-              <a:rPr lang="en-US" sz="1200" dirty="0">
-                <a:latin typeface="Courier"/>
-                <a:cs typeface="Courier"/>
-              </a:rPr>
-              <a:t>+</a:t>
-            </a:r>
-          </a:p>
-          <a:p>
-            <a:r>
-              <a:rPr lang="en-US" sz="1200" dirty="0">
-                <a:latin typeface="Courier"/>
-                <a:cs typeface="Courier"/>
-              </a:rPr>
-              <a:t>DDDDDDDDDDDDDDDDDDDDDDDDEEDDDDDDDDDDDDDDDDDDDDDDDDDD</a:t>
-            </a:r>
-          </a:p>
-          <a:p>
-            <a:endParaRPr lang="en-US" sz="1200" dirty="0">
-              <a:latin typeface="Courier"/>
-              <a:cs typeface="Courier"/>
-            </a:endParaRPr>
-          </a:p>
-          <a:p>
-            <a:r>
-              <a:rPr lang="en-US" sz="1200" b="1" dirty="0">
-                <a:latin typeface="Courier"/>
-                <a:cs typeface="Courier"/>
-              </a:rPr>
-              <a:t>p2.fq </a:t>
-            </a:r>
-          </a:p>
-          <a:p>
-            <a:r>
-              <a:rPr lang="en-US" sz="1200" dirty="0">
-                <a:latin typeface="Courier"/>
-                <a:cs typeface="Courier"/>
-              </a:rPr>
-              <a:t>@read1</a:t>
-            </a:r>
-          </a:p>
-          <a:p>
-            <a:r>
-              <a:rPr lang="en-US" sz="1200" dirty="0">
-                <a:latin typeface="Courier"/>
-                <a:cs typeface="Courier"/>
-              </a:rPr>
-              <a:t>AAGGCAAGGTGATCATGAATAACATCAACATTAATATCTCTACATCTAGTAG</a:t>
-            </a:r>
-          </a:p>
-          <a:p>
-            <a:r>
-              <a:rPr lang="en-US" sz="1200" dirty="0">
-                <a:latin typeface="Courier"/>
-                <a:cs typeface="Courier"/>
-              </a:rPr>
-              <a:t>+</a:t>
-            </a:r>
-          </a:p>
-          <a:p>
-            <a:r>
-              <a:rPr lang="en-US" sz="1200" dirty="0">
-                <a:latin typeface="Courier"/>
-                <a:cs typeface="Courier"/>
-              </a:rPr>
-              <a:t>DDDDDDDDDDDDDDDDDDDDDDDDDDDDDDDDDDDDDDDDDDDDDDDDDDDD</a:t>
-            </a:r>
-          </a:p>
-        </p:txBody>
-      </p:sp>
-      <p:sp>
-        <p:nvSpPr>
-          <p:cNvPr id="5" name="Rectangle 4"/>
-          <p:cNvSpPr/>
-          <p:nvPr/>
-        </p:nvSpPr>
-        <p:spPr>
-          <a:xfrm>
-            <a:off x="630611" y="5533047"/>
-            <a:ext cx="8078734" cy="923330"/>
-          </a:xfrm>
-          <a:prstGeom prst="rect">
-            <a:avLst/>
-          </a:prstGeom>
-        </p:spPr>
-        <p:txBody>
-          <a:bodyPr wrap="square">
-            <a:spAutoFit/>
-          </a:bodyPr>
-          <a:lstStyle/>
-          <a:p>
-            <a:r>
-              <a:rPr lang="en-US" dirty="0">
-                <a:latin typeface="Courier"/>
-                <a:cs typeface="Courier"/>
-              </a:rPr>
-              <a:t>  ACTAGATGTAGAGATATTAATGTTGATGTTATTCATGATCACCTTGCCTTAG</a:t>
-            </a:r>
-          </a:p>
-          <a:p>
-            <a:r>
-              <a:rPr lang="en-US" dirty="0">
-                <a:latin typeface="Courier"/>
-                <a:cs typeface="Courier"/>
-              </a:rPr>
-              <a:t>  ||||||||||||||||||||||||||||||||||||||||||||||||||</a:t>
-            </a:r>
-          </a:p>
-          <a:p>
-            <a:r>
-              <a:rPr lang="en-US" dirty="0">
-                <a:latin typeface="Courier"/>
-                <a:cs typeface="Courier"/>
-              </a:rPr>
-              <a:t>GATGATCTACATCTCTATAATTACAACTACAATAAGTACTAGTGGAACGGAA</a:t>
             </a:r>
           </a:p>
         </p:txBody>
@@ -5362,7 +5753,7 @@
     </p:spTree>
     <p:extLst>
       <p:ext uri="{BB962C8B-B14F-4D97-AF65-F5344CB8AC3E}">
-        <p14:creationId xmlns:p14="http://schemas.microsoft.com/office/powerpoint/2010/main" val="4275709700"/>
+        <p14:creationId xmlns:p14="http://schemas.microsoft.com/office/powerpoint/2010/main" val="2861963186"/>
       </p:ext>
     </p:extLst>
   </p:cSld>
@@ -5410,7 +5801,7 @@
             </a:r>
             <a:r>
               <a:rPr lang="en-US" dirty="0"/>
-              <a:t> case I command line</a:t>
+              <a:t> case I</a:t>
             </a:r>
           </a:p>
         </p:txBody>
@@ -5427,8 +5818,8 @@
         </p:nvSpPr>
         <p:spPr>
           <a:xfrm>
-            <a:off x="157119" y="1384876"/>
-            <a:ext cx="8986881" cy="4919863"/>
+            <a:off x="402578" y="1444562"/>
+            <a:ext cx="8229600" cy="964000"/>
           </a:xfrm>
         </p:spPr>
         <p:txBody>
@@ -5441,178 +5832,274 @@
               <a:buNone/>
             </a:pPr>
             <a:r>
-              <a:rPr lang="en-US" sz="1800" dirty="0">
-                <a:latin typeface="Courier"/>
-                <a:cs typeface="Courier"/>
-              </a:rPr>
-              <a:t># adaptor trimming</a:t>
-            </a:r>
-          </a:p>
-          <a:p>
-            <a:pPr marL="0" indent="0">
-              <a:buNone/>
-            </a:pPr>
-            <a:r>
-              <a:rPr lang="en-US" sz="1800" dirty="0">
-                <a:latin typeface="Courier"/>
-                <a:cs typeface="Courier"/>
-              </a:rPr>
-              <a:t>module load Java</a:t>
-            </a:r>
-          </a:p>
-          <a:p>
-            <a:pPr marL="0" indent="0">
-              <a:buNone/>
-            </a:pPr>
-            <a:r>
               <a:rPr lang="en-US" sz="1400" dirty="0" err="1">
                 <a:latin typeface="Courier"/>
                 <a:cs typeface="Courier"/>
               </a:rPr>
-              <a:t>trimJar</a:t>
+              <a:t>wget</a:t>
             </a:r>
             <a:r>
               <a:rPr lang="en-US" sz="1400" dirty="0">
                 <a:latin typeface="Courier"/>
                 <a:cs typeface="Courier"/>
               </a:rPr>
-              <a:t>=/homes/liu3zhen/software/</a:t>
+              <a:t> https://</a:t>
             </a:r>
             <a:r>
               <a:rPr lang="en-US" sz="1400" dirty="0" err="1">
                 <a:latin typeface="Courier"/>
                 <a:cs typeface="Courier"/>
               </a:rPr>
-              <a:t>trimmomatic</a:t>
+              <a:t>people.beocat.ksu.edu</a:t>
             </a:r>
             <a:r>
               <a:rPr lang="en-US" sz="1400" dirty="0">
                 <a:latin typeface="Courier"/>
                 <a:cs typeface="Courier"/>
               </a:rPr>
-              <a:t>/Trimmomatic-0.38/trimmomatic-0.38.jar</a:t>
-            </a:r>
-          </a:p>
-          <a:p>
-            <a:pPr marL="0" indent="0">
-              <a:buNone/>
-            </a:pPr>
+              <a:t>/~liu3zhen/PLPTH813/data/</a:t>
+            </a:r>
+            <a:r>
+              <a:rPr lang="en-US" sz="1400" dirty="0" err="1">
+                <a:latin typeface="Courier"/>
+                <a:cs typeface="Courier"/>
+              </a:rPr>
+              <a:t>EcoliWGS</a:t>
+            </a:r>
+            <a:r>
+              <a:rPr lang="en-US" altLang="zh-CN" sz="1400" dirty="0">
+                <a:latin typeface="Courier"/>
+                <a:cs typeface="Courier"/>
+              </a:rPr>
+              <a:t>/p</a:t>
+            </a:r>
+            <a:r>
+              <a:rPr lang="en-US" sz="1400" dirty="0">
+                <a:latin typeface="Courier"/>
+                <a:cs typeface="Courier"/>
+              </a:rPr>
+              <a:t>1.fq</a:t>
+            </a:r>
+          </a:p>
+          <a:p>
+            <a:pPr marL="0" indent="0">
+              <a:buNone/>
+            </a:pPr>
+            <a:r>
+              <a:rPr lang="en-US" sz="1400" dirty="0" err="1">
+                <a:latin typeface="Courier"/>
+                <a:cs typeface="Courier"/>
+              </a:rPr>
+              <a:t>wget</a:t>
+            </a:r>
+            <a:r>
+              <a:rPr lang="en-US" sz="1400" dirty="0">
+                <a:latin typeface="Courier"/>
+                <a:cs typeface="Courier"/>
+              </a:rPr>
+              <a:t> https://</a:t>
+            </a:r>
+            <a:r>
+              <a:rPr lang="en-US" sz="1400" dirty="0" err="1">
+                <a:latin typeface="Courier"/>
+                <a:cs typeface="Courier"/>
+              </a:rPr>
+              <a:t>people.beocat.ksu.edu</a:t>
+            </a:r>
+            <a:r>
+              <a:rPr lang="en-US" sz="1400" dirty="0">
+                <a:latin typeface="Courier"/>
+                <a:cs typeface="Courier"/>
+              </a:rPr>
+              <a:t>/~liu3zhen/PLPTH813/data/</a:t>
+            </a:r>
+            <a:r>
+              <a:rPr lang="en-US" sz="1400" dirty="0" err="1">
+                <a:latin typeface="Courier"/>
+                <a:cs typeface="Courier"/>
+              </a:rPr>
+              <a:t>EcoliWGS</a:t>
+            </a:r>
+            <a:r>
+              <a:rPr lang="en-US" altLang="zh-CN" sz="1400" dirty="0">
+                <a:latin typeface="Courier"/>
+                <a:cs typeface="Courier"/>
+              </a:rPr>
+              <a:t>/p2</a:t>
+            </a:r>
+            <a:r>
+              <a:rPr lang="en-US" sz="1400" dirty="0">
+                <a:latin typeface="Courier"/>
+                <a:cs typeface="Courier"/>
+              </a:rPr>
+              <a:t>.fq</a:t>
+            </a:r>
+          </a:p>
+        </p:txBody>
+      </p:sp>
+      <p:sp>
+        <p:nvSpPr>
+          <p:cNvPr id="4" name="Rectangle 3"/>
+          <p:cNvSpPr/>
+          <p:nvPr/>
+        </p:nvSpPr>
+        <p:spPr>
+          <a:xfrm>
+            <a:off x="730939" y="2777577"/>
+            <a:ext cx="5056253" cy="2123658"/>
+          </a:xfrm>
+          <a:prstGeom prst="rect">
+            <a:avLst/>
+          </a:prstGeom>
+        </p:spPr>
+        <p:txBody>
+          <a:bodyPr wrap="square">
+            <a:spAutoFit/>
+          </a:bodyPr>
+          <a:lstStyle/>
+          <a:p>
+            <a:r>
+              <a:rPr lang="en-US" sz="1200" b="1" dirty="0">
+                <a:latin typeface="Courier"/>
+                <a:cs typeface="Courier"/>
+              </a:rPr>
+              <a:t>p1.fq </a:t>
+            </a:r>
+          </a:p>
+          <a:p>
+            <a:r>
+              <a:rPr lang="en-US" sz="1200" dirty="0">
+                <a:latin typeface="Courier"/>
+                <a:cs typeface="Courier"/>
+              </a:rPr>
+              <a:t>@read1</a:t>
+            </a:r>
+          </a:p>
+          <a:p>
+            <a:r>
+              <a:rPr lang="en-US" sz="1200" dirty="0">
+                <a:latin typeface="Courier"/>
+                <a:cs typeface="Courier"/>
+              </a:rPr>
+              <a:t>ACTAGATGTAGAGATATTAATGTTGATGTTATTCATGATCACCTTGCCTTAG</a:t>
+            </a:r>
+          </a:p>
+          <a:p>
+            <a:r>
+              <a:rPr lang="en-US" sz="1200" dirty="0">
+                <a:latin typeface="Courier"/>
+                <a:cs typeface="Courier"/>
+              </a:rPr>
+              <a:t>+</a:t>
+            </a:r>
+          </a:p>
+          <a:p>
+            <a:r>
+              <a:rPr lang="en-US" sz="1200" dirty="0">
+                <a:latin typeface="Courier"/>
+                <a:cs typeface="Courier"/>
+              </a:rPr>
+              <a:t>DDDDDDDDDDDDDDDDDDDDDDDDEEDDDDDDDDDDDDDDDDDDDDDDDDDD</a:t>
+            </a:r>
+          </a:p>
+          <a:p>
+            <a:endParaRPr lang="en-US" sz="1200" dirty="0">
+              <a:latin typeface="Courier"/>
+              <a:cs typeface="Courier"/>
+            </a:endParaRPr>
+          </a:p>
+          <a:p>
+            <a:r>
+              <a:rPr lang="en-US" sz="1200" b="1" dirty="0">
+                <a:latin typeface="Courier"/>
+                <a:cs typeface="Courier"/>
+              </a:rPr>
+              <a:t>p2.fq </a:t>
+            </a:r>
+          </a:p>
+          <a:p>
+            <a:r>
+              <a:rPr lang="en-US" sz="1200" dirty="0">
+                <a:latin typeface="Courier"/>
+                <a:cs typeface="Courier"/>
+              </a:rPr>
+              <a:t>@read1</a:t>
+            </a:r>
+          </a:p>
+          <a:p>
+            <a:r>
+              <a:rPr lang="en-US" sz="1200" dirty="0">
+                <a:latin typeface="Courier"/>
+                <a:cs typeface="Courier"/>
+              </a:rPr>
+              <a:t>AAGGCAAGGTGATCATGAATAACATCAACATTAATATCTCTACATCTAGTAG</a:t>
+            </a:r>
+          </a:p>
+          <a:p>
+            <a:r>
+              <a:rPr lang="en-US" sz="1200" dirty="0">
+                <a:latin typeface="Courier"/>
+                <a:cs typeface="Courier"/>
+              </a:rPr>
+              <a:t>+</a:t>
+            </a:r>
+          </a:p>
+          <a:p>
+            <a:r>
+              <a:rPr lang="en-US" sz="1200" dirty="0">
+                <a:latin typeface="Courier"/>
+                <a:cs typeface="Courier"/>
+              </a:rPr>
+              <a:t>DDDDDDDDDDDDDDDDDDDDDDDDDDDDDDDDDDDDDDDDDDDDDDDDDDDD</a:t>
+            </a:r>
+          </a:p>
+        </p:txBody>
+      </p:sp>
+      <p:sp>
+        <p:nvSpPr>
+          <p:cNvPr id="5" name="Rectangle 4"/>
+          <p:cNvSpPr/>
+          <p:nvPr/>
+        </p:nvSpPr>
+        <p:spPr>
+          <a:xfrm>
+            <a:off x="630611" y="5533047"/>
+            <a:ext cx="8078734" cy="923330"/>
+          </a:xfrm>
+          <a:prstGeom prst="rect">
+            <a:avLst/>
+          </a:prstGeom>
+        </p:spPr>
+        <p:txBody>
+          <a:bodyPr wrap="square">
+            <a:spAutoFit/>
+          </a:bodyPr>
+          <a:lstStyle/>
+          <a:p>
             <a:r>
               <a:rPr lang="en-US" dirty="0">
                 <a:latin typeface="Courier"/>
                 <a:cs typeface="Courier"/>
               </a:rPr>
-              <a:t>java -jar $</a:t>
-            </a:r>
-            <a:r>
-              <a:rPr lang="en-US" dirty="0" err="1">
-                <a:latin typeface="Courier"/>
-                <a:cs typeface="Courier"/>
-              </a:rPr>
-              <a:t>trimJar</a:t>
-            </a:r>
+              <a:t>  ACTAGATGTAGAGATATTAATGTTGATGTTATTCATGATCACCTTGCCTTAG</a:t>
+            </a:r>
+          </a:p>
+          <a:p>
             <a:r>
               <a:rPr lang="en-US" dirty="0">
                 <a:latin typeface="Courier"/>
                 <a:cs typeface="Courier"/>
               </a:rPr>
-              <a:t> PE \</a:t>
-            </a:r>
-          </a:p>
-          <a:p>
-            <a:pPr marL="0" indent="0">
-              <a:buNone/>
-            </a:pPr>
-            <a:r>
-              <a:rPr lang="de-DE" dirty="0">
-                <a:latin typeface="Courier"/>
-                <a:cs typeface="Courier"/>
-              </a:rPr>
-              <a:t>  -phred33 \</a:t>
-            </a:r>
-          </a:p>
-          <a:p>
-            <a:pPr marL="0" indent="0">
-              <a:buNone/>
-            </a:pPr>
-            <a:r>
-              <a:rPr lang="de-DE" dirty="0">
-                <a:latin typeface="Courier"/>
-                <a:cs typeface="Courier"/>
-              </a:rPr>
-              <a:t>  p1.fq p2.fq \</a:t>
-            </a:r>
-          </a:p>
-          <a:p>
-            <a:pPr marL="0" indent="0">
-              <a:buNone/>
-            </a:pPr>
-            <a:r>
-              <a:rPr lang="pt-BR" dirty="0">
-                <a:latin typeface="Courier"/>
-                <a:cs typeface="Courier"/>
-              </a:rPr>
-              <a:t>  out.p1.fq out.s1.fq \</a:t>
-            </a:r>
-          </a:p>
-          <a:p>
-            <a:pPr marL="0" indent="0">
-              <a:buNone/>
-            </a:pPr>
-            <a:r>
-              <a:rPr lang="pt-BR" dirty="0">
-                <a:latin typeface="Courier"/>
-                <a:cs typeface="Courier"/>
-              </a:rPr>
-              <a:t>  out.p2.fq out.s2.fq \</a:t>
-            </a:r>
-          </a:p>
-          <a:p>
-            <a:pPr marL="0" indent="0">
-              <a:buNone/>
-            </a:pPr>
-            <a:r>
-              <a:rPr lang="pt-BR" dirty="0">
-                <a:latin typeface="Courier"/>
-                <a:cs typeface="Courier"/>
-              </a:rPr>
-              <a:t>  ILLUMINACLIP:TruSeq3-PE.fa:3:20:10:1:true \</a:t>
-            </a:r>
-          </a:p>
-          <a:p>
-            <a:pPr marL="0" indent="0">
-              <a:buNone/>
-            </a:pPr>
-            <a:r>
-              <a:rPr lang="pt-BR" dirty="0">
-                <a:latin typeface="Courier"/>
-                <a:cs typeface="Courier"/>
-              </a:rPr>
-              <a:t>  LEADING:3 TRAILING:3 \</a:t>
-            </a:r>
-          </a:p>
-          <a:p>
-            <a:pPr marL="0" indent="0">
-              <a:buNone/>
-            </a:pPr>
-            <a:r>
-              <a:rPr lang="pt-BR" dirty="0">
-                <a:latin typeface="Courier"/>
-                <a:cs typeface="Courier"/>
-              </a:rPr>
-              <a:t>  SLIDINGWINDOW:4:0 \</a:t>
-            </a:r>
-          </a:p>
-          <a:p>
-            <a:pPr marL="0" indent="0">
-              <a:buNone/>
-            </a:pPr>
-            <a:r>
-              <a:rPr lang="pt-BR" dirty="0">
-                <a:latin typeface="Courier"/>
-                <a:cs typeface="Courier"/>
-              </a:rPr>
-              <a:t>  MINLEN:0</a:t>
+              <a:t>  ||||||||||||||||||||||||||||||||||||||||||||||||||</a:t>
+            </a:r>
+          </a:p>
+          <a:p>
+            <a:r>
+              <a:rPr lang="en-US" dirty="0">
+                <a:latin typeface="Courier"/>
+                <a:cs typeface="Courier"/>
+              </a:rPr>
+              <a:t>GATGATCTACATCTCTATAATTACAACTACAATAAGTACTAGTGGAACGGAA</a:t>
             </a:r>
           </a:p>
         </p:txBody>
@@ -5620,7 +6107,7 @@
     </p:spTree>
     <p:extLst>
       <p:ext uri="{BB962C8B-B14F-4D97-AF65-F5344CB8AC3E}">
-        <p14:creationId xmlns:p14="http://schemas.microsoft.com/office/powerpoint/2010/main" val="735177450"/>
+        <p14:creationId xmlns:p14="http://schemas.microsoft.com/office/powerpoint/2010/main" val="4275709700"/>
       </p:ext>
     </p:extLst>
   </p:cSld>
@@ -5657,6 +6144,219 @@
             <p:ph type="title"/>
           </p:nvPr>
         </p:nvSpPr>
+        <p:spPr/>
+        <p:txBody>
+          <a:bodyPr/>
+          <a:lstStyle/>
+          <a:p>
+            <a:r>
+              <a:rPr lang="en-US" dirty="0" err="1"/>
+              <a:t>Trimmomatic</a:t>
+            </a:r>
+            <a:r>
+              <a:rPr lang="en-US" dirty="0"/>
+              <a:t> case I command line</a:t>
+            </a:r>
+          </a:p>
+        </p:txBody>
+      </p:sp>
+      <p:sp>
+        <p:nvSpPr>
+          <p:cNvPr id="3" name="Content Placeholder 2"/>
+          <p:cNvSpPr>
+            <a:spLocks noGrp="1"/>
+          </p:cNvSpPr>
+          <p:nvPr>
+            <p:ph idx="1"/>
+          </p:nvPr>
+        </p:nvSpPr>
+        <p:spPr>
+          <a:xfrm>
+            <a:off x="157119" y="1384876"/>
+            <a:ext cx="8986881" cy="4919863"/>
+          </a:xfrm>
+        </p:spPr>
+        <p:txBody>
+          <a:bodyPr>
+            <a:noAutofit/>
+          </a:bodyPr>
+          <a:lstStyle/>
+          <a:p>
+            <a:pPr marL="0" indent="0">
+              <a:buNone/>
+            </a:pPr>
+            <a:r>
+              <a:rPr lang="en-US" sz="1800" dirty="0">
+                <a:latin typeface="Courier"/>
+                <a:cs typeface="Courier"/>
+              </a:rPr>
+              <a:t># adaptor trimming</a:t>
+            </a:r>
+          </a:p>
+          <a:p>
+            <a:pPr marL="0" indent="0">
+              <a:buNone/>
+            </a:pPr>
+            <a:r>
+              <a:rPr lang="en-US" dirty="0">
+                <a:latin typeface="Courier"/>
+                <a:cs typeface="Courier"/>
+              </a:rPr>
+              <a:t>java -jar $</a:t>
+            </a:r>
+            <a:r>
+              <a:rPr lang="en-US" dirty="0" err="1">
+                <a:latin typeface="Courier"/>
+                <a:cs typeface="Courier"/>
+              </a:rPr>
+              <a:t>trimJar</a:t>
+            </a:r>
+            <a:r>
+              <a:rPr lang="en-US" dirty="0">
+                <a:latin typeface="Courier"/>
+                <a:cs typeface="Courier"/>
+              </a:rPr>
+              <a:t> PE \</a:t>
+            </a:r>
+          </a:p>
+          <a:p>
+            <a:pPr marL="0" indent="0">
+              <a:buNone/>
+            </a:pPr>
+            <a:r>
+              <a:rPr lang="de-DE" dirty="0">
+                <a:latin typeface="Courier"/>
+                <a:cs typeface="Courier"/>
+              </a:rPr>
+              <a:t>  -phred33 \</a:t>
+            </a:r>
+          </a:p>
+          <a:p>
+            <a:pPr marL="0" indent="0">
+              <a:buNone/>
+            </a:pPr>
+            <a:r>
+              <a:rPr lang="de-DE" dirty="0">
+                <a:latin typeface="Courier"/>
+                <a:cs typeface="Courier"/>
+              </a:rPr>
+              <a:t>  p1.fq p2.fq \</a:t>
+            </a:r>
+          </a:p>
+          <a:p>
+            <a:pPr marL="0" indent="0">
+              <a:buNone/>
+            </a:pPr>
+            <a:r>
+              <a:rPr lang="pt-BR" dirty="0">
+                <a:latin typeface="Courier"/>
+                <a:cs typeface="Courier"/>
+              </a:rPr>
+              <a:t>  out.p1.fq out.s1.fq \</a:t>
+            </a:r>
+          </a:p>
+          <a:p>
+            <a:pPr marL="0" indent="0">
+              <a:buNone/>
+            </a:pPr>
+            <a:r>
+              <a:rPr lang="pt-BR" dirty="0">
+                <a:latin typeface="Courier"/>
+                <a:cs typeface="Courier"/>
+              </a:rPr>
+              <a:t>  out.p2.fq out.s2.fq \</a:t>
+            </a:r>
+          </a:p>
+          <a:p>
+            <a:pPr marL="0" indent="0">
+              <a:buNone/>
+            </a:pPr>
+            <a:r>
+              <a:rPr lang="pt-BR" dirty="0">
+                <a:latin typeface="Courier"/>
+                <a:cs typeface="Courier"/>
+              </a:rPr>
+              <a:t>  ILLUMINACLIP:TruSeq3-PE.fa:3:20:10:1:true \</a:t>
+            </a:r>
+          </a:p>
+          <a:p>
+            <a:pPr marL="0" indent="0">
+              <a:buNone/>
+            </a:pPr>
+            <a:r>
+              <a:rPr lang="pt-BR" dirty="0">
+                <a:latin typeface="Courier"/>
+                <a:cs typeface="Courier"/>
+              </a:rPr>
+              <a:t>  LEADING:3 TRAILING:3 \</a:t>
+            </a:r>
+          </a:p>
+          <a:p>
+            <a:pPr marL="0" indent="0">
+              <a:buNone/>
+            </a:pPr>
+            <a:r>
+              <a:rPr lang="pt-BR" dirty="0">
+                <a:latin typeface="Courier"/>
+                <a:cs typeface="Courier"/>
+              </a:rPr>
+              <a:t>  SLIDINGWINDOW:4:0 \</a:t>
+            </a:r>
+          </a:p>
+          <a:p>
+            <a:pPr marL="0" indent="0">
+              <a:buNone/>
+            </a:pPr>
+            <a:r>
+              <a:rPr lang="pt-BR" dirty="0">
+                <a:latin typeface="Courier"/>
+                <a:cs typeface="Courier"/>
+              </a:rPr>
+              <a:t>  MINLEN:0</a:t>
+            </a:r>
+          </a:p>
+        </p:txBody>
+      </p:sp>
+    </p:spTree>
+    <p:extLst>
+      <p:ext uri="{BB962C8B-B14F-4D97-AF65-F5344CB8AC3E}">
+        <p14:creationId xmlns:p14="http://schemas.microsoft.com/office/powerpoint/2010/main" val="735177450"/>
+      </p:ext>
+    </p:extLst>
+  </p:cSld>
+  <p:clrMapOvr>
+    <a:masterClrMapping/>
+  </p:clrMapOvr>
+</p:sld>
+</file>
+
+<file path=ppt/slides/slide18.xml><?xml version="1.0" encoding="utf-8"?>
+<p:sld xmlns:a="http://schemas.openxmlformats.org/drawingml/2006/main" xmlns:r="http://schemas.openxmlformats.org/officeDocument/2006/relationships" xmlns:p="http://schemas.openxmlformats.org/presentationml/2006/main">
+  <p:cSld>
+    <p:spTree>
+      <p:nvGrpSpPr>
+        <p:cNvPr id="1" name=""/>
+        <p:cNvGrpSpPr/>
+        <p:nvPr/>
+      </p:nvGrpSpPr>
+      <p:grpSpPr>
+        <a:xfrm>
+          <a:off x="0" y="0"/>
+          <a:ext cx="0" cy="0"/>
+          <a:chOff x="0" y="0"/>
+          <a:chExt cx="0" cy="0"/>
+        </a:xfrm>
+      </p:grpSpPr>
+      <p:sp>
+        <p:nvSpPr>
+          <p:cNvPr id="2" name="Title 1"/>
+          <p:cNvSpPr>
+            <a:spLocks noGrp="1"/>
+          </p:cNvSpPr>
+          <p:nvPr>
+            <p:ph type="title"/>
+          </p:nvPr>
+        </p:nvSpPr>
         <p:spPr>
           <a:xfrm>
             <a:off x="457200" y="274639"/>
@@ -5664,7 +6364,9 @@
           </a:xfrm>
         </p:spPr>
         <p:txBody>
-          <a:bodyPr/>
+          <a:bodyPr>
+            <a:normAutofit fontScale="90000"/>
+          </a:bodyPr>
           <a:lstStyle/>
           <a:p>
             <a:r>
@@ -5848,7 +6550,7 @@
 </p:sld>
 </file>
 
-<file path=ppt/slides/slide18.xml><?xml version="1.0" encoding="utf-8"?>
+<file path=ppt/slides/slide19.xml><?xml version="1.0" encoding="utf-8"?>
 <p:sld xmlns:a="http://schemas.openxmlformats.org/drawingml/2006/main" xmlns:r="http://schemas.openxmlformats.org/officeDocument/2006/relationships" xmlns:p="http://schemas.openxmlformats.org/presentationml/2006/main">
   <p:cSld>
     <p:spTree>
@@ -6213,7 +6915,133 @@
 </p:sld>
 </file>
 
-<file path=ppt/slides/slide19.xml><?xml version="1.0" encoding="utf-8"?>
+<file path=ppt/slides/slide2.xml><?xml version="1.0" encoding="utf-8"?>
+<p:sld xmlns:a="http://schemas.openxmlformats.org/drawingml/2006/main" xmlns:r="http://schemas.openxmlformats.org/officeDocument/2006/relationships" xmlns:p="http://schemas.openxmlformats.org/presentationml/2006/main">
+  <p:cSld>
+    <p:spTree>
+      <p:nvGrpSpPr>
+        <p:cNvPr id="1" name=""/>
+        <p:cNvGrpSpPr/>
+        <p:nvPr/>
+      </p:nvGrpSpPr>
+      <p:grpSpPr>
+        <a:xfrm>
+          <a:off x="0" y="0"/>
+          <a:ext cx="0" cy="0"/>
+          <a:chOff x="0" y="0"/>
+          <a:chExt cx="0" cy="0"/>
+        </a:xfrm>
+      </p:grpSpPr>
+      <p:sp>
+        <p:nvSpPr>
+          <p:cNvPr id="2" name="Title 1"/>
+          <p:cNvSpPr>
+            <a:spLocks noGrp="1"/>
+          </p:cNvSpPr>
+          <p:nvPr>
+            <p:ph type="title"/>
+          </p:nvPr>
+        </p:nvSpPr>
+        <p:spPr>
+          <a:xfrm>
+            <a:off x="457200" y="274638"/>
+            <a:ext cx="8229600" cy="924806"/>
+          </a:xfrm>
+        </p:spPr>
+        <p:txBody>
+          <a:bodyPr>
+            <a:normAutofit/>
+          </a:bodyPr>
+          <a:lstStyle/>
+          <a:p>
+            <a:r>
+              <a:rPr lang="en-US" sz="3600" dirty="0"/>
+              <a:t>Goal of today’s lab</a:t>
+            </a:r>
+          </a:p>
+        </p:txBody>
+      </p:sp>
+      <p:sp>
+        <p:nvSpPr>
+          <p:cNvPr id="3" name="Content Placeholder 2"/>
+          <p:cNvSpPr>
+            <a:spLocks noGrp="1"/>
+          </p:cNvSpPr>
+          <p:nvPr>
+            <p:ph idx="1"/>
+          </p:nvPr>
+        </p:nvSpPr>
+        <p:spPr>
+          <a:xfrm>
+            <a:off x="1679581" y="1793066"/>
+            <a:ext cx="5757386" cy="3104103"/>
+          </a:xfrm>
+        </p:spPr>
+        <p:txBody>
+          <a:bodyPr>
+            <a:normAutofit/>
+          </a:bodyPr>
+          <a:lstStyle/>
+          <a:p>
+            <a:pPr>
+              <a:lnSpc>
+                <a:spcPct val="120000"/>
+              </a:lnSpc>
+            </a:pPr>
+            <a:r>
+              <a:rPr lang="en-US" sz="2800" dirty="0"/>
+              <a:t>FASTQC</a:t>
+            </a:r>
+          </a:p>
+          <a:p>
+            <a:pPr>
+              <a:lnSpc>
+                <a:spcPct val="120000"/>
+              </a:lnSpc>
+            </a:pPr>
+            <a:r>
+              <a:rPr lang="en-US" sz="2800" dirty="0"/>
+              <a:t>Sequence data manipulation</a:t>
+            </a:r>
+          </a:p>
+          <a:p>
+            <a:pPr>
+              <a:lnSpc>
+                <a:spcPct val="120000"/>
+              </a:lnSpc>
+            </a:pPr>
+            <a:r>
+              <a:rPr lang="en-US" sz="2800" dirty="0"/>
+              <a:t>Quality Trimming</a:t>
+            </a:r>
+          </a:p>
+          <a:p>
+            <a:pPr>
+              <a:lnSpc>
+                <a:spcPct val="120000"/>
+              </a:lnSpc>
+            </a:pPr>
+            <a:r>
+              <a:rPr lang="en-US" sz="2800" dirty="0"/>
+              <a:t>Adaptor trimming</a:t>
+            </a:r>
+          </a:p>
+        </p:txBody>
+      </p:sp>
+    </p:spTree>
+    <p:extLst>
+      <p:ext uri="{BB962C8B-B14F-4D97-AF65-F5344CB8AC3E}">
+        <p14:creationId xmlns:p14="http://schemas.microsoft.com/office/powerpoint/2010/main" val="696069205"/>
+      </p:ext>
+    </p:extLst>
+  </p:cSld>
+  <p:clrMapOvr>
+    <a:masterClrMapping/>
+  </p:clrMapOvr>
+</p:sld>
+</file>
+
+<file path=ppt/slides/slide20.xml><?xml version="1.0" encoding="utf-8"?>
 <p:sld xmlns:a="http://schemas.openxmlformats.org/drawingml/2006/main" xmlns:r="http://schemas.openxmlformats.org/officeDocument/2006/relationships" xmlns:p="http://schemas.openxmlformats.org/presentationml/2006/main">
   <p:cSld>
     <p:spTree>
@@ -6667,7 +7495,7 @@
 </p:sld>
 </file>
 
-<file path=ppt/slides/slide2.xml><?xml version="1.0" encoding="utf-8"?>
+<file path=ppt/slides/slide21.xml><?xml version="1.0" encoding="utf-8"?>
 <p:sld xmlns:a="http://schemas.openxmlformats.org/drawingml/2006/main" xmlns:r="http://schemas.openxmlformats.org/officeDocument/2006/relationships" xmlns:p="http://schemas.openxmlformats.org/presentationml/2006/main">
   <p:cSld>
     <p:spTree>
@@ -6694,132 +7522,6 @@
             <p:ph type="title"/>
           </p:nvPr>
         </p:nvSpPr>
-        <p:spPr>
-          <a:xfrm>
-            <a:off x="457200" y="274638"/>
-            <a:ext cx="8229600" cy="924806"/>
-          </a:xfrm>
-        </p:spPr>
-        <p:txBody>
-          <a:bodyPr>
-            <a:normAutofit/>
-          </a:bodyPr>
-          <a:lstStyle/>
-          <a:p>
-            <a:r>
-              <a:rPr lang="en-US" sz="3200" dirty="0"/>
-              <a:t>Goal of today’s lab</a:t>
-            </a:r>
-          </a:p>
-        </p:txBody>
-      </p:sp>
-      <p:sp>
-        <p:nvSpPr>
-          <p:cNvPr id="3" name="Content Placeholder 2"/>
-          <p:cNvSpPr>
-            <a:spLocks noGrp="1"/>
-          </p:cNvSpPr>
-          <p:nvPr>
-            <p:ph idx="1"/>
-          </p:nvPr>
-        </p:nvSpPr>
-        <p:spPr>
-          <a:xfrm>
-            <a:off x="1679581" y="1793066"/>
-            <a:ext cx="5757386" cy="3104103"/>
-          </a:xfrm>
-        </p:spPr>
-        <p:txBody>
-          <a:bodyPr>
-            <a:normAutofit/>
-          </a:bodyPr>
-          <a:lstStyle/>
-          <a:p>
-            <a:pPr>
-              <a:lnSpc>
-                <a:spcPct val="120000"/>
-              </a:lnSpc>
-            </a:pPr>
-            <a:r>
-              <a:rPr lang="en-US" sz="2800" dirty="0"/>
-              <a:t>FASTQC</a:t>
-            </a:r>
-          </a:p>
-          <a:p>
-            <a:pPr>
-              <a:lnSpc>
-                <a:spcPct val="120000"/>
-              </a:lnSpc>
-            </a:pPr>
-            <a:r>
-              <a:rPr lang="en-US" sz="2800" dirty="0"/>
-              <a:t>Sequence data manipulation</a:t>
-            </a:r>
-          </a:p>
-          <a:p>
-            <a:pPr>
-              <a:lnSpc>
-                <a:spcPct val="120000"/>
-              </a:lnSpc>
-            </a:pPr>
-            <a:r>
-              <a:rPr lang="en-US" sz="2800" dirty="0"/>
-              <a:t>Quality Trimming</a:t>
-            </a:r>
-          </a:p>
-          <a:p>
-            <a:pPr>
-              <a:lnSpc>
-                <a:spcPct val="120000"/>
-              </a:lnSpc>
-            </a:pPr>
-            <a:r>
-              <a:rPr lang="en-US" sz="2800" dirty="0"/>
-              <a:t>Adaptor trimming</a:t>
-            </a:r>
-          </a:p>
-        </p:txBody>
-      </p:sp>
-    </p:spTree>
-    <p:extLst>
-      <p:ext uri="{BB962C8B-B14F-4D97-AF65-F5344CB8AC3E}">
-        <p14:creationId xmlns:p14="http://schemas.microsoft.com/office/powerpoint/2010/main" val="696069205"/>
-      </p:ext>
-    </p:extLst>
-  </p:cSld>
-  <p:clrMapOvr>
-    <a:masterClrMapping/>
-  </p:clrMapOvr>
-</p:sld>
-</file>
-
-<file path=ppt/slides/slide20.xml><?xml version="1.0" encoding="utf-8"?>
-<p:sld xmlns:a="http://schemas.openxmlformats.org/drawingml/2006/main" xmlns:r="http://schemas.openxmlformats.org/officeDocument/2006/relationships" xmlns:p="http://schemas.openxmlformats.org/presentationml/2006/main">
-  <p:cSld>
-    <p:spTree>
-      <p:nvGrpSpPr>
-        <p:cNvPr id="1" name=""/>
-        <p:cNvGrpSpPr/>
-        <p:nvPr/>
-      </p:nvGrpSpPr>
-      <p:grpSpPr>
-        <a:xfrm>
-          <a:off x="0" y="0"/>
-          <a:ext cx="0" cy="0"/>
-          <a:chOff x="0" y="0"/>
-          <a:chExt cx="0" cy="0"/>
-        </a:xfrm>
-      </p:grpSpPr>
-      <p:sp>
-        <p:nvSpPr>
-          <p:cNvPr id="2" name="Title 1"/>
-          <p:cNvSpPr>
-            <a:spLocks noGrp="1"/>
-          </p:cNvSpPr>
-          <p:nvPr>
-            <p:ph type="title"/>
-          </p:nvPr>
-        </p:nvSpPr>
         <p:spPr/>
         <p:txBody>
           <a:bodyPr/>
@@ -7023,7 +7725,7 @@
 </p:sld>
 </file>
 
-<file path=ppt/slides/slide21.xml><?xml version="1.0" encoding="utf-8"?>
+<file path=ppt/slides/slide22.xml><?xml version="1.0" encoding="utf-8"?>
 <p:sld xmlns:a="http://schemas.openxmlformats.org/drawingml/2006/main" xmlns:r="http://schemas.openxmlformats.org/officeDocument/2006/relationships" xmlns:p="http://schemas.openxmlformats.org/presentationml/2006/main">
   <p:cSld>
     <p:spTree>
@@ -7189,18 +7891,20 @@
         </p:nvSpPr>
         <p:spPr/>
         <p:txBody>
-          <a:bodyPr/>
+          <a:bodyPr>
+            <a:normAutofit/>
+          </a:bodyPr>
           <a:lstStyle/>
           <a:p>
             <a:r>
-              <a:rPr lang="en-US" dirty="0"/>
+              <a:rPr lang="en-US" sz="3600" dirty="0"/>
               <a:t>Login </a:t>
             </a:r>
             <a:r>
-              <a:rPr lang="en-US" dirty="0" err="1"/>
+              <a:rPr lang="en-US" sz="3600" dirty="0" err="1"/>
               <a:t>Beocat</a:t>
             </a:r>
-            <a:endParaRPr lang="en-US" dirty="0"/>
+            <a:endParaRPr lang="en-US" sz="3600" dirty="0"/>
           </a:p>
         </p:txBody>
       </p:sp>
@@ -7312,7 +8016,13 @@
       </p:grpSpPr>
       <p:sp>
         <p:nvSpPr>
-          <p:cNvPr id="2" name="Title 1"/>
+          <p:cNvPr id="2" name="Title 1">
+            <a:extLst>
+              <a:ext uri="{FF2B5EF4-FFF2-40B4-BE49-F238E27FC236}">
+                <a16:creationId xmlns:a16="http://schemas.microsoft.com/office/drawing/2014/main" id="{81C15964-DEFD-6D02-C83D-0D27A43E62DC}"/>
+              </a:ext>
+            </a:extLst>
+          </p:cNvPr>
           <p:cNvSpPr>
             <a:spLocks noGrp="1"/>
           </p:cNvSpPr>
@@ -7320,154 +8030,131 @@
             <p:ph type="title"/>
           </p:nvPr>
         </p:nvSpPr>
-        <p:spPr/>
+        <p:spPr>
+          <a:xfrm>
+            <a:off x="457200" y="1534783"/>
+            <a:ext cx="8229600" cy="772987"/>
+          </a:xfrm>
+        </p:spPr>
         <p:txBody>
           <a:bodyPr/>
           <a:lstStyle/>
           <a:p>
             <a:r>
               <a:rPr lang="en-US" dirty="0"/>
-              <a:t>Data</a:t>
-            </a:r>
-          </a:p>
-        </p:txBody>
-      </p:sp>
-      <p:sp>
-        <p:nvSpPr>
-          <p:cNvPr id="3" name="Content Placeholder 2"/>
-          <p:cNvSpPr>
-            <a:spLocks noGrp="1"/>
-          </p:cNvSpPr>
-          <p:nvPr>
-            <p:ph idx="1"/>
-          </p:nvPr>
+              <a:t>Create a directory for today’s lab</a:t>
+            </a:r>
+          </a:p>
+        </p:txBody>
+      </p:sp>
+      <p:sp>
+        <p:nvSpPr>
+          <p:cNvPr id="4" name="Title 1">
+            <a:extLst>
+              <a:ext uri="{FF2B5EF4-FFF2-40B4-BE49-F238E27FC236}">
+                <a16:creationId xmlns:a16="http://schemas.microsoft.com/office/drawing/2014/main" id="{33A34BD6-FFAA-30D9-E9FB-915188B0F1B6}"/>
+              </a:ext>
+            </a:extLst>
+          </p:cNvPr>
+          <p:cNvSpPr txBox="1">
+            <a:spLocks/>
+          </p:cNvSpPr>
+          <p:nvPr/>
         </p:nvSpPr>
         <p:spPr>
           <a:xfrm>
-            <a:off x="653250" y="1341150"/>
-            <a:ext cx="7836542" cy="4618086"/>
+            <a:off x="457200" y="2900993"/>
+            <a:ext cx="8229600" cy="772987"/>
           </a:xfrm>
+          <a:prstGeom prst="rect">
+            <a:avLst/>
+          </a:prstGeom>
         </p:spPr>
         <p:txBody>
-          <a:bodyPr>
-            <a:normAutofit fontScale="92500"/>
+          <a:bodyPr vert="horz" lIns="91440" tIns="45720" rIns="91440" bIns="45720" rtlCol="0" anchor="ctr">
+            <a:normAutofit/>
+          </a:bodyPr>
+          <a:lstStyle>
+            <a:lvl1pPr algn="ctr" defTabSz="457200" rtl="0" eaLnBrk="1" latinLnBrk="0" hangingPunct="1">
+              <a:spcBef>
+                <a:spcPct val="0"/>
+              </a:spcBef>
+              <a:buNone/>
+              <a:defRPr sz="2800" kern="1200">
+                <a:solidFill>
+                  <a:schemeClr val="tx1"/>
+                </a:solidFill>
+                <a:latin typeface="+mj-lt"/>
+                <a:ea typeface="+mj-ea"/>
+                <a:cs typeface="+mj-cs"/>
+              </a:defRPr>
+            </a:lvl1pPr>
+          </a:lstStyle>
+          <a:p>
+            <a:r>
+              <a:rPr lang="en-US" dirty="0"/>
+              <a:t>Create a directory for software installation</a:t>
+            </a:r>
+          </a:p>
+        </p:txBody>
+      </p:sp>
+      <p:sp>
+        <p:nvSpPr>
+          <p:cNvPr id="5" name="TextBox 4">
+            <a:extLst>
+              <a:ext uri="{FF2B5EF4-FFF2-40B4-BE49-F238E27FC236}">
+                <a16:creationId xmlns:a16="http://schemas.microsoft.com/office/drawing/2014/main" id="{2C73A123-437D-09B2-8538-B078AA47F1A3}"/>
+              </a:ext>
+            </a:extLst>
+          </p:cNvPr>
+          <p:cNvSpPr txBox="1"/>
+          <p:nvPr/>
+        </p:nvSpPr>
+        <p:spPr>
+          <a:xfrm>
+            <a:off x="2351314" y="4376059"/>
+            <a:ext cx="4695516" cy="1384995"/>
+          </a:xfrm>
+          <a:prstGeom prst="rect">
+            <a:avLst/>
+          </a:prstGeom>
+          <a:noFill/>
+        </p:spPr>
+        <p:txBody>
+          <a:bodyPr wrap="none" rtlCol="0">
+            <a:spAutoFit/>
           </a:bodyPr>
           <a:lstStyle/>
           <a:p>
-            <a:pPr>
-              <a:lnSpc>
-                <a:spcPct val="150000"/>
-              </a:lnSpc>
-            </a:pPr>
-            <a:r>
-              <a:rPr lang="en-US" dirty="0" err="1"/>
-              <a:t>E.coli</a:t>
-            </a:r>
-            <a:r>
-              <a:rPr lang="en-US" dirty="0"/>
-              <a:t> whole genome shotgun data (from </a:t>
-            </a:r>
-            <a:r>
-              <a:rPr lang="en-US" dirty="0" err="1"/>
-              <a:t>Genbank</a:t>
-            </a:r>
-            <a:r>
-              <a:rPr lang="en-US" dirty="0"/>
-              <a:t>)</a:t>
-            </a:r>
-          </a:p>
-          <a:p>
-            <a:pPr marL="0" indent="0">
-              <a:lnSpc>
-                <a:spcPct val="150000"/>
-              </a:lnSpc>
-              <a:buNone/>
-            </a:pPr>
-            <a:r>
-              <a:rPr lang="en-US" dirty="0"/>
-              <a:t>Path: /homes/liu3zhen/teaching/datasets/</a:t>
-            </a:r>
-            <a:r>
-              <a:rPr lang="en-US" dirty="0" err="1"/>
-              <a:t>EcoliWGS</a:t>
-            </a:r>
-            <a:endParaRPr lang="en-US" dirty="0"/>
-          </a:p>
-          <a:p>
-            <a:pPr marL="0" indent="0">
-              <a:lnSpc>
-                <a:spcPct val="150000"/>
-              </a:lnSpc>
-              <a:buNone/>
-            </a:pPr>
-            <a:r>
-              <a:rPr lang="en-US" dirty="0"/>
-              <a:t>- Strain DH10B:</a:t>
-            </a:r>
-          </a:p>
-          <a:p>
-            <a:pPr marL="457200" indent="-457200">
-              <a:buFont typeface="+mj-lt"/>
-              <a:buAutoNum type="arabicPeriod"/>
-            </a:pPr>
-            <a:r>
-              <a:rPr lang="en-US" dirty="0"/>
-              <a:t>DH10B.pair1.fq</a:t>
-            </a:r>
-          </a:p>
-          <a:p>
-            <a:pPr marL="457200" indent="-457200">
-              <a:buFont typeface="+mj-lt"/>
-              <a:buAutoNum type="arabicPeriod"/>
-            </a:pPr>
-            <a:r>
-              <a:rPr lang="en-US" dirty="0"/>
-              <a:t>DH10B.pair2.fq</a:t>
-            </a:r>
-          </a:p>
-          <a:p>
-            <a:pPr marL="457200" indent="-457200">
-              <a:buFont typeface="+mj-lt"/>
-              <a:buAutoNum type="arabicPeriod"/>
-            </a:pPr>
-            <a:endParaRPr lang="en-US" dirty="0"/>
-          </a:p>
-          <a:p>
-            <a:pPr marL="0" indent="0">
-              <a:buNone/>
-            </a:pPr>
-            <a:r>
-              <a:rPr lang="en-US" dirty="0"/>
-              <a:t>- Strain MG1655:</a:t>
-            </a:r>
-          </a:p>
-          <a:p>
-            <a:pPr marL="457200" indent="-457200">
-              <a:buFont typeface="+mj-lt"/>
-              <a:buAutoNum type="arabicPeriod"/>
-            </a:pPr>
-            <a:r>
-              <a:rPr lang="fr-FR" dirty="0"/>
-              <a:t>MG1655.pair1.fq</a:t>
-            </a:r>
-          </a:p>
-          <a:p>
-            <a:pPr marL="457200" indent="-457200">
-              <a:buFont typeface="+mj-lt"/>
-              <a:buAutoNum type="arabicPeriod"/>
-            </a:pPr>
-            <a:r>
-              <a:rPr lang="fr-FR" dirty="0"/>
-              <a:t>MG1655.pair2.fq</a:t>
-            </a:r>
-            <a:endParaRPr lang="en-US" dirty="0"/>
+            <a:r>
+              <a:rPr lang="en-US" sz="2800" dirty="0"/>
+              <a:t>Example:</a:t>
+            </a:r>
+          </a:p>
+          <a:p>
+            <a:r>
+              <a:rPr lang="en-US" sz="2800" dirty="0">
+                <a:latin typeface="Courier New" panose="02070309020205020404" pitchFamily="49" charset="0"/>
+                <a:cs typeface="Courier New" panose="02070309020205020404" pitchFamily="49" charset="0"/>
+              </a:rPr>
+              <a:t>~/BA23/labs/lab04_NGS</a:t>
+            </a:r>
+          </a:p>
+          <a:p>
+            <a:r>
+              <a:rPr lang="en-US" sz="2800" dirty="0">
+                <a:latin typeface="Courier New" panose="02070309020205020404" pitchFamily="49" charset="0"/>
+                <a:cs typeface="Courier New" panose="02070309020205020404" pitchFamily="49" charset="0"/>
+              </a:rPr>
+              <a:t>~/BA23/software</a:t>
+            </a:r>
           </a:p>
         </p:txBody>
       </p:sp>
     </p:spTree>
     <p:extLst>
       <p:ext uri="{BB962C8B-B14F-4D97-AF65-F5344CB8AC3E}">
-        <p14:creationId xmlns:p14="http://schemas.microsoft.com/office/powerpoint/2010/main" val="2000764796"/>
+        <p14:creationId xmlns:p14="http://schemas.microsoft.com/office/powerpoint/2010/main" val="2892965716"/>
       </p:ext>
     </p:extLst>
   </p:cSld>
@@ -7506,310 +8193,177 @@
         </p:nvSpPr>
         <p:spPr/>
         <p:txBody>
-          <a:bodyPr/>
-          <a:lstStyle/>
-          <a:p>
-            <a:r>
-              <a:rPr lang="en-US" dirty="0"/>
-              <a:t>Data QC - FASTQC</a:t>
-            </a:r>
-          </a:p>
-        </p:txBody>
-      </p:sp>
-      <p:sp>
-        <p:nvSpPr>
-          <p:cNvPr id="3" name="Content Placeholder 2"/>
-          <p:cNvSpPr>
-            <a:spLocks noGrp="1"/>
-          </p:cNvSpPr>
-          <p:nvPr>
-            <p:ph idx="1"/>
-          </p:nvPr>
-        </p:nvSpPr>
-        <p:spPr>
-          <a:xfrm>
-            <a:off x="398299" y="1279673"/>
-            <a:ext cx="8514611" cy="2688029"/>
-          </a:xfrm>
-        </p:spPr>
-        <p:txBody>
           <a:bodyPr>
             <a:normAutofit/>
           </a:bodyPr>
           <a:lstStyle/>
           <a:p>
-            <a:pPr marL="0" indent="0">
-              <a:buNone/>
-            </a:pPr>
-            <a:r>
-              <a:rPr lang="en-US" dirty="0"/>
-              <a:t># QC the FASTQ data and output the result to the current directory</a:t>
-            </a:r>
-          </a:p>
-          <a:p>
-            <a:pPr marL="0" indent="0">
-              <a:buNone/>
-            </a:pPr>
-            <a:r>
-              <a:rPr lang="en-US" dirty="0"/>
-              <a:t># </a:t>
-            </a:r>
-            <a:r>
-              <a:rPr lang="en-US" dirty="0" err="1"/>
-              <a:t>fastqc</a:t>
-            </a:r>
-            <a:r>
-              <a:rPr lang="en-US" dirty="0"/>
-              <a:t> &lt;</a:t>
-            </a:r>
-            <a:r>
-              <a:rPr lang="en-US" dirty="0" err="1"/>
-              <a:t>fastq</a:t>
-            </a:r>
-            <a:r>
-              <a:rPr lang="en-US" dirty="0"/>
-              <a:t>&gt; -o .</a:t>
-            </a:r>
-          </a:p>
-          <a:p>
-            <a:pPr marL="0" indent="0">
-              <a:buNone/>
-            </a:pPr>
-            <a:endParaRPr lang="en-US" sz="2000" dirty="0">
-              <a:latin typeface="Courier"/>
-              <a:cs typeface="Courier"/>
-            </a:endParaRPr>
-          </a:p>
-          <a:p>
-            <a:pPr marL="0" indent="0">
-              <a:buNone/>
-            </a:pPr>
-            <a:r>
-              <a:rPr lang="en-US" sz="1700" dirty="0" err="1">
-                <a:latin typeface="Courier"/>
-                <a:cs typeface="Courier"/>
-              </a:rPr>
-              <a:t>cp</a:t>
-            </a:r>
-            <a:r>
-              <a:rPr lang="en-US" sz="1700" dirty="0">
-                <a:latin typeface="Courier"/>
-                <a:cs typeface="Courier"/>
-              </a:rPr>
-              <a:t> </a:t>
-            </a:r>
-            <a:r>
-              <a:rPr lang="en-US" sz="1700" dirty="0"/>
-              <a:t>/homes/liu3zhen/teaching/datasets/</a:t>
-            </a:r>
-            <a:r>
-              <a:rPr lang="en-US" sz="1700" dirty="0" err="1"/>
-              <a:t>EcoliWGS</a:t>
-            </a:r>
-            <a:r>
-              <a:rPr lang="en-US" sz="1700" dirty="0"/>
-              <a:t>/</a:t>
-            </a:r>
-            <a:r>
-              <a:rPr lang="en-US" sz="1700" dirty="0">
-                <a:latin typeface="Courier"/>
-                <a:cs typeface="Courier"/>
-              </a:rPr>
-              <a:t>DH10B.pair*.</a:t>
-            </a:r>
-            <a:r>
-              <a:rPr lang="en-US" sz="1700" dirty="0" err="1">
-                <a:latin typeface="Courier"/>
-                <a:cs typeface="Courier"/>
-              </a:rPr>
-              <a:t>fq</a:t>
-            </a:r>
-            <a:r>
-              <a:rPr lang="en-US" sz="1700" dirty="0">
-                <a:latin typeface="Courier"/>
-                <a:cs typeface="Courier"/>
-              </a:rPr>
-              <a:t> .</a:t>
-            </a:r>
-          </a:p>
-          <a:p>
-            <a:pPr marL="0" indent="0">
-              <a:buNone/>
-            </a:pPr>
-            <a:endParaRPr lang="en-US" sz="2000" dirty="0">
-              <a:latin typeface="Courier"/>
-              <a:cs typeface="Courier"/>
-            </a:endParaRPr>
-          </a:p>
-          <a:p>
-            <a:pPr marL="0" indent="0">
-              <a:buNone/>
-            </a:pPr>
-            <a:r>
-              <a:rPr lang="en-US" sz="2000" dirty="0">
-                <a:latin typeface="Courier"/>
-                <a:cs typeface="Courier"/>
-              </a:rPr>
-              <a:t>module load Java</a:t>
-            </a:r>
-          </a:p>
-          <a:p>
-            <a:pPr marL="0" indent="0">
-              <a:buNone/>
-            </a:pPr>
-            <a:r>
-              <a:rPr lang="en-US" sz="1600" dirty="0">
-                <a:highlight>
-                  <a:srgbClr val="FFFF00"/>
-                </a:highlight>
-                <a:latin typeface="Courier"/>
-                <a:cs typeface="Courier"/>
-              </a:rPr>
-              <a:t>/homes/liu3zhen</a:t>
-            </a:r>
-            <a:r>
-              <a:rPr lang="en-US" sz="1600" dirty="0">
-                <a:highlight>
-                  <a:srgbClr val="FFFF00"/>
-                </a:highlight>
-              </a:rPr>
-              <a:t>/software/</a:t>
-            </a:r>
-            <a:r>
-              <a:rPr lang="en-US" sz="1600" dirty="0" err="1">
-                <a:highlight>
-                  <a:srgbClr val="FFFF00"/>
-                </a:highlight>
-              </a:rPr>
-              <a:t>fastqc</a:t>
-            </a:r>
-            <a:r>
-              <a:rPr lang="en-US" sz="1600" dirty="0">
-                <a:highlight>
-                  <a:srgbClr val="FFFF00"/>
-                </a:highlight>
-              </a:rPr>
-              <a:t>/</a:t>
-            </a:r>
-            <a:r>
-              <a:rPr lang="en-US" sz="1600" dirty="0" err="1">
-                <a:highlight>
-                  <a:srgbClr val="FFFF00"/>
-                </a:highlight>
-              </a:rPr>
-              <a:t>FastQC</a:t>
-            </a:r>
-            <a:r>
-              <a:rPr lang="en-US" sz="1600" dirty="0">
-                <a:highlight>
-                  <a:srgbClr val="FFFF00"/>
-                </a:highlight>
-              </a:rPr>
-              <a:t>/</a:t>
-            </a:r>
-            <a:r>
-              <a:rPr lang="en-US" sz="1600" dirty="0" err="1">
-                <a:highlight>
-                  <a:srgbClr val="FFFF00"/>
-                </a:highlight>
-              </a:rPr>
-              <a:t>fastqc</a:t>
-            </a:r>
-            <a:r>
-              <a:rPr lang="en-US" sz="1600" dirty="0">
-                <a:highlight>
-                  <a:srgbClr val="FFFF00"/>
-                </a:highlight>
-              </a:rPr>
-              <a:t>  </a:t>
-            </a:r>
-            <a:r>
-              <a:rPr lang="en-US" sz="1600" dirty="0">
-                <a:latin typeface="Courier"/>
-                <a:cs typeface="Courier"/>
-              </a:rPr>
-              <a:t>DH10B.pair1.fq -o .</a:t>
-            </a:r>
-          </a:p>
-        </p:txBody>
-      </p:sp>
-      <p:sp>
-        <p:nvSpPr>
-          <p:cNvPr id="4" name="TextBox 3"/>
-          <p:cNvSpPr txBox="1"/>
-          <p:nvPr/>
+            <a:r>
+              <a:rPr lang="en-US" sz="3600" dirty="0"/>
+              <a:t>Data</a:t>
+            </a:r>
+          </a:p>
+        </p:txBody>
+      </p:sp>
+      <p:sp>
+        <p:nvSpPr>
+          <p:cNvPr id="3" name="Content Placeholder 2"/>
+          <p:cNvSpPr>
+            <a:spLocks noGrp="1"/>
+          </p:cNvSpPr>
+          <p:nvPr>
+            <p:ph idx="1"/>
+          </p:nvPr>
         </p:nvSpPr>
         <p:spPr>
           <a:xfrm>
-            <a:off x="2109783" y="4127722"/>
-            <a:ext cx="3334867" cy="1200328"/>
+            <a:off x="457200" y="1341150"/>
+            <a:ext cx="8425650" cy="4618086"/>
           </a:xfrm>
-          <a:prstGeom prst="rect">
-            <a:avLst/>
-          </a:prstGeom>
-          <a:noFill/>
         </p:spPr>
         <p:txBody>
-          <a:bodyPr wrap="none" rtlCol="0">
-            <a:spAutoFit/>
+          <a:bodyPr>
+            <a:normAutofit fontScale="92500" lnSpcReduction="10000"/>
           </a:bodyPr>
           <a:lstStyle/>
           <a:p>
-            <a:r>
-              <a:rPr lang="en-US" sz="2400" dirty="0"/>
-              <a:t>Output:</a:t>
-            </a:r>
-          </a:p>
-          <a:p>
-            <a:r>
-              <a:rPr lang="en-US" sz="2400" dirty="0"/>
-              <a:t>DH10B.pair1_fastqc.html</a:t>
-            </a:r>
-          </a:p>
-          <a:p>
-            <a:r>
-              <a:rPr lang="en-US" sz="2400" dirty="0"/>
-              <a:t>DH10B.pair1_fastqc.zip</a:t>
-            </a:r>
-          </a:p>
-        </p:txBody>
-      </p:sp>
-      <p:sp>
-        <p:nvSpPr>
-          <p:cNvPr id="5" name="TextBox 4"/>
-          <p:cNvSpPr txBox="1"/>
-          <p:nvPr/>
-        </p:nvSpPr>
-        <p:spPr>
-          <a:xfrm>
-            <a:off x="302739" y="5686455"/>
-            <a:ext cx="4648153" cy="400110"/>
-          </a:xfrm>
-          <a:prstGeom prst="rect">
-            <a:avLst/>
-          </a:prstGeom>
-          <a:noFill/>
-        </p:spPr>
-        <p:txBody>
-          <a:bodyPr wrap="none" rtlCol="0">
-            <a:spAutoFit/>
-          </a:bodyPr>
-          <a:lstStyle/>
-          <a:p>
-            <a:r>
-              <a:rPr lang="en-US" sz="2000" dirty="0">
-                <a:latin typeface="Courier"/>
-                <a:cs typeface="Courier"/>
-              </a:rPr>
-              <a:t>unzip DH10B.pair1_fastqc.zip</a:t>
-            </a:r>
+            <a:pPr>
+              <a:lnSpc>
+                <a:spcPct val="150000"/>
+              </a:lnSpc>
+            </a:pPr>
+            <a:r>
+              <a:rPr lang="en-US" dirty="0" err="1"/>
+              <a:t>E.coli</a:t>
+            </a:r>
+            <a:r>
+              <a:rPr lang="en-US" dirty="0"/>
+              <a:t> whole genome shotgun data (from </a:t>
+            </a:r>
+            <a:r>
+              <a:rPr lang="en-US" dirty="0" err="1"/>
+              <a:t>Genbank</a:t>
+            </a:r>
+            <a:r>
+              <a:rPr lang="en-US" dirty="0"/>
+              <a:t>)</a:t>
+            </a:r>
+          </a:p>
+          <a:p>
+            <a:pPr marL="0" indent="0">
+              <a:lnSpc>
+                <a:spcPct val="150000"/>
+              </a:lnSpc>
+              <a:buNone/>
+            </a:pPr>
+            <a:r>
+              <a:rPr lang="en-US" dirty="0"/>
+              <a:t>Path:</a:t>
+            </a:r>
+          </a:p>
+          <a:p>
+            <a:pPr marL="0" indent="0">
+              <a:lnSpc>
+                <a:spcPct val="150000"/>
+              </a:lnSpc>
+              <a:buNone/>
+            </a:pPr>
+            <a:r>
+              <a:rPr lang="en-US" dirty="0"/>
+              <a:t>https://</a:t>
+            </a:r>
+            <a:r>
+              <a:rPr lang="en-US" dirty="0" err="1"/>
+              <a:t>people.beocat.ksu.edu</a:t>
+            </a:r>
+            <a:r>
+              <a:rPr lang="en-US" dirty="0"/>
+              <a:t>/~liu3zhen/PLPTH813/data/</a:t>
+            </a:r>
+            <a:r>
+              <a:rPr lang="en-US" dirty="0" err="1"/>
+              <a:t>EcoliWGS</a:t>
+            </a:r>
+            <a:r>
+              <a:rPr lang="en-US" dirty="0"/>
+              <a:t>/</a:t>
+            </a:r>
+          </a:p>
+          <a:p>
+            <a:pPr marL="0" indent="0">
+              <a:lnSpc>
+                <a:spcPct val="150000"/>
+              </a:lnSpc>
+              <a:buNone/>
+            </a:pPr>
+            <a:r>
+              <a:rPr lang="en-US" dirty="0"/>
+              <a:t>- Strain DH10B:</a:t>
+            </a:r>
+          </a:p>
+          <a:p>
+            <a:pPr marL="457200" indent="-457200">
+              <a:buFont typeface="+mj-lt"/>
+              <a:buAutoNum type="arabicPeriod"/>
+            </a:pPr>
+            <a:r>
+              <a:rPr lang="en-US" dirty="0"/>
+              <a:t>DH10B.pair1.fq</a:t>
+            </a:r>
+          </a:p>
+          <a:p>
+            <a:pPr marL="457200" indent="-457200">
+              <a:buFont typeface="+mj-lt"/>
+              <a:buAutoNum type="arabicPeriod"/>
+            </a:pPr>
+            <a:r>
+              <a:rPr lang="en-US" dirty="0"/>
+              <a:t>DH10B.pair2.fq</a:t>
+            </a:r>
+          </a:p>
+          <a:p>
+            <a:pPr marL="457200" indent="-457200">
+              <a:buFont typeface="+mj-lt"/>
+              <a:buAutoNum type="arabicPeriod"/>
+            </a:pPr>
+            <a:endParaRPr lang="en-US" dirty="0"/>
+          </a:p>
+          <a:p>
+            <a:pPr marL="0" indent="0">
+              <a:buNone/>
+            </a:pPr>
+            <a:r>
+              <a:rPr lang="en-US" dirty="0"/>
+              <a:t>- Strain MG1655:</a:t>
+            </a:r>
+          </a:p>
+          <a:p>
+            <a:pPr marL="457200" indent="-457200">
+              <a:buFont typeface="+mj-lt"/>
+              <a:buAutoNum type="arabicPeriod"/>
+            </a:pPr>
+            <a:r>
+              <a:rPr lang="fr-FR" dirty="0"/>
+              <a:t>MG1655.pair1.fq</a:t>
+            </a:r>
+          </a:p>
+          <a:p>
+            <a:pPr marL="457200" indent="-457200">
+              <a:buFont typeface="+mj-lt"/>
+              <a:buAutoNum type="arabicPeriod"/>
+            </a:pPr>
+            <a:r>
+              <a:rPr lang="fr-FR" dirty="0"/>
+              <a:t>MG1655.pair2.fq</a:t>
+            </a:r>
+            <a:endParaRPr lang="en-US" dirty="0"/>
           </a:p>
         </p:txBody>
       </p:sp>
     </p:spTree>
     <p:extLst>
       <p:ext uri="{BB962C8B-B14F-4D97-AF65-F5344CB8AC3E}">
-        <p14:creationId xmlns:p14="http://schemas.microsoft.com/office/powerpoint/2010/main" val="3270708654"/>
+        <p14:creationId xmlns:p14="http://schemas.microsoft.com/office/powerpoint/2010/main" val="2000764796"/>
       </p:ext>
     </p:extLst>
   </p:cSld>
@@ -7838,7 +8392,13 @@
       </p:grpSpPr>
       <p:sp>
         <p:nvSpPr>
-          <p:cNvPr id="2" name="Title 1"/>
+          <p:cNvPr id="2" name="Title 1">
+            <a:extLst>
+              <a:ext uri="{FF2B5EF4-FFF2-40B4-BE49-F238E27FC236}">
+                <a16:creationId xmlns:a16="http://schemas.microsoft.com/office/drawing/2014/main" id="{E442358B-0CD7-B21D-150E-506FB933E7C9}"/>
+              </a:ext>
+            </a:extLst>
+          </p:cNvPr>
           <p:cNvSpPr>
             <a:spLocks noGrp="1"/>
           </p:cNvSpPr>
@@ -7848,24 +8408,32 @@
         </p:nvSpPr>
         <p:spPr/>
         <p:txBody>
-          <a:bodyPr/>
+          <a:bodyPr>
+            <a:normAutofit/>
+          </a:bodyPr>
           <a:lstStyle/>
           <a:p>
             <a:r>
-              <a:rPr lang="en-US" dirty="0"/>
-              <a:t>Data transferring between your computer and </a:t>
-            </a:r>
-            <a:r>
-              <a:rPr lang="en-US" dirty="0" err="1"/>
-              <a:t>Beocat</a:t>
-            </a:r>
-            <a:endParaRPr lang="en-US" dirty="0"/>
-          </a:p>
-        </p:txBody>
-      </p:sp>
-      <p:sp>
-        <p:nvSpPr>
-          <p:cNvPr id="3" name="Content Placeholder 2"/>
+              <a:rPr lang="en-US" sz="3600" dirty="0"/>
+              <a:t>Install </a:t>
+            </a:r>
+            <a:r>
+              <a:rPr lang="en-US" sz="3600" dirty="0" err="1"/>
+              <a:t>fastqc</a:t>
+            </a:r>
+            <a:endParaRPr lang="en-US" sz="3600" dirty="0"/>
+          </a:p>
+        </p:txBody>
+      </p:sp>
+      <p:sp>
+        <p:nvSpPr>
+          <p:cNvPr id="3" name="Content Placeholder 2">
+            <a:extLst>
+              <a:ext uri="{FF2B5EF4-FFF2-40B4-BE49-F238E27FC236}">
+                <a16:creationId xmlns:a16="http://schemas.microsoft.com/office/drawing/2014/main" id="{C0C2C57C-9EAD-6401-FF12-A9E5BC2F47FC}"/>
+              </a:ext>
+            </a:extLst>
+          </p:cNvPr>
           <p:cNvSpPr>
             <a:spLocks noGrp="1"/>
           </p:cNvSpPr>
@@ -7875,79 +8443,178 @@
         </p:nvSpPr>
         <p:spPr>
           <a:xfrm>
-            <a:off x="3090238" y="2130502"/>
-            <a:ext cx="2710073" cy="998737"/>
+            <a:off x="359228" y="1791895"/>
+            <a:ext cx="8577943" cy="3274210"/>
           </a:xfrm>
         </p:spPr>
         <p:txBody>
           <a:bodyPr>
-            <a:noAutofit/>
+            <a:normAutofit/>
           </a:bodyPr>
           <a:lstStyle/>
           <a:p>
-            <a:pPr marL="0" indent="0" algn="ctr">
-              <a:buNone/>
-            </a:pPr>
-            <a:r>
-              <a:rPr lang="en-US" sz="4000" dirty="0" err="1"/>
-              <a:t>Cyberduck</a:t>
-            </a:r>
-            <a:endParaRPr lang="en-US" sz="4000" dirty="0"/>
-          </a:p>
-        </p:txBody>
-      </p:sp>
-      <p:sp>
-        <p:nvSpPr>
-          <p:cNvPr id="4" name="TextBox 3"/>
-          <p:cNvSpPr txBox="1"/>
-          <p:nvPr/>
-        </p:nvSpPr>
-        <p:spPr>
-          <a:xfrm>
-            <a:off x="2076824" y="3690470"/>
-            <a:ext cx="5147563" cy="830997"/>
-          </a:xfrm>
-          <a:prstGeom prst="rect">
-            <a:avLst/>
-          </a:prstGeom>
-          <a:noFill/>
-        </p:spPr>
-        <p:txBody>
-          <a:bodyPr wrap="none" rtlCol="0">
-            <a:spAutoFit/>
-          </a:bodyPr>
-          <a:lstStyle/>
-          <a:p>
-            <a:pPr marL="342900" indent="-342900">
-              <a:buFont typeface="+mj-lt"/>
-              <a:buAutoNum type="arabicPeriod"/>
-            </a:pPr>
-            <a:r>
-              <a:rPr lang="en-US" sz="2400" dirty="0"/>
-              <a:t>Download and Install </a:t>
-            </a:r>
-            <a:r>
-              <a:rPr lang="en-US" sz="2400" dirty="0" err="1"/>
-              <a:t>Cyberduck</a:t>
-            </a:r>
-            <a:endParaRPr lang="en-US" sz="2400" dirty="0"/>
-          </a:p>
-          <a:p>
-            <a:pPr marL="342900" indent="-342900">
-              <a:buFont typeface="+mj-lt"/>
-              <a:buAutoNum type="arabicPeriod"/>
-            </a:pPr>
-            <a:r>
-              <a:rPr lang="en-US" sz="2400" dirty="0"/>
-              <a:t>Login the server to access all the files</a:t>
-            </a:r>
+            <a:pPr marL="0" indent="0">
+              <a:lnSpc>
+                <a:spcPct val="150000"/>
+              </a:lnSpc>
+              <a:buNone/>
+            </a:pPr>
+            <a:r>
+              <a:rPr lang="en-US" sz="2800" dirty="0" err="1">
+                <a:latin typeface="Courier New" panose="02070309020205020404" pitchFamily="49" charset="0"/>
+                <a:cs typeface="Courier New" panose="02070309020205020404" pitchFamily="49" charset="0"/>
+              </a:rPr>
+              <a:t>wget</a:t>
+            </a:r>
+            <a:r>
+              <a:rPr lang="en-US" sz="2800" dirty="0">
+                <a:latin typeface="Courier New" panose="02070309020205020404" pitchFamily="49" charset="0"/>
+                <a:cs typeface="Courier New" panose="02070309020205020404" pitchFamily="49" charset="0"/>
+              </a:rPr>
+              <a:t> </a:t>
+            </a:r>
+            <a:r>
+              <a:rPr lang="en-US" sz="1200" dirty="0">
+                <a:latin typeface="Courier New" panose="02070309020205020404" pitchFamily="49" charset="0"/>
+                <a:cs typeface="Courier New" panose="02070309020205020404" pitchFamily="49" charset="0"/>
+              </a:rPr>
+              <a:t>https://</a:t>
+            </a:r>
+            <a:r>
+              <a:rPr lang="en-US" sz="1200" dirty="0" err="1">
+                <a:latin typeface="Courier New" panose="02070309020205020404" pitchFamily="49" charset="0"/>
+                <a:cs typeface="Courier New" panose="02070309020205020404" pitchFamily="49" charset="0"/>
+              </a:rPr>
+              <a:t>www.bioinformatics.babraham.ac.uk</a:t>
+            </a:r>
+            <a:r>
+              <a:rPr lang="en-US" sz="1200" dirty="0">
+                <a:latin typeface="Courier New" panose="02070309020205020404" pitchFamily="49" charset="0"/>
+                <a:cs typeface="Courier New" panose="02070309020205020404" pitchFamily="49" charset="0"/>
+              </a:rPr>
+              <a:t>/projects/</a:t>
+            </a:r>
+            <a:r>
+              <a:rPr lang="en-US" sz="1200" dirty="0" err="1">
+                <a:latin typeface="Courier New" panose="02070309020205020404" pitchFamily="49" charset="0"/>
+                <a:cs typeface="Courier New" panose="02070309020205020404" pitchFamily="49" charset="0"/>
+              </a:rPr>
+              <a:t>fastqc</a:t>
+            </a:r>
+            <a:r>
+              <a:rPr lang="en-US" sz="1200" dirty="0">
+                <a:latin typeface="Courier New" panose="02070309020205020404" pitchFamily="49" charset="0"/>
+                <a:cs typeface="Courier New" panose="02070309020205020404" pitchFamily="49" charset="0"/>
+              </a:rPr>
+              <a:t>/fastqc_v0.11.9.zip</a:t>
+            </a:r>
+          </a:p>
+          <a:p>
+            <a:pPr marL="0" indent="0">
+              <a:lnSpc>
+                <a:spcPct val="150000"/>
+              </a:lnSpc>
+              <a:buNone/>
+            </a:pPr>
+            <a:r>
+              <a:rPr lang="en-US" sz="2800" dirty="0">
+                <a:latin typeface="Courier New" panose="02070309020205020404" pitchFamily="49" charset="0"/>
+                <a:cs typeface="Courier New" panose="02070309020205020404" pitchFamily="49" charset="0"/>
+              </a:rPr>
+              <a:t>unzip fastqc_v0.11.9.zip </a:t>
+            </a:r>
+          </a:p>
+          <a:p>
+            <a:pPr marL="0" indent="0">
+              <a:lnSpc>
+                <a:spcPct val="150000"/>
+              </a:lnSpc>
+              <a:buNone/>
+            </a:pPr>
+            <a:r>
+              <a:rPr lang="en-US" sz="2800" dirty="0">
+                <a:latin typeface="Courier New" panose="02070309020205020404" pitchFamily="49" charset="0"/>
+                <a:cs typeface="Courier New" panose="02070309020205020404" pitchFamily="49" charset="0"/>
+              </a:rPr>
+              <a:t>cd </a:t>
+            </a:r>
+            <a:r>
+              <a:rPr lang="en-US" sz="2800" dirty="0" err="1">
+                <a:latin typeface="Courier New" panose="02070309020205020404" pitchFamily="49" charset="0"/>
+                <a:cs typeface="Courier New" panose="02070309020205020404" pitchFamily="49" charset="0"/>
+              </a:rPr>
+              <a:t>FastQC</a:t>
+            </a:r>
+            <a:endParaRPr lang="en-US" sz="2800" dirty="0">
+              <a:latin typeface="Courier New" panose="02070309020205020404" pitchFamily="49" charset="0"/>
+              <a:cs typeface="Courier New" panose="02070309020205020404" pitchFamily="49" charset="0"/>
+            </a:endParaRPr>
+          </a:p>
+          <a:p>
+            <a:pPr marL="0" indent="0">
+              <a:lnSpc>
+                <a:spcPct val="150000"/>
+              </a:lnSpc>
+              <a:buNone/>
+            </a:pPr>
+            <a:r>
+              <a:rPr lang="en-US" sz="2800" dirty="0" err="1">
+                <a:latin typeface="Courier New" panose="02070309020205020404" pitchFamily="49" charset="0"/>
+                <a:cs typeface="Courier New" panose="02070309020205020404" pitchFamily="49" charset="0"/>
+              </a:rPr>
+              <a:t>chmod</a:t>
+            </a:r>
+            <a:r>
+              <a:rPr lang="en-US" sz="2800" dirty="0">
+                <a:latin typeface="Courier New" panose="02070309020205020404" pitchFamily="49" charset="0"/>
+                <a:cs typeface="Courier New" panose="02070309020205020404" pitchFamily="49" charset="0"/>
+              </a:rPr>
+              <a:t> </a:t>
+            </a:r>
+            <a:r>
+              <a:rPr lang="en-US" sz="2800" dirty="0" err="1">
+                <a:latin typeface="Courier New" panose="02070309020205020404" pitchFamily="49" charset="0"/>
+                <a:cs typeface="Courier New" panose="02070309020205020404" pitchFamily="49" charset="0"/>
+              </a:rPr>
+              <a:t>a+rx</a:t>
+            </a:r>
+            <a:r>
+              <a:rPr lang="en-US" sz="2800" dirty="0">
+                <a:latin typeface="Courier New" panose="02070309020205020404" pitchFamily="49" charset="0"/>
+                <a:cs typeface="Courier New" panose="02070309020205020404" pitchFamily="49" charset="0"/>
+              </a:rPr>
+              <a:t> </a:t>
+            </a:r>
+            <a:r>
+              <a:rPr lang="en-US" sz="2800" dirty="0" err="1">
+                <a:latin typeface="Courier New" panose="02070309020205020404" pitchFamily="49" charset="0"/>
+                <a:cs typeface="Courier New" panose="02070309020205020404" pitchFamily="49" charset="0"/>
+              </a:rPr>
+              <a:t>fastqc</a:t>
+            </a:r>
+            <a:endParaRPr lang="en-US" sz="2800" dirty="0">
+              <a:latin typeface="Courier New" panose="02070309020205020404" pitchFamily="49" charset="0"/>
+              <a:cs typeface="Courier New" panose="02070309020205020404" pitchFamily="49" charset="0"/>
+            </a:endParaRPr>
+          </a:p>
+          <a:p>
+            <a:pPr marL="0" indent="0">
+              <a:lnSpc>
+                <a:spcPct val="150000"/>
+              </a:lnSpc>
+              <a:buNone/>
+            </a:pPr>
+            <a:endParaRPr lang="en-US" sz="2800" dirty="0">
+              <a:latin typeface="Courier New" panose="02070309020205020404" pitchFamily="49" charset="0"/>
+              <a:cs typeface="Courier New" panose="02070309020205020404" pitchFamily="49" charset="0"/>
+            </a:endParaRPr>
           </a:p>
         </p:txBody>
       </p:sp>
     </p:spTree>
     <p:extLst>
       <p:ext uri="{BB962C8B-B14F-4D97-AF65-F5344CB8AC3E}">
-        <p14:creationId xmlns:p14="http://schemas.microsoft.com/office/powerpoint/2010/main" val="2067701632"/>
+        <p14:creationId xmlns:p14="http://schemas.microsoft.com/office/powerpoint/2010/main" val="4127750795"/>
       </p:ext>
     </p:extLst>
   </p:cSld>
@@ -7976,6 +8643,420 @@
       </p:grpSpPr>
       <p:sp>
         <p:nvSpPr>
+          <p:cNvPr id="2" name="Title 1"/>
+          <p:cNvSpPr>
+            <a:spLocks noGrp="1"/>
+          </p:cNvSpPr>
+          <p:nvPr>
+            <p:ph type="title"/>
+          </p:nvPr>
+        </p:nvSpPr>
+        <p:spPr/>
+        <p:txBody>
+          <a:bodyPr>
+            <a:normAutofit/>
+          </a:bodyPr>
+          <a:lstStyle/>
+          <a:p>
+            <a:r>
+              <a:rPr lang="en-US" sz="3600" dirty="0"/>
+              <a:t>Data QC - FASTQC</a:t>
+            </a:r>
+          </a:p>
+        </p:txBody>
+      </p:sp>
+      <p:sp>
+        <p:nvSpPr>
+          <p:cNvPr id="3" name="Content Placeholder 2"/>
+          <p:cNvSpPr>
+            <a:spLocks noGrp="1"/>
+          </p:cNvSpPr>
+          <p:nvPr>
+            <p:ph idx="1"/>
+          </p:nvPr>
+        </p:nvSpPr>
+        <p:spPr>
+          <a:xfrm>
+            <a:off x="199149" y="1355873"/>
+            <a:ext cx="8944851" cy="3186918"/>
+          </a:xfrm>
+        </p:spPr>
+        <p:txBody>
+          <a:bodyPr>
+            <a:normAutofit/>
+          </a:bodyPr>
+          <a:lstStyle/>
+          <a:p>
+            <a:pPr marL="0" indent="0">
+              <a:buNone/>
+            </a:pPr>
+            <a:r>
+              <a:rPr lang="en-US" dirty="0"/>
+              <a:t># QC the FASTQ data and output the result to the current directory</a:t>
+            </a:r>
+          </a:p>
+          <a:p>
+            <a:pPr marL="0" indent="0">
+              <a:buNone/>
+            </a:pPr>
+            <a:r>
+              <a:rPr lang="en-US" dirty="0"/>
+              <a:t># </a:t>
+            </a:r>
+            <a:r>
+              <a:rPr lang="en-US" dirty="0" err="1"/>
+              <a:t>fastqc</a:t>
+            </a:r>
+            <a:r>
+              <a:rPr lang="en-US" dirty="0"/>
+              <a:t> &lt;</a:t>
+            </a:r>
+            <a:r>
+              <a:rPr lang="en-US" dirty="0" err="1"/>
+              <a:t>fastq</a:t>
+            </a:r>
+            <a:r>
+              <a:rPr lang="en-US" dirty="0"/>
+              <a:t>&gt; -o .</a:t>
+            </a:r>
+          </a:p>
+          <a:p>
+            <a:pPr marL="0" indent="0">
+              <a:buNone/>
+            </a:pPr>
+            <a:endParaRPr lang="en-US" sz="2000" dirty="0">
+              <a:latin typeface="Courier"/>
+              <a:cs typeface="Courier"/>
+            </a:endParaRPr>
+          </a:p>
+          <a:p>
+            <a:pPr marL="0" indent="0">
+              <a:buNone/>
+            </a:pPr>
+            <a:r>
+              <a:rPr lang="en-US" sz="1400" dirty="0" err="1">
+                <a:latin typeface="Courier"/>
+                <a:cs typeface="Courier"/>
+              </a:rPr>
+              <a:t>wget</a:t>
+            </a:r>
+            <a:r>
+              <a:rPr lang="en-US" sz="1400" dirty="0">
+                <a:latin typeface="Courier"/>
+                <a:cs typeface="Courier"/>
+              </a:rPr>
+              <a:t> https://</a:t>
+            </a:r>
+            <a:r>
+              <a:rPr lang="en-US" sz="1400" dirty="0" err="1">
+                <a:latin typeface="Courier"/>
+                <a:cs typeface="Courier"/>
+              </a:rPr>
+              <a:t>people.beocat.ksu.edu</a:t>
+            </a:r>
+            <a:r>
+              <a:rPr lang="en-US" sz="1400" dirty="0">
+                <a:latin typeface="Courier"/>
+                <a:cs typeface="Courier"/>
+              </a:rPr>
+              <a:t>/~liu3zhen/PLPTH813/data/</a:t>
+            </a:r>
+            <a:r>
+              <a:rPr lang="en-US" sz="1400" dirty="0" err="1">
+                <a:latin typeface="Courier"/>
+                <a:cs typeface="Courier"/>
+              </a:rPr>
+              <a:t>EcoliWGS</a:t>
+            </a:r>
+            <a:r>
+              <a:rPr lang="en-US" altLang="zh-CN" sz="1400" dirty="0">
+                <a:latin typeface="Courier"/>
+                <a:cs typeface="Courier"/>
+              </a:rPr>
+              <a:t>/</a:t>
+            </a:r>
+            <a:r>
+              <a:rPr lang="en-US" sz="1400" dirty="0">
+                <a:latin typeface="Courier"/>
+                <a:cs typeface="Courier"/>
+              </a:rPr>
+              <a:t>DH10B.pair1.fq</a:t>
+            </a:r>
+          </a:p>
+          <a:p>
+            <a:pPr marL="0" indent="0">
+              <a:buNone/>
+            </a:pPr>
+            <a:r>
+              <a:rPr lang="en-US" sz="1400" dirty="0" err="1">
+                <a:latin typeface="Courier"/>
+                <a:cs typeface="Courier"/>
+              </a:rPr>
+              <a:t>wget</a:t>
+            </a:r>
+            <a:r>
+              <a:rPr lang="en-US" sz="1400" dirty="0">
+                <a:latin typeface="Courier"/>
+                <a:cs typeface="Courier"/>
+              </a:rPr>
+              <a:t> https://</a:t>
+            </a:r>
+            <a:r>
+              <a:rPr lang="en-US" sz="1400" dirty="0" err="1">
+                <a:latin typeface="Courier"/>
+                <a:cs typeface="Courier"/>
+              </a:rPr>
+              <a:t>people.beocat.ksu.edu</a:t>
+            </a:r>
+            <a:r>
+              <a:rPr lang="en-US" sz="1400" dirty="0">
+                <a:latin typeface="Courier"/>
+                <a:cs typeface="Courier"/>
+              </a:rPr>
+              <a:t>/~liu3zhen/PLPTH813/data/</a:t>
+            </a:r>
+            <a:r>
+              <a:rPr lang="en-US" sz="1400" dirty="0" err="1">
+                <a:latin typeface="Courier"/>
+                <a:cs typeface="Courier"/>
+              </a:rPr>
+              <a:t>EcoliWGS</a:t>
+            </a:r>
+            <a:r>
+              <a:rPr lang="en-US" altLang="zh-CN" sz="1400" dirty="0">
+                <a:latin typeface="Courier"/>
+                <a:cs typeface="Courier"/>
+              </a:rPr>
+              <a:t>/</a:t>
+            </a:r>
+            <a:r>
+              <a:rPr lang="en-US" sz="1400" dirty="0">
+                <a:latin typeface="Courier"/>
+                <a:cs typeface="Courier"/>
+              </a:rPr>
+              <a:t>DH10B.pair</a:t>
+            </a:r>
+            <a:r>
+              <a:rPr lang="en-US" altLang="zh-CN" sz="1400" dirty="0">
+                <a:latin typeface="Courier"/>
+                <a:cs typeface="Courier"/>
+              </a:rPr>
+              <a:t>2</a:t>
+            </a:r>
+            <a:r>
+              <a:rPr lang="en-US" sz="1400" dirty="0">
+                <a:latin typeface="Courier"/>
+                <a:cs typeface="Courier"/>
+              </a:rPr>
+              <a:t>.fq</a:t>
+            </a:r>
+          </a:p>
+          <a:p>
+            <a:pPr marL="0" indent="0">
+              <a:buNone/>
+            </a:pPr>
+            <a:endParaRPr lang="en-US" sz="1400" dirty="0">
+              <a:latin typeface="Courier"/>
+              <a:cs typeface="Courier"/>
+            </a:endParaRPr>
+          </a:p>
+          <a:p>
+            <a:pPr marL="0" indent="0">
+              <a:buNone/>
+            </a:pPr>
+            <a:r>
+              <a:rPr lang="en-US" sz="2000" dirty="0">
+                <a:latin typeface="Courier"/>
+                <a:cs typeface="Courier"/>
+              </a:rPr>
+              <a:t>module load Java</a:t>
+            </a:r>
+          </a:p>
+          <a:p>
+            <a:pPr marL="0" indent="0">
+              <a:buNone/>
+            </a:pPr>
+            <a:r>
+              <a:rPr lang="en-US" dirty="0">
+                <a:highlight>
+                  <a:srgbClr val="FFFF00"/>
+                </a:highlight>
+                <a:latin typeface="Courier"/>
+                <a:cs typeface="Courier"/>
+              </a:rPr>
+              <a:t>&lt;PATH&gt;</a:t>
+            </a:r>
+            <a:r>
+              <a:rPr lang="en-US" dirty="0">
+                <a:highlight>
+                  <a:srgbClr val="FFFF00"/>
+                </a:highlight>
+              </a:rPr>
+              <a:t>/</a:t>
+            </a:r>
+            <a:r>
+              <a:rPr lang="en-US" dirty="0" err="1">
+                <a:highlight>
+                  <a:srgbClr val="FFFF00"/>
+                </a:highlight>
+              </a:rPr>
+              <a:t>fastqc</a:t>
+            </a:r>
+            <a:r>
+              <a:rPr lang="en-US" dirty="0">
+                <a:highlight>
+                  <a:srgbClr val="FFFF00"/>
+                </a:highlight>
+              </a:rPr>
+              <a:t>/</a:t>
+            </a:r>
+            <a:r>
+              <a:rPr lang="en-US" dirty="0" err="1">
+                <a:highlight>
+                  <a:srgbClr val="FFFF00"/>
+                </a:highlight>
+              </a:rPr>
+              <a:t>FastQC</a:t>
+            </a:r>
+            <a:r>
+              <a:rPr lang="en-US" dirty="0">
+                <a:highlight>
+                  <a:srgbClr val="FFFF00"/>
+                </a:highlight>
+              </a:rPr>
+              <a:t>/</a:t>
+            </a:r>
+            <a:r>
+              <a:rPr lang="en-US" dirty="0" err="1">
+                <a:highlight>
+                  <a:srgbClr val="FFFF00"/>
+                </a:highlight>
+              </a:rPr>
+              <a:t>fastqc</a:t>
+            </a:r>
+            <a:r>
+              <a:rPr lang="en-US" dirty="0">
+                <a:highlight>
+                  <a:srgbClr val="FFFF00"/>
+                </a:highlight>
+              </a:rPr>
+              <a:t>  </a:t>
+            </a:r>
+            <a:r>
+              <a:rPr lang="en-US" dirty="0">
+                <a:latin typeface="Courier"/>
+                <a:cs typeface="Courier"/>
+              </a:rPr>
+              <a:t>DH10B.pair1.fq -o .</a:t>
+            </a:r>
+          </a:p>
+        </p:txBody>
+      </p:sp>
+      <p:sp>
+        <p:nvSpPr>
+          <p:cNvPr id="4" name="TextBox 3"/>
+          <p:cNvSpPr txBox="1"/>
+          <p:nvPr/>
+        </p:nvSpPr>
+        <p:spPr>
+          <a:xfrm>
+            <a:off x="2120669" y="4466591"/>
+            <a:ext cx="3334867" cy="1200328"/>
+          </a:xfrm>
+          <a:prstGeom prst="rect">
+            <a:avLst/>
+          </a:prstGeom>
+          <a:noFill/>
+        </p:spPr>
+        <p:txBody>
+          <a:bodyPr wrap="none" rtlCol="0">
+            <a:spAutoFit/>
+          </a:bodyPr>
+          <a:lstStyle/>
+          <a:p>
+            <a:r>
+              <a:rPr lang="en-US" sz="2400" dirty="0"/>
+              <a:t>Output:</a:t>
+            </a:r>
+          </a:p>
+          <a:p>
+            <a:r>
+              <a:rPr lang="en-US" sz="2400" dirty="0"/>
+              <a:t>DH10B.pair1_fastqc.html</a:t>
+            </a:r>
+          </a:p>
+          <a:p>
+            <a:r>
+              <a:rPr lang="en-US" sz="2400" dirty="0"/>
+              <a:t>DH10B.pair1_fastqc.zip</a:t>
+            </a:r>
+          </a:p>
+        </p:txBody>
+      </p:sp>
+      <p:sp>
+        <p:nvSpPr>
+          <p:cNvPr id="5" name="TextBox 4"/>
+          <p:cNvSpPr txBox="1"/>
+          <p:nvPr/>
+        </p:nvSpPr>
+        <p:spPr>
+          <a:xfrm>
+            <a:off x="313624" y="5898967"/>
+            <a:ext cx="4648153" cy="400110"/>
+          </a:xfrm>
+          <a:prstGeom prst="rect">
+            <a:avLst/>
+          </a:prstGeom>
+          <a:noFill/>
+        </p:spPr>
+        <p:txBody>
+          <a:bodyPr wrap="none" rtlCol="0">
+            <a:spAutoFit/>
+          </a:bodyPr>
+          <a:lstStyle/>
+          <a:p>
+            <a:r>
+              <a:rPr lang="en-US" sz="2000" dirty="0">
+                <a:latin typeface="Courier"/>
+                <a:cs typeface="Courier"/>
+              </a:rPr>
+              <a:t>unzip DH10B.pair1_fastqc.zip</a:t>
+            </a:r>
+          </a:p>
+        </p:txBody>
+      </p:sp>
+    </p:spTree>
+    <p:extLst>
+      <p:ext uri="{BB962C8B-B14F-4D97-AF65-F5344CB8AC3E}">
+        <p14:creationId xmlns:p14="http://schemas.microsoft.com/office/powerpoint/2010/main" val="3270708654"/>
+      </p:ext>
+    </p:extLst>
+  </p:cSld>
+  <p:clrMapOvr>
+    <a:masterClrMapping/>
+  </p:clrMapOvr>
+</p:sld>
+</file>
+
+<file path=ppt/slides/slide8.xml><?xml version="1.0" encoding="utf-8"?>
+<p:sld xmlns:a="http://schemas.openxmlformats.org/drawingml/2006/main" xmlns:r="http://schemas.openxmlformats.org/officeDocument/2006/relationships" xmlns:p="http://schemas.openxmlformats.org/presentationml/2006/main">
+  <p:cSld>
+    <p:spTree>
+      <p:nvGrpSpPr>
+        <p:cNvPr id="1" name=""/>
+        <p:cNvGrpSpPr/>
+        <p:nvPr/>
+      </p:nvGrpSpPr>
+      <p:grpSpPr>
+        <a:xfrm>
+          <a:off x="0" y="0"/>
+          <a:ext cx="0" cy="0"/>
+          <a:chOff x="0" y="0"/>
+          <a:chExt cx="0" cy="0"/>
+        </a:xfrm>
+      </p:grpSpPr>
+      <p:sp>
+        <p:nvSpPr>
           <p:cNvPr id="2" name="Title 1">
             <a:extLst>
               <a:ext uri="{FF2B5EF4-FFF2-40B4-BE49-F238E27FC236}">
@@ -7992,14 +9073,16 @@
         </p:nvSpPr>
         <p:spPr/>
         <p:txBody>
-          <a:bodyPr/>
+          <a:bodyPr>
+            <a:normAutofit/>
+          </a:bodyPr>
           <a:lstStyle/>
           <a:p>
             <a:r>
-              <a:rPr lang="en-US"/>
+              <a:rPr lang="en-US" sz="3600" dirty="0" err="1"/>
               <a:t>Ondemand.beocat.ksu.edu</a:t>
             </a:r>
-            <a:endParaRPr lang="en-US" dirty="0"/>
+            <a:endParaRPr lang="en-US" sz="3600" dirty="0"/>
           </a:p>
         </p:txBody>
       </p:sp>
@@ -8046,124 +9129,6 @@
 </p:sld>
 </file>
 
-<file path=ppt/slides/slide8.xml><?xml version="1.0" encoding="utf-8"?>
-<p:sld xmlns:a="http://schemas.openxmlformats.org/drawingml/2006/main" xmlns:r="http://schemas.openxmlformats.org/officeDocument/2006/relationships" xmlns:p="http://schemas.openxmlformats.org/presentationml/2006/main">
-  <p:cSld>
-    <p:spTree>
-      <p:nvGrpSpPr>
-        <p:cNvPr id="1" name=""/>
-        <p:cNvGrpSpPr/>
-        <p:nvPr/>
-      </p:nvGrpSpPr>
-      <p:grpSpPr>
-        <a:xfrm>
-          <a:off x="0" y="0"/>
-          <a:ext cx="0" cy="0"/>
-          <a:chOff x="0" y="0"/>
-          <a:chExt cx="0" cy="0"/>
-        </a:xfrm>
-      </p:grpSpPr>
-      <p:sp>
-        <p:nvSpPr>
-          <p:cNvPr id="2" name="Title 1"/>
-          <p:cNvSpPr>
-            <a:spLocks noGrp="1"/>
-          </p:cNvSpPr>
-          <p:nvPr>
-            <p:ph type="title"/>
-          </p:nvPr>
-        </p:nvSpPr>
-        <p:spPr/>
-        <p:txBody>
-          <a:bodyPr/>
-          <a:lstStyle/>
-          <a:p>
-            <a:r>
-              <a:rPr lang="en-US" dirty="0"/>
-              <a:t>Problem</a:t>
-            </a:r>
-          </a:p>
-        </p:txBody>
-      </p:sp>
-      <p:sp>
-        <p:nvSpPr>
-          <p:cNvPr id="3" name="Content Placeholder 2"/>
-          <p:cNvSpPr>
-            <a:spLocks noGrp="1"/>
-          </p:cNvSpPr>
-          <p:nvPr>
-            <p:ph idx="1"/>
-          </p:nvPr>
-        </p:nvSpPr>
-        <p:spPr>
-          <a:xfrm>
-            <a:off x="457200" y="1384876"/>
-            <a:ext cx="8229600" cy="2425488"/>
-          </a:xfrm>
-        </p:spPr>
-        <p:txBody>
-          <a:bodyPr>
-            <a:normAutofit/>
-          </a:bodyPr>
-          <a:lstStyle/>
-          <a:p>
-            <a:r>
-              <a:rPr lang="en-US" sz="2800" dirty="0"/>
-              <a:t>Copy </a:t>
-            </a:r>
-            <a:r>
-              <a:rPr lang="en-US" sz="2800" dirty="0">
-                <a:solidFill>
-                  <a:srgbClr val="0000FF"/>
-                </a:solidFill>
-              </a:rPr>
-              <a:t>DH10B.pair1.fq_fastqc.html</a:t>
-            </a:r>
-            <a:r>
-              <a:rPr lang="en-US" sz="2800" dirty="0"/>
-              <a:t> from </a:t>
-            </a:r>
-            <a:r>
-              <a:rPr lang="en-US" sz="2800" dirty="0" err="1"/>
-              <a:t>Beocat</a:t>
-            </a:r>
-            <a:r>
-              <a:rPr lang="en-US" sz="2800" dirty="0"/>
-              <a:t> to your local computer using </a:t>
-            </a:r>
-            <a:r>
-              <a:rPr lang="en-US" sz="2800" dirty="0" err="1"/>
-              <a:t>Cyberduck</a:t>
-            </a:r>
-            <a:r>
-              <a:rPr lang="en-US" sz="2800" dirty="0"/>
-              <a:t> or other tools</a:t>
-            </a:r>
-          </a:p>
-          <a:p>
-            <a:endParaRPr lang="en-US" sz="2800" dirty="0"/>
-          </a:p>
-          <a:p>
-            <a:r>
-              <a:rPr lang="en-US" sz="2800" dirty="0"/>
-              <a:t>Open the file in your browser</a:t>
-            </a:r>
-          </a:p>
-        </p:txBody>
-      </p:sp>
-    </p:spTree>
-    <p:extLst>
-      <p:ext uri="{BB962C8B-B14F-4D97-AF65-F5344CB8AC3E}">
-        <p14:creationId xmlns:p14="http://schemas.microsoft.com/office/powerpoint/2010/main" val="1276233018"/>
-      </p:ext>
-    </p:extLst>
-  </p:cSld>
-  <p:clrMapOvr>
-    <a:masterClrMapping/>
-  </p:clrMapOvr>
-</p:sld>
-</file>
-
 <file path=ppt/slides/slide9.xml><?xml version="1.0" encoding="utf-8"?>
 <p:sld xmlns:a="http://schemas.openxmlformats.org/drawingml/2006/main" xmlns:r="http://schemas.openxmlformats.org/officeDocument/2006/relationships" xmlns:p="http://schemas.openxmlformats.org/presentationml/2006/main">
   <p:cSld>
@@ -8191,32 +9156,10 @@
             <p:ph type="title"/>
           </p:nvPr>
         </p:nvSpPr>
-        <p:spPr/>
-        <p:txBody>
-          <a:bodyPr/>
-          <a:lstStyle/>
-          <a:p>
-            <a:r>
-              <a:rPr lang="en-US" dirty="0"/>
-              <a:t>Add a path to your PATH</a:t>
-            </a:r>
-          </a:p>
-        </p:txBody>
-      </p:sp>
-      <p:sp>
-        <p:nvSpPr>
-          <p:cNvPr id="3" name="Content Placeholder 2"/>
-          <p:cNvSpPr>
-            <a:spLocks noGrp="1"/>
-          </p:cNvSpPr>
-          <p:nvPr>
-            <p:ph idx="1"/>
-          </p:nvPr>
-        </p:nvSpPr>
         <p:spPr>
           <a:xfrm>
-            <a:off x="882480" y="1609857"/>
-            <a:ext cx="7804320" cy="3746769"/>
+            <a:off x="457200" y="285524"/>
+            <a:ext cx="8229600" cy="772987"/>
           </a:xfrm>
         </p:spPr>
         <p:txBody>
@@ -8225,78 +9168,83 @@
           </a:bodyPr>
           <a:lstStyle/>
           <a:p>
-            <a:pPr marL="0" indent="0">
-              <a:buNone/>
-            </a:pPr>
+            <a:r>
+              <a:rPr lang="en-US" sz="3200" dirty="0"/>
+              <a:t>Check results</a:t>
+            </a:r>
+          </a:p>
+        </p:txBody>
+      </p:sp>
+      <p:sp>
+        <p:nvSpPr>
+          <p:cNvPr id="3" name="Content Placeholder 2"/>
+          <p:cNvSpPr>
+            <a:spLocks noGrp="1"/>
+          </p:cNvSpPr>
+          <p:nvPr>
+            <p:ph idx="1"/>
+          </p:nvPr>
+        </p:nvSpPr>
+        <p:spPr>
+          <a:xfrm>
+            <a:off x="457200" y="1613476"/>
+            <a:ext cx="8229600" cy="2425488"/>
+          </a:xfrm>
+        </p:spPr>
+        <p:txBody>
+          <a:bodyPr>
+            <a:normAutofit/>
+          </a:bodyPr>
+          <a:lstStyle/>
+          <a:p>
             <a:r>
               <a:rPr lang="en-US" sz="2800" dirty="0"/>
-              <a:t>vi ~/.</a:t>
+              <a:t>Download </a:t>
+            </a:r>
+            <a:r>
+              <a:rPr lang="en-US" sz="2800" dirty="0">
+                <a:solidFill>
+                  <a:srgbClr val="0000FF"/>
+                </a:solidFill>
+              </a:rPr>
+              <a:t>DH10B.pair1.fq_fastqc.html</a:t>
+            </a:r>
+            <a:r>
+              <a:rPr lang="en-US" sz="2800" dirty="0"/>
+              <a:t> from </a:t>
             </a:r>
             <a:r>
               <a:rPr lang="en-US" sz="2800" dirty="0" err="1"/>
-              <a:t>bashrc</a:t>
-            </a:r>
+              <a:t>Beocat</a:t>
+            </a:r>
+            <a:r>
+              <a:rPr lang="en-US" sz="2800" dirty="0"/>
+              <a:t> to your local computer through </a:t>
+            </a:r>
+            <a:r>
+              <a:rPr lang="en-US" sz="2800" dirty="0" err="1"/>
+              <a:t>ondemand</a:t>
+            </a:r>
+            <a:r>
+              <a:rPr lang="en-US" sz="2800" dirty="0"/>
+              <a:t>.</a:t>
+            </a:r>
+          </a:p>
+          <a:p>
             <a:endParaRPr lang="en-US" sz="2800" dirty="0"/>
           </a:p>
           <a:p>
-            <a:pPr marL="0" indent="0">
-              <a:buNone/>
-            </a:pPr>
-            <a:endParaRPr lang="en-US" sz="2800" dirty="0"/>
-          </a:p>
-          <a:p>
-            <a:pPr marL="0" indent="0">
-              <a:buNone/>
-            </a:pPr>
             <a:r>
               <a:rPr lang="en-US" sz="2800" dirty="0"/>
-              <a:t># add the path:</a:t>
-            </a:r>
-          </a:p>
-          <a:p>
-            <a:pPr marL="0" indent="0">
-              <a:buNone/>
-            </a:pPr>
-            <a:r>
-              <a:rPr lang="en-US" sz="2800" dirty="0"/>
-              <a:t>PATH=$PATH:/homes/liu3zhen/local/bin:</a:t>
-            </a:r>
-          </a:p>
-          <a:p>
-            <a:pPr marL="0" indent="0">
-              <a:buNone/>
-            </a:pPr>
-            <a:endParaRPr lang="en-US" sz="2800" dirty="0"/>
-          </a:p>
-          <a:p>
-            <a:pPr marL="0" indent="0">
-              <a:buNone/>
-            </a:pPr>
-            <a:r>
-              <a:rPr lang="en-US" sz="2800" dirty="0"/>
-              <a:t># run</a:t>
-            </a:r>
-          </a:p>
-          <a:p>
-            <a:pPr marL="0" indent="0">
-              <a:buNone/>
-            </a:pPr>
-            <a:r>
-              <a:rPr lang="en-US" sz="2800" dirty="0"/>
-              <a:t>source ~/.</a:t>
-            </a:r>
-            <a:r>
-              <a:rPr lang="en-US" sz="2800" dirty="0" err="1"/>
-              <a:t>bashrc</a:t>
-            </a:r>
-            <a:endParaRPr lang="en-US" sz="2800" dirty="0"/>
+              <a:t>Open the file in your browser</a:t>
+            </a:r>
           </a:p>
         </p:txBody>
       </p:sp>
     </p:spTree>
     <p:extLst>
       <p:ext uri="{BB962C8B-B14F-4D97-AF65-F5344CB8AC3E}">
-        <p14:creationId xmlns:p14="http://schemas.microsoft.com/office/powerpoint/2010/main" val="1964613416"/>
+        <p14:creationId xmlns:p14="http://schemas.microsoft.com/office/powerpoint/2010/main" val="1276233018"/>
       </p:ext>
     </p:extLst>
   </p:cSld>

--- a/PLPTH813Bioinformatis/2023/labs/lab04_NGS.pptx
+++ b/PLPTH813Bioinformatis/2023/labs/lab04_NGS.pptx
@@ -229,7 +229,7 @@
           <a:p>
             <a:fld id="{08E6E0A8-E17C-C949-B17E-7A1A6494483A}" type="datetimeFigureOut">
               <a:rPr lang="en-US" smtClean="0"/>
-              <a:t>2/8/23</a:t>
+              <a:t>2/9/23</a:t>
             </a:fld>
             <a:endParaRPr lang="en-US"/>
           </a:p>
@@ -759,7 +759,7 @@
           <a:p>
             <a:fld id="{42B8B0BE-C8D7-EB48-AD68-71DB5002F24B}" type="datetimeFigureOut">
               <a:rPr lang="en-US" smtClean="0"/>
-              <a:t>2/8/23</a:t>
+              <a:t>2/9/23</a:t>
             </a:fld>
             <a:endParaRPr lang="en-US"/>
           </a:p>
@@ -927,7 +927,7 @@
           <a:p>
             <a:fld id="{42B8B0BE-C8D7-EB48-AD68-71DB5002F24B}" type="datetimeFigureOut">
               <a:rPr lang="en-US" smtClean="0"/>
-              <a:t>2/8/23</a:t>
+              <a:t>2/9/23</a:t>
             </a:fld>
             <a:endParaRPr lang="en-US"/>
           </a:p>
@@ -1105,7 +1105,7 @@
           <a:p>
             <a:fld id="{42B8B0BE-C8D7-EB48-AD68-71DB5002F24B}" type="datetimeFigureOut">
               <a:rPr lang="en-US" smtClean="0"/>
-              <a:t>2/8/23</a:t>
+              <a:t>2/9/23</a:t>
             </a:fld>
             <a:endParaRPr lang="en-US"/>
           </a:p>
@@ -1273,7 +1273,7 @@
           <a:p>
             <a:fld id="{42B8B0BE-C8D7-EB48-AD68-71DB5002F24B}" type="datetimeFigureOut">
               <a:rPr lang="en-US" smtClean="0"/>
-              <a:t>2/8/23</a:t>
+              <a:t>2/9/23</a:t>
             </a:fld>
             <a:endParaRPr lang="en-US"/>
           </a:p>
@@ -1518,7 +1518,7 @@
           <a:p>
             <a:fld id="{42B8B0BE-C8D7-EB48-AD68-71DB5002F24B}" type="datetimeFigureOut">
               <a:rPr lang="en-US" smtClean="0"/>
-              <a:t>2/8/23</a:t>
+              <a:t>2/9/23</a:t>
             </a:fld>
             <a:endParaRPr lang="en-US"/>
           </a:p>
@@ -1803,7 +1803,7 @@
           <a:p>
             <a:fld id="{42B8B0BE-C8D7-EB48-AD68-71DB5002F24B}" type="datetimeFigureOut">
               <a:rPr lang="en-US" smtClean="0"/>
-              <a:t>2/8/23</a:t>
+              <a:t>2/9/23</a:t>
             </a:fld>
             <a:endParaRPr lang="en-US"/>
           </a:p>
@@ -2222,7 +2222,7 @@
           <a:p>
             <a:fld id="{42B8B0BE-C8D7-EB48-AD68-71DB5002F24B}" type="datetimeFigureOut">
               <a:rPr lang="en-US" smtClean="0"/>
-              <a:t>2/8/23</a:t>
+              <a:t>2/9/23</a:t>
             </a:fld>
             <a:endParaRPr lang="en-US"/>
           </a:p>
@@ -2339,7 +2339,7 @@
           <a:p>
             <a:fld id="{42B8B0BE-C8D7-EB48-AD68-71DB5002F24B}" type="datetimeFigureOut">
               <a:rPr lang="en-US" smtClean="0"/>
-              <a:t>2/8/23</a:t>
+              <a:t>2/9/23</a:t>
             </a:fld>
             <a:endParaRPr lang="en-US"/>
           </a:p>
@@ -2434,7 +2434,7 @@
           <a:p>
             <a:fld id="{42B8B0BE-C8D7-EB48-AD68-71DB5002F24B}" type="datetimeFigureOut">
               <a:rPr lang="en-US" smtClean="0"/>
-              <a:t>2/8/23</a:t>
+              <a:t>2/9/23</a:t>
             </a:fld>
             <a:endParaRPr lang="en-US"/>
           </a:p>
@@ -2709,7 +2709,7 @@
           <a:p>
             <a:fld id="{42B8B0BE-C8D7-EB48-AD68-71DB5002F24B}" type="datetimeFigureOut">
               <a:rPr lang="en-US" smtClean="0"/>
-              <a:t>2/8/23</a:t>
+              <a:t>2/9/23</a:t>
             </a:fld>
             <a:endParaRPr lang="en-US"/>
           </a:p>
@@ -2961,7 +2961,7 @@
           <a:p>
             <a:fld id="{42B8B0BE-C8D7-EB48-AD68-71DB5002F24B}" type="datetimeFigureOut">
               <a:rPr lang="en-US" smtClean="0"/>
-              <a:t>2/8/23</a:t>
+              <a:t>2/9/23</a:t>
             </a:fld>
             <a:endParaRPr lang="en-US"/>
           </a:p>
@@ -3172,7 +3172,7 @@
           <a:p>
             <a:fld id="{42B8B0BE-C8D7-EB48-AD68-71DB5002F24B}" type="datetimeFigureOut">
               <a:rPr lang="en-US" smtClean="0"/>
-              <a:t>2/8/23</a:t>
+              <a:t>2/9/23</a:t>
             </a:fld>
             <a:endParaRPr lang="en-US"/>
           </a:p>
@@ -7951,7 +7951,7 @@
             </a:r>
             <a:r>
               <a:rPr lang="en-US" sz="3200" dirty="0" err="1"/>
-              <a:t>beocat.cis.ksu.edu</a:t>
+              <a:t>beocat.ksu.edu</a:t>
             </a:r>
             <a:endParaRPr lang="en-US" sz="3200" dirty="0"/>
           </a:p>
@@ -8885,22 +8885,6 @@
                 <a:cs typeface="Courier"/>
               </a:rPr>
               <a:t>&lt;PATH&gt;</a:t>
-            </a:r>
-            <a:r>
-              <a:rPr lang="en-US" dirty="0">
-                <a:highlight>
-                  <a:srgbClr val="FFFF00"/>
-                </a:highlight>
-              </a:rPr>
-              <a:t>/</a:t>
-            </a:r>
-            <a:r>
-              <a:rPr lang="en-US" dirty="0" err="1">
-                <a:highlight>
-                  <a:srgbClr val="FFFF00"/>
-                </a:highlight>
-              </a:rPr>
-              <a:t>fastqc</a:t>
             </a:r>
             <a:r>
               <a:rPr lang="en-US" dirty="0">

--- a/PLPTH813Bioinformatis/2023/labs/lab04_NGS.pptx
+++ b/PLPTH813Bioinformatis/2023/labs/lab04_NGS.pptx
@@ -5,7 +5,7 @@
     <p:sldMasterId id="2147483648" r:id="rId1"/>
   </p:sldMasterIdLst>
   <p:notesMasterIdLst>
-    <p:notesMasterId r:id="rId24"/>
+    <p:notesMasterId r:id="rId26"/>
   </p:notesMasterIdLst>
   <p:sldIdLst>
     <p:sldId id="256" r:id="rId2"/>
@@ -22,7 +22,7 @@
     <p:sldId id="277" r:id="rId13"/>
     <p:sldId id="278" r:id="rId14"/>
     <p:sldId id="279" r:id="rId15"/>
-    <p:sldId id="302" r:id="rId16"/>
+    <p:sldId id="303" r:id="rId16"/>
     <p:sldId id="281" r:id="rId17"/>
     <p:sldId id="282" r:id="rId18"/>
     <p:sldId id="298" r:id="rId19"/>
@@ -30,6 +30,8 @@
     <p:sldId id="285" r:id="rId21"/>
     <p:sldId id="287" r:id="rId22"/>
     <p:sldId id="286" r:id="rId23"/>
+    <p:sldId id="302" r:id="rId24"/>
+    <p:sldId id="304" r:id="rId25"/>
   </p:sldIdLst>
   <p:sldSz cx="9144000" cy="6858000" type="screen4x3"/>
   <p:notesSz cx="6858000" cy="9144000"/>
@@ -229,7 +231,7 @@
           <a:p>
             <a:fld id="{08E6E0A8-E17C-C949-B17E-7A1A6494483A}" type="datetimeFigureOut">
               <a:rPr lang="en-US" smtClean="0"/>
-              <a:t>2/9/23</a:t>
+              <a:t>2/23/23</a:t>
             </a:fld>
             <a:endParaRPr lang="en-US"/>
           </a:p>
@@ -759,7 +761,7 @@
           <a:p>
             <a:fld id="{42B8B0BE-C8D7-EB48-AD68-71DB5002F24B}" type="datetimeFigureOut">
               <a:rPr lang="en-US" smtClean="0"/>
-              <a:t>2/9/23</a:t>
+              <a:t>2/23/23</a:t>
             </a:fld>
             <a:endParaRPr lang="en-US"/>
           </a:p>
@@ -927,7 +929,7 @@
           <a:p>
             <a:fld id="{42B8B0BE-C8D7-EB48-AD68-71DB5002F24B}" type="datetimeFigureOut">
               <a:rPr lang="en-US" smtClean="0"/>
-              <a:t>2/9/23</a:t>
+              <a:t>2/23/23</a:t>
             </a:fld>
             <a:endParaRPr lang="en-US"/>
           </a:p>
@@ -1105,7 +1107,7 @@
           <a:p>
             <a:fld id="{42B8B0BE-C8D7-EB48-AD68-71DB5002F24B}" type="datetimeFigureOut">
               <a:rPr lang="en-US" smtClean="0"/>
-              <a:t>2/9/23</a:t>
+              <a:t>2/23/23</a:t>
             </a:fld>
             <a:endParaRPr lang="en-US"/>
           </a:p>
@@ -1273,7 +1275,7 @@
           <a:p>
             <a:fld id="{42B8B0BE-C8D7-EB48-AD68-71DB5002F24B}" type="datetimeFigureOut">
               <a:rPr lang="en-US" smtClean="0"/>
-              <a:t>2/9/23</a:t>
+              <a:t>2/23/23</a:t>
             </a:fld>
             <a:endParaRPr lang="en-US"/>
           </a:p>
@@ -1518,7 +1520,7 @@
           <a:p>
             <a:fld id="{42B8B0BE-C8D7-EB48-AD68-71DB5002F24B}" type="datetimeFigureOut">
               <a:rPr lang="en-US" smtClean="0"/>
-              <a:t>2/9/23</a:t>
+              <a:t>2/23/23</a:t>
             </a:fld>
             <a:endParaRPr lang="en-US"/>
           </a:p>
@@ -1803,7 +1805,7 @@
           <a:p>
             <a:fld id="{42B8B0BE-C8D7-EB48-AD68-71DB5002F24B}" type="datetimeFigureOut">
               <a:rPr lang="en-US" smtClean="0"/>
-              <a:t>2/9/23</a:t>
+              <a:t>2/23/23</a:t>
             </a:fld>
             <a:endParaRPr lang="en-US"/>
           </a:p>
@@ -2222,7 +2224,7 @@
           <a:p>
             <a:fld id="{42B8B0BE-C8D7-EB48-AD68-71DB5002F24B}" type="datetimeFigureOut">
               <a:rPr lang="en-US" smtClean="0"/>
-              <a:t>2/9/23</a:t>
+              <a:t>2/23/23</a:t>
             </a:fld>
             <a:endParaRPr lang="en-US"/>
           </a:p>
@@ -2339,7 +2341,7 @@
           <a:p>
             <a:fld id="{42B8B0BE-C8D7-EB48-AD68-71DB5002F24B}" type="datetimeFigureOut">
               <a:rPr lang="en-US" smtClean="0"/>
-              <a:t>2/9/23</a:t>
+              <a:t>2/23/23</a:t>
             </a:fld>
             <a:endParaRPr lang="en-US"/>
           </a:p>
@@ -2434,7 +2436,7 @@
           <a:p>
             <a:fld id="{42B8B0BE-C8D7-EB48-AD68-71DB5002F24B}" type="datetimeFigureOut">
               <a:rPr lang="en-US" smtClean="0"/>
-              <a:t>2/9/23</a:t>
+              <a:t>2/23/23</a:t>
             </a:fld>
             <a:endParaRPr lang="en-US"/>
           </a:p>
@@ -2709,7 +2711,7 @@
           <a:p>
             <a:fld id="{42B8B0BE-C8D7-EB48-AD68-71DB5002F24B}" type="datetimeFigureOut">
               <a:rPr lang="en-US" smtClean="0"/>
-              <a:t>2/9/23</a:t>
+              <a:t>2/23/23</a:t>
             </a:fld>
             <a:endParaRPr lang="en-US"/>
           </a:p>
@@ -2961,7 +2963,7 @@
           <a:p>
             <a:fld id="{42B8B0BE-C8D7-EB48-AD68-71DB5002F24B}" type="datetimeFigureOut">
               <a:rPr lang="en-US" smtClean="0"/>
-              <a:t>2/9/23</a:t>
+              <a:t>2/23/23</a:t>
             </a:fld>
             <a:endParaRPr lang="en-US"/>
           </a:p>
@@ -3172,7 +3174,7 @@
           <a:p>
             <a:fld id="{42B8B0BE-C8D7-EB48-AD68-71DB5002F24B}" type="datetimeFigureOut">
               <a:rPr lang="en-US" smtClean="0"/>
-              <a:t>2/9/23</a:t>
+              <a:t>2/23/23</a:t>
             </a:fld>
             <a:endParaRPr lang="en-US"/>
           </a:p>
@@ -5498,7 +5500,7 @@
           <p:cNvPr id="2" name="Title 1">
             <a:extLst>
               <a:ext uri="{FF2B5EF4-FFF2-40B4-BE49-F238E27FC236}">
-                <a16:creationId xmlns:a16="http://schemas.microsoft.com/office/drawing/2014/main" id="{890D2584-F726-8F69-7D35-4C783649985D}"/>
+                <a16:creationId xmlns:a16="http://schemas.microsoft.com/office/drawing/2014/main" id="{3BC01844-099E-4491-25AD-4AFB936FCB43}"/>
               </a:ext>
             </a:extLst>
           </p:cNvPr>
@@ -5527,7 +5529,7 @@
           <p:cNvPr id="3" name="Content Placeholder 2">
             <a:extLst>
               <a:ext uri="{FF2B5EF4-FFF2-40B4-BE49-F238E27FC236}">
-                <a16:creationId xmlns:a16="http://schemas.microsoft.com/office/drawing/2014/main" id="{E9FD100F-CB76-B050-629E-AC86A36CAF28}"/>
+                <a16:creationId xmlns:a16="http://schemas.microsoft.com/office/drawing/2014/main" id="{3BC247CF-FF2A-D528-0A80-57E3A696436F}"/>
               </a:ext>
             </a:extLst>
           </p:cNvPr>
@@ -5540,165 +5542,31 @@
         </p:nvSpPr>
         <p:spPr>
           <a:xfrm>
-            <a:off x="457200" y="1265133"/>
-            <a:ext cx="8229600" cy="4896181"/>
+            <a:off x="457200" y="1975185"/>
+            <a:ext cx="8229600" cy="1798162"/>
           </a:xfrm>
         </p:spPr>
         <p:txBody>
-          <a:bodyPr>
-            <a:normAutofit/>
-          </a:bodyPr>
+          <a:bodyPr/>
           <a:lstStyle/>
           <a:p>
-            <a:r>
-              <a:rPr lang="en-US" dirty="0"/>
-              <a:t>Installation</a:t>
-            </a:r>
-          </a:p>
-          <a:p>
-            <a:pPr marL="0" indent="0">
-              <a:lnSpc>
-                <a:spcPct val="150000"/>
-              </a:lnSpc>
-              <a:buNone/>
-            </a:pPr>
+            <a:pPr marL="0" indent="0">
+              <a:buNone/>
+            </a:pPr>
+            <a:r>
+              <a:rPr lang="en-US" dirty="0">
+                <a:latin typeface="Courier New" panose="02070309020205020404" pitchFamily="49" charset="0"/>
+                <a:cs typeface="Courier New" panose="02070309020205020404" pitchFamily="49" charset="0"/>
+              </a:rPr>
+              <a:t>module load </a:t>
+            </a:r>
             <a:r>
               <a:rPr lang="en-US" dirty="0" err="1">
                 <a:latin typeface="Courier New" panose="02070309020205020404" pitchFamily="49" charset="0"/>
                 <a:cs typeface="Courier New" panose="02070309020205020404" pitchFamily="49" charset="0"/>
               </a:rPr>
-              <a:t>wget</a:t>
-            </a:r>
-            <a:r>
-              <a:rPr lang="en-US" dirty="0">
-                <a:latin typeface="Courier New" panose="02070309020205020404" pitchFamily="49" charset="0"/>
-                <a:cs typeface="Courier New" panose="02070309020205020404" pitchFamily="49" charset="0"/>
-              </a:rPr>
-              <a:t> </a:t>
-            </a:r>
-            <a:r>
-              <a:rPr lang="en-US" sz="1000" dirty="0">
-                <a:latin typeface="Courier New" panose="02070309020205020404" pitchFamily="49" charset="0"/>
-                <a:cs typeface="Courier New" panose="02070309020205020404" pitchFamily="49" charset="0"/>
-              </a:rPr>
-              <a:t>http://</a:t>
-            </a:r>
-            <a:r>
-              <a:rPr lang="en-US" sz="1000" dirty="0" err="1">
-                <a:latin typeface="Courier New" panose="02070309020205020404" pitchFamily="49" charset="0"/>
-                <a:cs typeface="Courier New" panose="02070309020205020404" pitchFamily="49" charset="0"/>
-              </a:rPr>
-              <a:t>www.usadellab.org</a:t>
-            </a:r>
-            <a:r>
-              <a:rPr lang="en-US" sz="1000" dirty="0">
-                <a:latin typeface="Courier New" panose="02070309020205020404" pitchFamily="49" charset="0"/>
-                <a:cs typeface="Courier New" panose="02070309020205020404" pitchFamily="49" charset="0"/>
-              </a:rPr>
-              <a:t>/</a:t>
-            </a:r>
-            <a:r>
-              <a:rPr lang="en-US" sz="1000" dirty="0" err="1">
-                <a:latin typeface="Courier New" panose="02070309020205020404" pitchFamily="49" charset="0"/>
-                <a:cs typeface="Courier New" panose="02070309020205020404" pitchFamily="49" charset="0"/>
-              </a:rPr>
-              <a:t>cms</a:t>
-            </a:r>
-            <a:r>
-              <a:rPr lang="en-US" sz="1000" dirty="0">
-                <a:latin typeface="Courier New" panose="02070309020205020404" pitchFamily="49" charset="0"/>
-                <a:cs typeface="Courier New" panose="02070309020205020404" pitchFamily="49" charset="0"/>
-              </a:rPr>
-              <a:t>/uploads/supplementary/</a:t>
-            </a:r>
-            <a:r>
-              <a:rPr lang="en-US" sz="1000" dirty="0" err="1">
-                <a:latin typeface="Courier New" panose="02070309020205020404" pitchFamily="49" charset="0"/>
-                <a:cs typeface="Courier New" panose="02070309020205020404" pitchFamily="49" charset="0"/>
-              </a:rPr>
               <a:t>Trimmomatic</a:t>
             </a:r>
-            <a:r>
-              <a:rPr lang="en-US" sz="1000" dirty="0">
-                <a:latin typeface="Courier New" panose="02070309020205020404" pitchFamily="49" charset="0"/>
-                <a:cs typeface="Courier New" panose="02070309020205020404" pitchFamily="49" charset="0"/>
-              </a:rPr>
-              <a:t>/Trimmomatic-0.39.zip</a:t>
-            </a:r>
-          </a:p>
-          <a:p>
-            <a:pPr marL="0" indent="0">
-              <a:lnSpc>
-                <a:spcPct val="150000"/>
-              </a:lnSpc>
-              <a:buNone/>
-            </a:pPr>
-            <a:r>
-              <a:rPr lang="en-US" dirty="0">
-                <a:latin typeface="Courier New" panose="02070309020205020404" pitchFamily="49" charset="0"/>
-                <a:cs typeface="Courier New" panose="02070309020205020404" pitchFamily="49" charset="0"/>
-              </a:rPr>
-              <a:t>unzip Trimmomatic-0.39.zip </a:t>
-            </a:r>
-          </a:p>
-          <a:p>
-            <a:pPr marL="0" indent="0">
-              <a:lnSpc>
-                <a:spcPct val="150000"/>
-              </a:lnSpc>
-              <a:buNone/>
-            </a:pPr>
-            <a:r>
-              <a:rPr lang="en-US" dirty="0">
-                <a:latin typeface="Courier New" panose="02070309020205020404" pitchFamily="49" charset="0"/>
-                <a:cs typeface="Courier New" panose="02070309020205020404" pitchFamily="49" charset="0"/>
-              </a:rPr>
-              <a:t>cd Trimmomatic-0.39</a:t>
-            </a:r>
-          </a:p>
-          <a:p>
-            <a:pPr marL="0" indent="0">
-              <a:lnSpc>
-                <a:spcPct val="150000"/>
-              </a:lnSpc>
-              <a:buNone/>
-            </a:pPr>
-            <a:r>
-              <a:rPr lang="en-US" dirty="0" err="1">
-                <a:latin typeface="Courier New" panose="02070309020205020404" pitchFamily="49" charset="0"/>
-                <a:cs typeface="Courier New" panose="02070309020205020404" pitchFamily="49" charset="0"/>
-              </a:rPr>
-              <a:t>trimJar</a:t>
-            </a:r>
-            <a:r>
-              <a:rPr lang="en-US" dirty="0">
-                <a:latin typeface="Courier New" panose="02070309020205020404" pitchFamily="49" charset="0"/>
-                <a:cs typeface="Courier New" panose="02070309020205020404" pitchFamily="49" charset="0"/>
-              </a:rPr>
-              <a:t>=`</a:t>
-            </a:r>
-            <a:r>
-              <a:rPr lang="en-US" dirty="0" err="1">
-                <a:latin typeface="Courier New" panose="02070309020205020404" pitchFamily="49" charset="0"/>
-                <a:cs typeface="Courier New" panose="02070309020205020404" pitchFamily="49" charset="0"/>
-              </a:rPr>
-              <a:t>realpath</a:t>
-            </a:r>
-            <a:r>
-              <a:rPr lang="en-US" dirty="0">
-                <a:latin typeface="Courier New" panose="02070309020205020404" pitchFamily="49" charset="0"/>
-                <a:cs typeface="Courier New" panose="02070309020205020404" pitchFamily="49" charset="0"/>
-              </a:rPr>
-              <a:t> trimmomatic-0.39.jar`</a:t>
-            </a:r>
-          </a:p>
-          <a:p>
-            <a:pPr marL="0" indent="0">
-              <a:lnSpc>
-                <a:spcPct val="150000"/>
-              </a:lnSpc>
-              <a:buNone/>
-            </a:pPr>
             <a:endParaRPr lang="en-US" dirty="0">
               <a:latin typeface="Courier New" panose="02070309020205020404" pitchFamily="49" charset="0"/>
               <a:cs typeface="Courier New" panose="02070309020205020404" pitchFamily="49" charset="0"/>
@@ -5706,24 +5574,15 @@
           </a:p>
           <a:p>
             <a:pPr marL="0" indent="0">
-              <a:lnSpc>
-                <a:spcPct val="150000"/>
-              </a:lnSpc>
-              <a:buNone/>
-            </a:pPr>
-            <a:r>
-              <a:rPr lang="en-US" sz="2400" dirty="0">
-                <a:latin typeface="Courier"/>
-                <a:cs typeface="Courier"/>
-              </a:rPr>
-              <a:t>module load Java</a:t>
-            </a:r>
-          </a:p>
-          <a:p>
-            <a:pPr marL="0" indent="0">
-              <a:lnSpc>
-                <a:spcPct val="150000"/>
-              </a:lnSpc>
+              <a:buNone/>
+            </a:pPr>
+            <a:endParaRPr lang="en-US" dirty="0">
+              <a:latin typeface="Courier New" panose="02070309020205020404" pitchFamily="49" charset="0"/>
+              <a:cs typeface="Courier New" panose="02070309020205020404" pitchFamily="49" charset="0"/>
+            </a:endParaRPr>
+          </a:p>
+          <a:p>
+            <a:pPr marL="0" indent="0">
               <a:buNone/>
             </a:pPr>
             <a:r>
@@ -5731,29 +5590,50 @@
                 <a:latin typeface="Courier New" panose="02070309020205020404" pitchFamily="49" charset="0"/>
                 <a:cs typeface="Courier New" panose="02070309020205020404" pitchFamily="49" charset="0"/>
               </a:rPr>
-              <a:t>java -jar $</a:t>
+              <a:t># to run </a:t>
             </a:r>
             <a:r>
               <a:rPr lang="en-US" dirty="0" err="1">
                 <a:latin typeface="Courier New" panose="02070309020205020404" pitchFamily="49" charset="0"/>
                 <a:cs typeface="Courier New" panose="02070309020205020404" pitchFamily="49" charset="0"/>
               </a:rPr>
-              <a:t>trimJar</a:t>
+              <a:t>Trimmomatic</a:t>
             </a:r>
             <a:r>
               <a:rPr lang="en-US" dirty="0">
                 <a:latin typeface="Courier New" panose="02070309020205020404" pitchFamily="49" charset="0"/>
                 <a:cs typeface="Courier New" panose="02070309020205020404" pitchFamily="49" charset="0"/>
               </a:rPr>
-              <a:t> </a:t>
-            </a:r>
+              <a:t>:</a:t>
+            </a:r>
+          </a:p>
+          <a:p>
+            <a:pPr marL="0" indent="0">
+              <a:buNone/>
+            </a:pPr>
+            <a:r>
+              <a:rPr lang="en-US" sz="2000" dirty="0">
+                <a:latin typeface="Courier New" panose="02070309020205020404" pitchFamily="49" charset="0"/>
+                <a:cs typeface="Courier New" panose="02070309020205020404" pitchFamily="49" charset="0"/>
+              </a:rPr>
+              <a:t>java -jar $EBROOTTRIMMOMATIC/trimmomatic-0.39.jar …</a:t>
+            </a:r>
+          </a:p>
+          <a:p>
+            <a:pPr marL="0" indent="0">
+              <a:buNone/>
+            </a:pPr>
+            <a:endParaRPr lang="en-US" dirty="0">
+              <a:latin typeface="Courier New" panose="02070309020205020404" pitchFamily="49" charset="0"/>
+              <a:cs typeface="Courier New" panose="02070309020205020404" pitchFamily="49" charset="0"/>
+            </a:endParaRPr>
           </a:p>
         </p:txBody>
       </p:sp>
     </p:spTree>
     <p:extLst>
       <p:ext uri="{BB962C8B-B14F-4D97-AF65-F5344CB8AC3E}">
-        <p14:creationId xmlns:p14="http://schemas.microsoft.com/office/powerpoint/2010/main" val="2861963186"/>
+        <p14:creationId xmlns:p14="http://schemas.microsoft.com/office/powerpoint/2010/main" val="3458393555"/>
       </p:ext>
     </p:extLst>
   </p:cSld>
@@ -5818,8 +5698,8 @@
         </p:nvSpPr>
         <p:spPr>
           <a:xfrm>
-            <a:off x="402578" y="1444562"/>
-            <a:ext cx="8229600" cy="964000"/>
+            <a:off x="138896" y="1445848"/>
+            <a:ext cx="8866207" cy="964000"/>
           </a:xfrm>
         </p:spPr>
         <p:txBody>
@@ -5933,6 +5813,60 @@
                 <a:cs typeface="Courier"/>
               </a:rPr>
               <a:t>.fq</a:t>
+            </a:r>
+          </a:p>
+          <a:p>
+            <a:pPr marL="0" indent="0">
+              <a:buNone/>
+            </a:pPr>
+            <a:r>
+              <a:rPr lang="en-US" sz="1400" dirty="0" err="1">
+                <a:latin typeface="Courier"/>
+                <a:cs typeface="Courier"/>
+              </a:rPr>
+              <a:t>wget</a:t>
+            </a:r>
+            <a:r>
+              <a:rPr lang="en-US" sz="1400" dirty="0">
+                <a:latin typeface="Courier"/>
+                <a:cs typeface="Courier"/>
+              </a:rPr>
+              <a:t> https://</a:t>
+            </a:r>
+            <a:r>
+              <a:rPr lang="en-US" sz="1400" dirty="0" err="1">
+                <a:latin typeface="Courier"/>
+                <a:cs typeface="Courier"/>
+              </a:rPr>
+              <a:t>people.beocat.ksu.edu</a:t>
+            </a:r>
+            <a:r>
+              <a:rPr lang="en-US" sz="1400" dirty="0">
+                <a:latin typeface="Courier"/>
+                <a:cs typeface="Courier"/>
+              </a:rPr>
+              <a:t>/~liu3zhen/PLPTH813/data/</a:t>
+            </a:r>
+            <a:r>
+              <a:rPr lang="en-US" sz="1400" dirty="0" err="1">
+                <a:latin typeface="Courier"/>
+                <a:cs typeface="Courier"/>
+              </a:rPr>
+              <a:t>EcoliWGS</a:t>
+            </a:r>
+            <a:r>
+              <a:rPr lang="en-US" altLang="zh-CN" sz="1400" dirty="0">
+                <a:latin typeface="Courier"/>
+                <a:cs typeface="Courier"/>
+              </a:rPr>
+              <a:t>/</a:t>
+            </a:r>
+            <a:r>
+              <a:rPr lang="en-US" sz="1400" dirty="0">
+                <a:latin typeface="Courier"/>
+                <a:cs typeface="Courier"/>
+              </a:rPr>
+              <a:t>TruSeq3-PE.fa</a:t>
             </a:r>
           </a:p>
         </p:txBody>
@@ -6198,25 +6132,25 @@
               <a:buNone/>
             </a:pPr>
             <a:r>
+              <a:rPr lang="en-US" sz="2000" dirty="0">
+                <a:latin typeface="Courier New" panose="02070309020205020404" pitchFamily="49" charset="0"/>
+                <a:cs typeface="Courier New" panose="02070309020205020404" pitchFamily="49" charset="0"/>
+              </a:rPr>
+              <a:t>java -jar $EBROOTTRIMMOMATIC/trimmomatic-0.39.jar </a:t>
+            </a:r>
+            <a:r>
+              <a:rPr lang="en-US" sz="2000" dirty="0">
+                <a:latin typeface="Courier"/>
+                <a:cs typeface="Courier"/>
+              </a:rPr>
+              <a:t>PE </a:t>
+            </a:r>
+            <a:r>
               <a:rPr lang="en-US" dirty="0">
                 <a:latin typeface="Courier"/>
                 <a:cs typeface="Courier"/>
               </a:rPr>
-              <a:t>java -jar $</a:t>
-            </a:r>
-            <a:r>
-              <a:rPr lang="en-US" dirty="0" err="1">
-                <a:latin typeface="Courier"/>
-                <a:cs typeface="Courier"/>
-              </a:rPr>
-              <a:t>trimJar</a:t>
-            </a:r>
-            <a:r>
-              <a:rPr lang="en-US" dirty="0">
-                <a:latin typeface="Courier"/>
-                <a:cs typeface="Courier"/>
-              </a:rPr>
-              <a:t> PE \</a:t>
+              <a:t>\</a:t>
             </a:r>
           </a:p>
           <a:p>
@@ -7853,6 +7787,506 @@
     <p:extLst>
       <p:ext uri="{BB962C8B-B14F-4D97-AF65-F5344CB8AC3E}">
         <p14:creationId xmlns:p14="http://schemas.microsoft.com/office/powerpoint/2010/main" val="979455392"/>
+      </p:ext>
+    </p:extLst>
+  </p:cSld>
+  <p:clrMapOvr>
+    <a:masterClrMapping/>
+  </p:clrMapOvr>
+</p:sld>
+</file>
+
+<file path=ppt/slides/slide23.xml><?xml version="1.0" encoding="utf-8"?>
+<p:sld xmlns:a="http://schemas.openxmlformats.org/drawingml/2006/main" xmlns:r="http://schemas.openxmlformats.org/officeDocument/2006/relationships" xmlns:p="http://schemas.openxmlformats.org/presentationml/2006/main" show="0">
+  <p:cSld>
+    <p:spTree>
+      <p:nvGrpSpPr>
+        <p:cNvPr id="1" name=""/>
+        <p:cNvGrpSpPr/>
+        <p:nvPr/>
+      </p:nvGrpSpPr>
+      <p:grpSpPr>
+        <a:xfrm>
+          <a:off x="0" y="0"/>
+          <a:ext cx="0" cy="0"/>
+          <a:chOff x="0" y="0"/>
+          <a:chExt cx="0" cy="0"/>
+        </a:xfrm>
+      </p:grpSpPr>
+      <p:sp>
+        <p:nvSpPr>
+          <p:cNvPr id="2" name="Title 1">
+            <a:extLst>
+              <a:ext uri="{FF2B5EF4-FFF2-40B4-BE49-F238E27FC236}">
+                <a16:creationId xmlns:a16="http://schemas.microsoft.com/office/drawing/2014/main" id="{890D2584-F726-8F69-7D35-4C783649985D}"/>
+              </a:ext>
+            </a:extLst>
+          </p:cNvPr>
+          <p:cNvSpPr>
+            <a:spLocks noGrp="1"/>
+          </p:cNvSpPr>
+          <p:nvPr>
+            <p:ph type="title"/>
+          </p:nvPr>
+        </p:nvSpPr>
+        <p:spPr/>
+        <p:txBody>
+          <a:bodyPr/>
+          <a:lstStyle/>
+          <a:p>
+            <a:r>
+              <a:rPr lang="en-US" dirty="0" err="1"/>
+              <a:t>trimmomatic</a:t>
+            </a:r>
+            <a:endParaRPr lang="en-US" dirty="0"/>
+          </a:p>
+        </p:txBody>
+      </p:sp>
+      <p:sp>
+        <p:nvSpPr>
+          <p:cNvPr id="3" name="Content Placeholder 2">
+            <a:extLst>
+              <a:ext uri="{FF2B5EF4-FFF2-40B4-BE49-F238E27FC236}">
+                <a16:creationId xmlns:a16="http://schemas.microsoft.com/office/drawing/2014/main" id="{E9FD100F-CB76-B050-629E-AC86A36CAF28}"/>
+              </a:ext>
+            </a:extLst>
+          </p:cNvPr>
+          <p:cNvSpPr>
+            <a:spLocks noGrp="1"/>
+          </p:cNvSpPr>
+          <p:nvPr>
+            <p:ph idx="1"/>
+          </p:nvPr>
+        </p:nvSpPr>
+        <p:spPr>
+          <a:xfrm>
+            <a:off x="457200" y="1265133"/>
+            <a:ext cx="8229600" cy="4896181"/>
+          </a:xfrm>
+        </p:spPr>
+        <p:txBody>
+          <a:bodyPr>
+            <a:normAutofit/>
+          </a:bodyPr>
+          <a:lstStyle/>
+          <a:p>
+            <a:r>
+              <a:rPr lang="en-US" dirty="0"/>
+              <a:t>Installation</a:t>
+            </a:r>
+          </a:p>
+          <a:p>
+            <a:pPr marL="0" indent="0">
+              <a:lnSpc>
+                <a:spcPct val="150000"/>
+              </a:lnSpc>
+              <a:buNone/>
+            </a:pPr>
+            <a:r>
+              <a:rPr lang="en-US" dirty="0" err="1">
+                <a:latin typeface="Courier New" panose="02070309020205020404" pitchFamily="49" charset="0"/>
+                <a:cs typeface="Courier New" panose="02070309020205020404" pitchFamily="49" charset="0"/>
+              </a:rPr>
+              <a:t>wget</a:t>
+            </a:r>
+            <a:r>
+              <a:rPr lang="en-US" dirty="0">
+                <a:latin typeface="Courier New" panose="02070309020205020404" pitchFamily="49" charset="0"/>
+                <a:cs typeface="Courier New" panose="02070309020205020404" pitchFamily="49" charset="0"/>
+              </a:rPr>
+              <a:t> </a:t>
+            </a:r>
+            <a:r>
+              <a:rPr lang="en-US" sz="1000" dirty="0">
+                <a:latin typeface="Courier New" panose="02070309020205020404" pitchFamily="49" charset="0"/>
+                <a:cs typeface="Courier New" panose="02070309020205020404" pitchFamily="49" charset="0"/>
+              </a:rPr>
+              <a:t>http://</a:t>
+            </a:r>
+            <a:r>
+              <a:rPr lang="en-US" sz="1000" dirty="0" err="1">
+                <a:latin typeface="Courier New" panose="02070309020205020404" pitchFamily="49" charset="0"/>
+                <a:cs typeface="Courier New" panose="02070309020205020404" pitchFamily="49" charset="0"/>
+              </a:rPr>
+              <a:t>www.usadellab.org</a:t>
+            </a:r>
+            <a:r>
+              <a:rPr lang="en-US" sz="1000" dirty="0">
+                <a:latin typeface="Courier New" panose="02070309020205020404" pitchFamily="49" charset="0"/>
+                <a:cs typeface="Courier New" panose="02070309020205020404" pitchFamily="49" charset="0"/>
+              </a:rPr>
+              <a:t>/</a:t>
+            </a:r>
+            <a:r>
+              <a:rPr lang="en-US" sz="1000" dirty="0" err="1">
+                <a:latin typeface="Courier New" panose="02070309020205020404" pitchFamily="49" charset="0"/>
+                <a:cs typeface="Courier New" panose="02070309020205020404" pitchFamily="49" charset="0"/>
+              </a:rPr>
+              <a:t>cms</a:t>
+            </a:r>
+            <a:r>
+              <a:rPr lang="en-US" sz="1000" dirty="0">
+                <a:latin typeface="Courier New" panose="02070309020205020404" pitchFamily="49" charset="0"/>
+                <a:cs typeface="Courier New" panose="02070309020205020404" pitchFamily="49" charset="0"/>
+              </a:rPr>
+              <a:t>/uploads/supplementary/</a:t>
+            </a:r>
+            <a:r>
+              <a:rPr lang="en-US" sz="1000" dirty="0" err="1">
+                <a:latin typeface="Courier New" panose="02070309020205020404" pitchFamily="49" charset="0"/>
+                <a:cs typeface="Courier New" panose="02070309020205020404" pitchFamily="49" charset="0"/>
+              </a:rPr>
+              <a:t>Trimmomatic</a:t>
+            </a:r>
+            <a:r>
+              <a:rPr lang="en-US" sz="1000" dirty="0">
+                <a:latin typeface="Courier New" panose="02070309020205020404" pitchFamily="49" charset="0"/>
+                <a:cs typeface="Courier New" panose="02070309020205020404" pitchFamily="49" charset="0"/>
+              </a:rPr>
+              <a:t>/Trimmomatic-0.39.zip</a:t>
+            </a:r>
+          </a:p>
+          <a:p>
+            <a:pPr marL="0" indent="0">
+              <a:lnSpc>
+                <a:spcPct val="150000"/>
+              </a:lnSpc>
+              <a:buNone/>
+            </a:pPr>
+            <a:r>
+              <a:rPr lang="en-US" dirty="0">
+                <a:latin typeface="Courier New" panose="02070309020205020404" pitchFamily="49" charset="0"/>
+                <a:cs typeface="Courier New" panose="02070309020205020404" pitchFamily="49" charset="0"/>
+              </a:rPr>
+              <a:t>unzip Trimmomatic-0.39.zip </a:t>
+            </a:r>
+          </a:p>
+          <a:p>
+            <a:pPr marL="0" indent="0">
+              <a:lnSpc>
+                <a:spcPct val="150000"/>
+              </a:lnSpc>
+              <a:buNone/>
+            </a:pPr>
+            <a:r>
+              <a:rPr lang="en-US" dirty="0">
+                <a:latin typeface="Courier New" panose="02070309020205020404" pitchFamily="49" charset="0"/>
+                <a:cs typeface="Courier New" panose="02070309020205020404" pitchFamily="49" charset="0"/>
+              </a:rPr>
+              <a:t>cd Trimmomatic-0.39</a:t>
+            </a:r>
+          </a:p>
+          <a:p>
+            <a:pPr marL="0" indent="0">
+              <a:lnSpc>
+                <a:spcPct val="150000"/>
+              </a:lnSpc>
+              <a:buNone/>
+            </a:pPr>
+            <a:r>
+              <a:rPr lang="en-US" dirty="0" err="1">
+                <a:latin typeface="Courier New" panose="02070309020205020404" pitchFamily="49" charset="0"/>
+                <a:cs typeface="Courier New" panose="02070309020205020404" pitchFamily="49" charset="0"/>
+              </a:rPr>
+              <a:t>trimJar</a:t>
+            </a:r>
+            <a:r>
+              <a:rPr lang="en-US" dirty="0">
+                <a:latin typeface="Courier New" panose="02070309020205020404" pitchFamily="49" charset="0"/>
+                <a:cs typeface="Courier New" panose="02070309020205020404" pitchFamily="49" charset="0"/>
+              </a:rPr>
+              <a:t>=`</a:t>
+            </a:r>
+            <a:r>
+              <a:rPr lang="en-US" dirty="0" err="1">
+                <a:latin typeface="Courier New" panose="02070309020205020404" pitchFamily="49" charset="0"/>
+                <a:cs typeface="Courier New" panose="02070309020205020404" pitchFamily="49" charset="0"/>
+              </a:rPr>
+              <a:t>realpath</a:t>
+            </a:r>
+            <a:r>
+              <a:rPr lang="en-US" dirty="0">
+                <a:latin typeface="Courier New" panose="02070309020205020404" pitchFamily="49" charset="0"/>
+                <a:cs typeface="Courier New" panose="02070309020205020404" pitchFamily="49" charset="0"/>
+              </a:rPr>
+              <a:t> trimmomatic-0.39.jar`</a:t>
+            </a:r>
+          </a:p>
+          <a:p>
+            <a:pPr marL="0" indent="0">
+              <a:lnSpc>
+                <a:spcPct val="150000"/>
+              </a:lnSpc>
+              <a:buNone/>
+            </a:pPr>
+            <a:endParaRPr lang="en-US" dirty="0">
+              <a:latin typeface="Courier New" panose="02070309020205020404" pitchFamily="49" charset="0"/>
+              <a:cs typeface="Courier New" panose="02070309020205020404" pitchFamily="49" charset="0"/>
+            </a:endParaRPr>
+          </a:p>
+          <a:p>
+            <a:pPr marL="0" indent="0">
+              <a:lnSpc>
+                <a:spcPct val="150000"/>
+              </a:lnSpc>
+              <a:buNone/>
+            </a:pPr>
+            <a:r>
+              <a:rPr lang="en-US" sz="2400" dirty="0">
+                <a:latin typeface="Courier"/>
+                <a:cs typeface="Courier"/>
+              </a:rPr>
+              <a:t>module load Java</a:t>
+            </a:r>
+          </a:p>
+          <a:p>
+            <a:pPr marL="0" indent="0">
+              <a:lnSpc>
+                <a:spcPct val="150000"/>
+              </a:lnSpc>
+              <a:buNone/>
+            </a:pPr>
+            <a:r>
+              <a:rPr lang="en-US" dirty="0">
+                <a:latin typeface="Courier New" panose="02070309020205020404" pitchFamily="49" charset="0"/>
+                <a:cs typeface="Courier New" panose="02070309020205020404" pitchFamily="49" charset="0"/>
+              </a:rPr>
+              <a:t>java -jar $</a:t>
+            </a:r>
+            <a:r>
+              <a:rPr lang="en-US" dirty="0" err="1">
+                <a:latin typeface="Courier New" panose="02070309020205020404" pitchFamily="49" charset="0"/>
+                <a:cs typeface="Courier New" panose="02070309020205020404" pitchFamily="49" charset="0"/>
+              </a:rPr>
+              <a:t>trimJar</a:t>
+            </a:r>
+            <a:r>
+              <a:rPr lang="en-US" dirty="0">
+                <a:latin typeface="Courier New" panose="02070309020205020404" pitchFamily="49" charset="0"/>
+                <a:cs typeface="Courier New" panose="02070309020205020404" pitchFamily="49" charset="0"/>
+              </a:rPr>
+              <a:t> </a:t>
+            </a:r>
+          </a:p>
+        </p:txBody>
+      </p:sp>
+    </p:spTree>
+    <p:extLst>
+      <p:ext uri="{BB962C8B-B14F-4D97-AF65-F5344CB8AC3E}">
+        <p14:creationId xmlns:p14="http://schemas.microsoft.com/office/powerpoint/2010/main" val="967440797"/>
+      </p:ext>
+    </p:extLst>
+  </p:cSld>
+  <p:clrMapOvr>
+    <a:masterClrMapping/>
+  </p:clrMapOvr>
+</p:sld>
+</file>
+
+<file path=ppt/slides/slide24.xml><?xml version="1.0" encoding="utf-8"?>
+<p:sld xmlns:a="http://schemas.openxmlformats.org/drawingml/2006/main" xmlns:r="http://schemas.openxmlformats.org/officeDocument/2006/relationships" xmlns:p="http://schemas.openxmlformats.org/presentationml/2006/main" show="0">
+  <p:cSld>
+    <p:spTree>
+      <p:nvGrpSpPr>
+        <p:cNvPr id="1" name=""/>
+        <p:cNvGrpSpPr/>
+        <p:nvPr/>
+      </p:nvGrpSpPr>
+      <p:grpSpPr>
+        <a:xfrm>
+          <a:off x="0" y="0"/>
+          <a:ext cx="0" cy="0"/>
+          <a:chOff x="0" y="0"/>
+          <a:chExt cx="0" cy="0"/>
+        </a:xfrm>
+      </p:grpSpPr>
+      <p:sp>
+        <p:nvSpPr>
+          <p:cNvPr id="2" name="Title 1"/>
+          <p:cNvSpPr>
+            <a:spLocks noGrp="1"/>
+          </p:cNvSpPr>
+          <p:nvPr>
+            <p:ph type="title"/>
+          </p:nvPr>
+        </p:nvSpPr>
+        <p:spPr/>
+        <p:txBody>
+          <a:bodyPr/>
+          <a:lstStyle/>
+          <a:p>
+            <a:r>
+              <a:rPr lang="en-US" dirty="0" err="1"/>
+              <a:t>Trimmomatic</a:t>
+            </a:r>
+            <a:r>
+              <a:rPr lang="en-US" dirty="0"/>
+              <a:t> case I command line</a:t>
+            </a:r>
+          </a:p>
+        </p:txBody>
+      </p:sp>
+      <p:sp>
+        <p:nvSpPr>
+          <p:cNvPr id="3" name="Content Placeholder 2"/>
+          <p:cNvSpPr>
+            <a:spLocks noGrp="1"/>
+          </p:cNvSpPr>
+          <p:nvPr>
+            <p:ph idx="1"/>
+          </p:nvPr>
+        </p:nvSpPr>
+        <p:spPr>
+          <a:xfrm>
+            <a:off x="157119" y="1384876"/>
+            <a:ext cx="8986881" cy="4919863"/>
+          </a:xfrm>
+        </p:spPr>
+        <p:txBody>
+          <a:bodyPr>
+            <a:noAutofit/>
+          </a:bodyPr>
+          <a:lstStyle/>
+          <a:p>
+            <a:pPr marL="0" indent="0">
+              <a:buNone/>
+            </a:pPr>
+            <a:r>
+              <a:rPr lang="en-US" sz="1800" dirty="0">
+                <a:latin typeface="Courier"/>
+                <a:cs typeface="Courier"/>
+              </a:rPr>
+              <a:t># adaptor trimming</a:t>
+            </a:r>
+          </a:p>
+          <a:p>
+            <a:pPr marL="0" indent="0">
+              <a:buNone/>
+            </a:pPr>
+            <a:r>
+              <a:rPr lang="en-US" dirty="0">
+                <a:latin typeface="Courier"/>
+                <a:cs typeface="Courier"/>
+              </a:rPr>
+              <a:t>java -jar $</a:t>
+            </a:r>
+            <a:r>
+              <a:rPr lang="en-US" dirty="0" err="1">
+                <a:latin typeface="Courier"/>
+                <a:cs typeface="Courier"/>
+              </a:rPr>
+              <a:t>trimJar</a:t>
+            </a:r>
+            <a:r>
+              <a:rPr lang="en-US" dirty="0">
+                <a:latin typeface="Courier"/>
+                <a:cs typeface="Courier"/>
+              </a:rPr>
+              <a:t> PE \</a:t>
+            </a:r>
+          </a:p>
+          <a:p>
+            <a:pPr marL="0" indent="0">
+              <a:buNone/>
+            </a:pPr>
+            <a:r>
+              <a:rPr lang="de-DE" dirty="0">
+                <a:latin typeface="Courier"/>
+                <a:cs typeface="Courier"/>
+              </a:rPr>
+              <a:t>  -phred33 \</a:t>
+            </a:r>
+          </a:p>
+          <a:p>
+            <a:pPr marL="0" indent="0">
+              <a:buNone/>
+            </a:pPr>
+            <a:r>
+              <a:rPr lang="de-DE" dirty="0">
+                <a:latin typeface="Courier"/>
+                <a:cs typeface="Courier"/>
+              </a:rPr>
+              <a:t>  p1.fq p2.fq \</a:t>
+            </a:r>
+          </a:p>
+          <a:p>
+            <a:pPr marL="0" indent="0">
+              <a:buNone/>
+            </a:pPr>
+            <a:r>
+              <a:rPr lang="pt-BR" dirty="0">
+                <a:latin typeface="Courier"/>
+                <a:cs typeface="Courier"/>
+              </a:rPr>
+              <a:t>  out.p1.fq out.s1.fq \</a:t>
+            </a:r>
+          </a:p>
+          <a:p>
+            <a:pPr marL="0" indent="0">
+              <a:buNone/>
+            </a:pPr>
+            <a:r>
+              <a:rPr lang="pt-BR" dirty="0">
+                <a:latin typeface="Courier"/>
+                <a:cs typeface="Courier"/>
+              </a:rPr>
+              <a:t>  out.p2.fq out.s2.fq \</a:t>
+            </a:r>
+          </a:p>
+          <a:p>
+            <a:pPr marL="0" indent="0">
+              <a:buNone/>
+            </a:pPr>
+            <a:r>
+              <a:rPr lang="pt-BR" dirty="0">
+                <a:latin typeface="Courier"/>
+                <a:cs typeface="Courier"/>
+              </a:rPr>
+              <a:t>  ILLUMINACLIP:TruSeq3-PE.fa:3:20:10:1:true \</a:t>
+            </a:r>
+          </a:p>
+          <a:p>
+            <a:pPr marL="0" indent="0">
+              <a:buNone/>
+            </a:pPr>
+            <a:r>
+              <a:rPr lang="pt-BR" dirty="0">
+                <a:latin typeface="Courier"/>
+                <a:cs typeface="Courier"/>
+              </a:rPr>
+              <a:t>  LEADING:3 TRAILING:3 \</a:t>
+            </a:r>
+          </a:p>
+          <a:p>
+            <a:pPr marL="0" indent="0">
+              <a:buNone/>
+            </a:pPr>
+            <a:r>
+              <a:rPr lang="pt-BR" dirty="0">
+                <a:latin typeface="Courier"/>
+                <a:cs typeface="Courier"/>
+              </a:rPr>
+              <a:t>  SLIDINGWINDOW:4:0 \</a:t>
+            </a:r>
+          </a:p>
+          <a:p>
+            <a:pPr marL="0" indent="0">
+              <a:buNone/>
+            </a:pPr>
+            <a:r>
+              <a:rPr lang="pt-BR" dirty="0">
+                <a:latin typeface="Courier"/>
+                <a:cs typeface="Courier"/>
+              </a:rPr>
+              <a:t>  MINLEN:0</a:t>
+            </a:r>
+          </a:p>
+        </p:txBody>
+      </p:sp>
+    </p:spTree>
+    <p:extLst>
+      <p:ext uri="{BB962C8B-B14F-4D97-AF65-F5344CB8AC3E}">
+        <p14:creationId xmlns:p14="http://schemas.microsoft.com/office/powerpoint/2010/main" val="832698785"/>
       </p:ext>
     </p:extLst>
   </p:cSld>

--- a/PLPTH813Bioinformatis/2023/labs/lab04_NGS.pptx
+++ b/PLPTH813Bioinformatis/2023/labs/lab04_NGS.pptx
@@ -7042,8 +7042,8 @@
         </p:nvSpPr>
         <p:spPr>
           <a:xfrm>
-            <a:off x="357112" y="2511457"/>
-            <a:ext cx="8434432" cy="4035560"/>
+            <a:off x="93222" y="2013745"/>
+            <a:ext cx="8726061" cy="4035560"/>
           </a:xfrm>
         </p:spPr>
         <p:txBody>
@@ -7056,25 +7056,18 @@
               <a:buNone/>
             </a:pPr>
             <a:r>
+              <a:rPr lang="en-US" sz="2000" dirty="0">
+                <a:latin typeface="Courier"/>
+                <a:cs typeface="Courier"/>
+              </a:rPr>
+              <a:t>java -jar $EBROOTTRIMMOMATIC/trimmomatic-0.39.jar PE </a:t>
+            </a:r>
+            <a:r>
               <a:rPr lang="en-US" dirty="0">
                 <a:latin typeface="Courier"/>
                 <a:cs typeface="Courier"/>
               </a:rPr>
-              <a:t>java -jar $</a:t>
-            </a:r>
-            <a:r>
-              <a:rPr lang="en-US" dirty="0" err="1">
-                <a:latin typeface="Courier"/>
-                <a:cs typeface="Courier"/>
-              </a:rPr>
-              <a:t>trimJar</a:t>
-            </a:r>
-            <a:r>
-              <a:rPr lang="en-US" dirty="0">
-                <a:latin typeface="Courier"/>
-                <a:cs typeface="Courier"/>
-              </a:rPr>
-              <a:t> PE \</a:t>
+              <a:t>\</a:t>
             </a:r>
           </a:p>
           <a:p>
@@ -7194,225 +7187,82 @@
       </p:sp>
       <p:sp>
         <p:nvSpPr>
-          <p:cNvPr id="4" name="Content Placeholder 2"/>
-          <p:cNvSpPr txBox="1">
-            <a:spLocks/>
-          </p:cNvSpPr>
+          <p:cNvPr id="5" name="TextBox 4">
+            <a:extLst>
+              <a:ext uri="{FF2B5EF4-FFF2-40B4-BE49-F238E27FC236}">
+                <a16:creationId xmlns:a16="http://schemas.microsoft.com/office/drawing/2014/main" id="{7FB2C544-6615-EACA-6849-F3911DA403FD}"/>
+              </a:ext>
+            </a:extLst>
+          </p:cNvPr>
+          <p:cNvSpPr txBox="1"/>
           <p:nvPr/>
         </p:nvSpPr>
         <p:spPr>
           <a:xfrm>
-            <a:off x="252368" y="1541923"/>
-            <a:ext cx="8726061" cy="909375"/>
+            <a:off x="196539" y="1207519"/>
+            <a:ext cx="8750922" cy="646331"/>
           </a:xfrm>
           <a:prstGeom prst="rect">
             <a:avLst/>
           </a:prstGeom>
+          <a:noFill/>
         </p:spPr>
         <p:txBody>
-          <a:bodyPr vert="horz" lIns="91440" tIns="45720" rIns="91440" bIns="45720" rtlCol="0">
-            <a:normAutofit fontScale="92500"/>
+          <a:bodyPr wrap="none" rtlCol="0">
+            <a:spAutoFit/>
           </a:bodyPr>
-          <a:lstStyle>
-            <a:lvl1pPr marL="342900" indent="-342900" algn="l" defTabSz="457200" rtl="0" eaLnBrk="1" latinLnBrk="0" hangingPunct="1">
-              <a:spcBef>
-                <a:spcPct val="20000"/>
-              </a:spcBef>
-              <a:buFont typeface="Arial"/>
-              <a:buChar char="•"/>
-              <a:defRPr sz="2400" kern="1200">
-                <a:solidFill>
-                  <a:schemeClr val="tx1"/>
-                </a:solidFill>
-                <a:latin typeface="+mn-lt"/>
-                <a:ea typeface="+mn-ea"/>
-                <a:cs typeface="+mn-cs"/>
-              </a:defRPr>
-            </a:lvl1pPr>
-            <a:lvl2pPr marL="742950" indent="-285750" algn="l" defTabSz="457200" rtl="0" eaLnBrk="1" latinLnBrk="0" hangingPunct="1">
-              <a:spcBef>
-                <a:spcPct val="20000"/>
-              </a:spcBef>
-              <a:buFont typeface="Arial"/>
-              <a:buChar char="–"/>
-              <a:defRPr sz="2400" kern="1200">
-                <a:solidFill>
-                  <a:schemeClr val="tx1"/>
-                </a:solidFill>
-                <a:latin typeface="+mn-lt"/>
-                <a:ea typeface="+mn-ea"/>
-                <a:cs typeface="+mn-cs"/>
-              </a:defRPr>
-            </a:lvl2pPr>
-            <a:lvl3pPr marL="1143000" indent="-228600" algn="l" defTabSz="457200" rtl="0" eaLnBrk="1" latinLnBrk="0" hangingPunct="1">
-              <a:spcBef>
-                <a:spcPct val="20000"/>
-              </a:spcBef>
-              <a:buFont typeface="Arial"/>
-              <a:buChar char="•"/>
-              <a:defRPr sz="2400" kern="1200">
-                <a:solidFill>
-                  <a:schemeClr val="tx1"/>
-                </a:solidFill>
-                <a:latin typeface="+mn-lt"/>
-                <a:ea typeface="+mn-ea"/>
-                <a:cs typeface="+mn-cs"/>
-              </a:defRPr>
-            </a:lvl3pPr>
-            <a:lvl4pPr marL="1600200" indent="-228600" algn="l" defTabSz="457200" rtl="0" eaLnBrk="1" latinLnBrk="0" hangingPunct="1">
-              <a:spcBef>
-                <a:spcPct val="20000"/>
-              </a:spcBef>
-              <a:buFont typeface="Arial"/>
-              <a:buChar char="–"/>
-              <a:defRPr sz="2400" kern="1200">
-                <a:solidFill>
-                  <a:schemeClr val="tx1"/>
-                </a:solidFill>
-                <a:latin typeface="+mn-lt"/>
-                <a:ea typeface="+mn-ea"/>
-                <a:cs typeface="+mn-cs"/>
-              </a:defRPr>
-            </a:lvl4pPr>
-            <a:lvl5pPr marL="2057400" indent="-228600" algn="l" defTabSz="457200" rtl="0" eaLnBrk="1" latinLnBrk="0" hangingPunct="1">
-              <a:spcBef>
-                <a:spcPct val="20000"/>
-              </a:spcBef>
-              <a:buFont typeface="Arial"/>
-              <a:buChar char="»"/>
-              <a:defRPr sz="2400" kern="1200">
-                <a:solidFill>
-                  <a:schemeClr val="tx1"/>
-                </a:solidFill>
-                <a:latin typeface="+mn-lt"/>
-                <a:ea typeface="+mn-ea"/>
-                <a:cs typeface="+mn-cs"/>
-              </a:defRPr>
-            </a:lvl5pPr>
-            <a:lvl6pPr marL="2514600" indent="-228600" algn="l" defTabSz="457200" rtl="0" eaLnBrk="1" latinLnBrk="0" hangingPunct="1">
-              <a:spcBef>
-                <a:spcPct val="20000"/>
-              </a:spcBef>
-              <a:buFont typeface="Arial"/>
-              <a:buChar char="•"/>
-              <a:defRPr sz="2000" kern="1200">
-                <a:solidFill>
-                  <a:schemeClr val="tx1"/>
-                </a:solidFill>
-                <a:latin typeface="+mn-lt"/>
-                <a:ea typeface="+mn-ea"/>
-                <a:cs typeface="+mn-cs"/>
-              </a:defRPr>
-            </a:lvl6pPr>
-            <a:lvl7pPr marL="2971800" indent="-228600" algn="l" defTabSz="457200" rtl="0" eaLnBrk="1" latinLnBrk="0" hangingPunct="1">
-              <a:spcBef>
-                <a:spcPct val="20000"/>
-              </a:spcBef>
-              <a:buFont typeface="Arial"/>
-              <a:buChar char="•"/>
-              <a:defRPr sz="2000" kern="1200">
-                <a:solidFill>
-                  <a:schemeClr val="tx1"/>
-                </a:solidFill>
-                <a:latin typeface="+mn-lt"/>
-                <a:ea typeface="+mn-ea"/>
-                <a:cs typeface="+mn-cs"/>
-              </a:defRPr>
-            </a:lvl7pPr>
-            <a:lvl8pPr marL="3429000" indent="-228600" algn="l" defTabSz="457200" rtl="0" eaLnBrk="1" latinLnBrk="0" hangingPunct="1">
-              <a:spcBef>
-                <a:spcPct val="20000"/>
-              </a:spcBef>
-              <a:buFont typeface="Arial"/>
-              <a:buChar char="•"/>
-              <a:defRPr sz="2000" kern="1200">
-                <a:solidFill>
-                  <a:schemeClr val="tx1"/>
-                </a:solidFill>
-                <a:latin typeface="+mn-lt"/>
-                <a:ea typeface="+mn-ea"/>
-                <a:cs typeface="+mn-cs"/>
-              </a:defRPr>
-            </a:lvl8pPr>
-            <a:lvl9pPr marL="3886200" indent="-228600" algn="l" defTabSz="457200" rtl="0" eaLnBrk="1" latinLnBrk="0" hangingPunct="1">
-              <a:spcBef>
-                <a:spcPct val="20000"/>
-              </a:spcBef>
-              <a:buFont typeface="Arial"/>
-              <a:buChar char="•"/>
-              <a:defRPr sz="2000" kern="1200">
-                <a:solidFill>
-                  <a:schemeClr val="tx1"/>
-                </a:solidFill>
-                <a:latin typeface="+mn-lt"/>
-                <a:ea typeface="+mn-ea"/>
-                <a:cs typeface="+mn-cs"/>
-              </a:defRPr>
-            </a:lvl9pPr>
-          </a:lstStyle>
-          <a:p>
-            <a:pPr marL="0" indent="0">
-              <a:buFont typeface="Arial"/>
-              <a:buNone/>
-            </a:pPr>
+          <a:lstStyle/>
+          <a:p>
+            <a:r>
+              <a:rPr lang="en-US" dirty="0" err="1"/>
+              <a:t>wget</a:t>
+            </a:r>
             <a:r>
               <a:rPr lang="en-US" dirty="0"/>
-              <a:t># copy data</a:t>
-            </a:r>
-          </a:p>
-          <a:p>
-            <a:pPr marL="0" indent="0">
-              <a:buNone/>
-            </a:pPr>
-            <a:r>
-              <a:rPr lang="en-US" sz="1800" dirty="0" err="1">
-                <a:latin typeface="Courier"/>
-                <a:cs typeface="Courier"/>
-              </a:rPr>
-              <a:t>cp</a:t>
-            </a:r>
-            <a:r>
-              <a:rPr lang="en-US" sz="1800" dirty="0">
-                <a:latin typeface="Courier"/>
-                <a:cs typeface="Courier"/>
-              </a:rPr>
-              <a:t> /homes/liu3zhen/teaching/datasets/</a:t>
-            </a:r>
-            <a:r>
-              <a:rPr lang="en-US" sz="1800" dirty="0" err="1">
-                <a:latin typeface="Courier"/>
-                <a:cs typeface="Courier"/>
-              </a:rPr>
+              <a:t> https://</a:t>
+            </a:r>
+            <a:r>
+              <a:rPr lang="en-US" dirty="0" err="1"/>
+              <a:t>people.beocat.ksu.edu</a:t>
+            </a:r>
+            <a:r>
+              <a:rPr lang="en-US" dirty="0"/>
+              <a:t>/~liu3zhen/PLPTH813/data/</a:t>
+            </a:r>
+            <a:r>
+              <a:rPr lang="en-US" dirty="0" err="1"/>
               <a:t>EcoliWGS</a:t>
             </a:r>
             <a:r>
-              <a:rPr lang="en-US" sz="1800" dirty="0">
-                <a:latin typeface="Courier"/>
-                <a:cs typeface="Courier"/>
-              </a:rPr>
-              <a:t>/MG1655.pair*.</a:t>
-            </a:r>
-            <a:r>
-              <a:rPr lang="en-US" sz="1800" dirty="0" err="1">
-                <a:latin typeface="Courier"/>
-                <a:cs typeface="Courier"/>
-              </a:rPr>
-              <a:t>fq</a:t>
-            </a:r>
-            <a:r>
-              <a:rPr lang="en-US" sz="1800" dirty="0">
-                <a:latin typeface="Courier"/>
-                <a:cs typeface="Courier"/>
-              </a:rPr>
-              <a:t> .</a:t>
-            </a:r>
-          </a:p>
-          <a:p>
-            <a:pPr marL="0" indent="0">
-              <a:buFont typeface="Arial"/>
-              <a:buNone/>
-            </a:pPr>
-            <a:endParaRPr lang="en-US" dirty="0"/>
+              <a:rPr lang="en-US" dirty="0"/>
+              <a:t>/MG1655.pair1.fq</a:t>
+            </a:r>
+          </a:p>
+          <a:p>
+            <a:r>
+              <a:rPr lang="en-US" dirty="0" err="1"/>
+              <a:t>wget</a:t>
+            </a:r>
+            <a:r>
+              <a:rPr lang="en-US" dirty="0"/>
+              <a:t> https://</a:t>
+            </a:r>
+            <a:r>
+              <a:rPr lang="en-US" dirty="0" err="1"/>
+              <a:t>people.beocat.ksu.edu</a:t>
+            </a:r>
+            <a:r>
+              <a:rPr lang="en-US" dirty="0"/>
+              <a:t>/~liu3zhen/PLPTH813/data/</a:t>
+            </a:r>
+            <a:r>
+              <a:rPr lang="en-US" dirty="0" err="1"/>
+              <a:t>EcoliWGS</a:t>
+            </a:r>
+            <a:r>
+              <a:rPr lang="en-US" dirty="0"/>
+              <a:t>/MG1655.pair2.fq</a:t>
+            </a:r>
           </a:p>
         </p:txBody>
       </p:sp>
@@ -7510,25 +7360,18 @@
               <a:buNone/>
             </a:pPr>
             <a:r>
+              <a:rPr lang="en-US" sz="2000" dirty="0">
+                <a:latin typeface="Courier"/>
+                <a:cs typeface="Courier"/>
+              </a:rPr>
+              <a:t>java -jar $EBROOTTRIMMOMATIC/trimmomatic-0.39.jar PE </a:t>
+            </a:r>
+            <a:r>
               <a:rPr lang="en-US" dirty="0">
                 <a:latin typeface="Courier"/>
                 <a:cs typeface="Courier"/>
               </a:rPr>
-              <a:t>java -jar $</a:t>
-            </a:r>
-            <a:r>
-              <a:rPr lang="en-US" dirty="0" err="1">
-                <a:latin typeface="Courier"/>
-                <a:cs typeface="Courier"/>
-              </a:rPr>
-              <a:t>trimJar</a:t>
-            </a:r>
-            <a:r>
-              <a:rPr lang="en-US" dirty="0">
-                <a:latin typeface="Courier"/>
-                <a:cs typeface="Courier"/>
-              </a:rPr>
-              <a:t> PE \</a:t>
+              <a:t>\</a:t>
             </a:r>
           </a:p>
           <a:p>
